--- a/Wolverines PowerPoint.pptx
+++ b/Wolverines PowerPoint.pptx
@@ -1,48 +1,48 @@
 
 <file path=ppt/presentation.xml><?xml version="1.0" encoding="utf-8"?>
-<p:presentation xmlns:a="http://schemas.openxmlformats.org/drawingml/2006/main" xmlns:r="http://schemas.openxmlformats.org/officeDocument/2006/relationships" xmlns:mc="http://schemas.openxmlformats.org/markup-compatibility/2006" xmlns:mv="urn:schemas-microsoft-com:mac:vml" xmlns:p="http://schemas.openxmlformats.org/presentationml/2006/main" xmlns:c="http://schemas.openxmlformats.org/drawingml/2006/chart" xmlns:dgm="http://schemas.openxmlformats.org/drawingml/2006/diagram" xmlns:o="urn:schemas-microsoft-com:office:office" xmlns:v="urn:schemas-microsoft-com:vml" xmlns:pvml="urn:schemas-microsoft-com:office:powerpoint" xmlns:com="http://schemas.openxmlformats.org/drawingml/2006/compatibility" xmlns:p14="http://schemas.microsoft.com/office/powerpoint/2010/main" autoCompressPictures="0" embedTrueTypeFonts="1" strictFirstAndLastChars="0" saveSubsetFonts="1">
+<p:presentation xmlns:a="http://schemas.openxmlformats.org/drawingml/2006/main" xmlns:r="http://schemas.openxmlformats.org/officeDocument/2006/relationships" xmlns:p="http://schemas.openxmlformats.org/presentationml/2006/main" strictFirstAndLastChars="0" embedTrueTypeFonts="1" saveSubsetFonts="1" autoCompressPictures="0">
   <p:sldMasterIdLst>
-    <p:sldMasterId id="2147483659" r:id="rId3"/>
+    <p:sldMasterId id="2147483659" r:id="rId1"/>
   </p:sldMasterIdLst>
   <p:notesMasterIdLst>
-    <p:notesMasterId r:id="rId4"/>
+    <p:notesMasterId r:id="rId18"/>
   </p:notesMasterIdLst>
   <p:sldIdLst>
-    <p:sldId id="256" r:id="rId5"/>
-    <p:sldId id="257" r:id="rId6"/>
-    <p:sldId id="258" r:id="rId7"/>
-    <p:sldId id="259" r:id="rId8"/>
-    <p:sldId id="260" r:id="rId9"/>
-    <p:sldId id="261" r:id="rId10"/>
-    <p:sldId id="262" r:id="rId11"/>
-    <p:sldId id="263" r:id="rId12"/>
-    <p:sldId id="264" r:id="rId13"/>
-    <p:sldId id="265" r:id="rId14"/>
-    <p:sldId id="266" r:id="rId15"/>
-    <p:sldId id="267" r:id="rId16"/>
-    <p:sldId id="268" r:id="rId17"/>
-    <p:sldId id="269" r:id="rId18"/>
-    <p:sldId id="270" r:id="rId19"/>
-    <p:sldId id="271" r:id="rId20"/>
+    <p:sldId id="256" r:id="rId2"/>
+    <p:sldId id="257" r:id="rId3"/>
+    <p:sldId id="258" r:id="rId4"/>
+    <p:sldId id="259" r:id="rId5"/>
+    <p:sldId id="260" r:id="rId6"/>
+    <p:sldId id="261" r:id="rId7"/>
+    <p:sldId id="262" r:id="rId8"/>
+    <p:sldId id="263" r:id="rId9"/>
+    <p:sldId id="264" r:id="rId10"/>
+    <p:sldId id="265" r:id="rId11"/>
+    <p:sldId id="266" r:id="rId12"/>
+    <p:sldId id="267" r:id="rId13"/>
+    <p:sldId id="268" r:id="rId14"/>
+    <p:sldId id="269" r:id="rId15"/>
+    <p:sldId id="270" r:id="rId16"/>
+    <p:sldId id="271" r:id="rId17"/>
   </p:sldIdLst>
-  <p:sldSz cy="5143500" cx="9144000"/>
+  <p:sldSz cx="9144000" cy="5143500" type="screen16x9"/>
   <p:notesSz cx="6858000" cy="9144000"/>
   <p:embeddedFontLst>
     <p:embeddedFont>
-      <p:font typeface="PT Sans Narrow"/>
-      <p:regular r:id="rId21"/>
-      <p:bold r:id="rId22"/>
+      <p:font typeface="Open Sans" panose="020B0606030504020204" pitchFamily="34" charset="0"/>
+      <p:regular r:id="rId19"/>
+      <p:bold r:id="rId20"/>
+      <p:italic r:id="rId21"/>
+      <p:boldItalic r:id="rId22"/>
     </p:embeddedFont>
     <p:embeddedFont>
-      <p:font typeface="Open Sans"/>
+      <p:font typeface="PT Sans Narrow" panose="020B0604020202020204" charset="0"/>
       <p:regular r:id="rId23"/>
       <p:bold r:id="rId24"/>
-      <p:italic r:id="rId25"/>
-      <p:boldItalic r:id="rId26"/>
     </p:embeddedFont>
   </p:embeddedFontLst>
   <p:defaultTextStyle>
-    <a:defPPr lvl="0" marR="0" rtl="0" algn="l">
+    <a:defPPr marR="0" lvl="0" algn="l" rtl="0">
       <a:lnSpc>
         <a:spcPct val="100000"/>
       </a:lnSpc>
@@ -53,7 +53,7 @@
         <a:spcPts val="0"/>
       </a:spcAft>
     </a:defPPr>
-    <a:lvl1pPr lvl="0" marR="0" rtl="0" algn="l">
+    <a:lvl1pPr marR="0" lvl="0" algn="l" rtl="0">
       <a:lnSpc>
         <a:spcPct val="100000"/>
       </a:lnSpc>
@@ -64,7 +64,7 @@
         <a:spcPts val="0"/>
       </a:spcAft>
       <a:buNone/>
-      <a:defRPr b="0" i="0" sz="1400" u="none" cap="none" strike="noStrike">
+      <a:defRPr sz="1400" b="0" i="0" u="none" strike="noStrike" cap="none">
         <a:solidFill>
           <a:srgbClr val="000000"/>
         </a:solidFill>
@@ -74,7 +74,7 @@
         <a:sym typeface="Arial"/>
       </a:defRPr>
     </a:lvl1pPr>
-    <a:lvl2pPr lvl="1" marR="0" rtl="0" algn="l">
+    <a:lvl2pPr marR="0" lvl="1" algn="l" rtl="0">
       <a:lnSpc>
         <a:spcPct val="100000"/>
       </a:lnSpc>
@@ -85,7 +85,7 @@
         <a:spcPts val="0"/>
       </a:spcAft>
       <a:buNone/>
-      <a:defRPr b="0" i="0" sz="1400" u="none" cap="none" strike="noStrike">
+      <a:defRPr sz="1400" b="0" i="0" u="none" strike="noStrike" cap="none">
         <a:solidFill>
           <a:srgbClr val="000000"/>
         </a:solidFill>
@@ -95,7 +95,7 @@
         <a:sym typeface="Arial"/>
       </a:defRPr>
     </a:lvl2pPr>
-    <a:lvl3pPr lvl="2" marR="0" rtl="0" algn="l">
+    <a:lvl3pPr marR="0" lvl="2" algn="l" rtl="0">
       <a:lnSpc>
         <a:spcPct val="100000"/>
       </a:lnSpc>
@@ -106,7 +106,7 @@
         <a:spcPts val="0"/>
       </a:spcAft>
       <a:buNone/>
-      <a:defRPr b="0" i="0" sz="1400" u="none" cap="none" strike="noStrike">
+      <a:defRPr sz="1400" b="0" i="0" u="none" strike="noStrike" cap="none">
         <a:solidFill>
           <a:srgbClr val="000000"/>
         </a:solidFill>
@@ -116,7 +116,7 @@
         <a:sym typeface="Arial"/>
       </a:defRPr>
     </a:lvl3pPr>
-    <a:lvl4pPr lvl="3" marR="0" rtl="0" algn="l">
+    <a:lvl4pPr marR="0" lvl="3" algn="l" rtl="0">
       <a:lnSpc>
         <a:spcPct val="100000"/>
       </a:lnSpc>
@@ -127,7 +127,7 @@
         <a:spcPts val="0"/>
       </a:spcAft>
       <a:buNone/>
-      <a:defRPr b="0" i="0" sz="1400" u="none" cap="none" strike="noStrike">
+      <a:defRPr sz="1400" b="0" i="0" u="none" strike="noStrike" cap="none">
         <a:solidFill>
           <a:srgbClr val="000000"/>
         </a:solidFill>
@@ -137,7 +137,7 @@
         <a:sym typeface="Arial"/>
       </a:defRPr>
     </a:lvl4pPr>
-    <a:lvl5pPr lvl="4" marR="0" rtl="0" algn="l">
+    <a:lvl5pPr marR="0" lvl="4" algn="l" rtl="0">
       <a:lnSpc>
         <a:spcPct val="100000"/>
       </a:lnSpc>
@@ -148,7 +148,7 @@
         <a:spcPts val="0"/>
       </a:spcAft>
       <a:buNone/>
-      <a:defRPr b="0" i="0" sz="1400" u="none" cap="none" strike="noStrike">
+      <a:defRPr sz="1400" b="0" i="0" u="none" strike="noStrike" cap="none">
         <a:solidFill>
           <a:srgbClr val="000000"/>
         </a:solidFill>
@@ -158,7 +158,7 @@
         <a:sym typeface="Arial"/>
       </a:defRPr>
     </a:lvl5pPr>
-    <a:lvl6pPr lvl="5" marR="0" rtl="0" algn="l">
+    <a:lvl6pPr marR="0" lvl="5" algn="l" rtl="0">
       <a:lnSpc>
         <a:spcPct val="100000"/>
       </a:lnSpc>
@@ -169,7 +169,7 @@
         <a:spcPts val="0"/>
       </a:spcAft>
       <a:buNone/>
-      <a:defRPr b="0" i="0" sz="1400" u="none" cap="none" strike="noStrike">
+      <a:defRPr sz="1400" b="0" i="0" u="none" strike="noStrike" cap="none">
         <a:solidFill>
           <a:srgbClr val="000000"/>
         </a:solidFill>
@@ -179,7 +179,7 @@
         <a:sym typeface="Arial"/>
       </a:defRPr>
     </a:lvl6pPr>
-    <a:lvl7pPr lvl="6" marR="0" rtl="0" algn="l">
+    <a:lvl7pPr marR="0" lvl="6" algn="l" rtl="0">
       <a:lnSpc>
         <a:spcPct val="100000"/>
       </a:lnSpc>
@@ -190,7 +190,7 @@
         <a:spcPts val="0"/>
       </a:spcAft>
       <a:buNone/>
-      <a:defRPr b="0" i="0" sz="1400" u="none" cap="none" strike="noStrike">
+      <a:defRPr sz="1400" b="0" i="0" u="none" strike="noStrike" cap="none">
         <a:solidFill>
           <a:srgbClr val="000000"/>
         </a:solidFill>
@@ -200,7 +200,7 @@
         <a:sym typeface="Arial"/>
       </a:defRPr>
     </a:lvl7pPr>
-    <a:lvl8pPr lvl="7" marR="0" rtl="0" algn="l">
+    <a:lvl8pPr marR="0" lvl="7" algn="l" rtl="0">
       <a:lnSpc>
         <a:spcPct val="100000"/>
       </a:lnSpc>
@@ -211,7 +211,7 @@
         <a:spcPts val="0"/>
       </a:spcAft>
       <a:buNone/>
-      <a:defRPr b="0" i="0" sz="1400" u="none" cap="none" strike="noStrike">
+      <a:defRPr sz="1400" b="0" i="0" u="none" strike="noStrike" cap="none">
         <a:solidFill>
           <a:srgbClr val="000000"/>
         </a:solidFill>
@@ -221,7 +221,7 @@
         <a:sym typeface="Arial"/>
       </a:defRPr>
     </a:lvl8pPr>
-    <a:lvl9pPr lvl="8" marR="0" rtl="0" algn="l">
+    <a:lvl9pPr marR="0" lvl="8" algn="l" rtl="0">
       <a:lnSpc>
         <a:spcPct val="100000"/>
       </a:lnSpc>
@@ -232,7 +232,7 @@
         <a:spcPts val="0"/>
       </a:spcAft>
       <a:buNone/>
-      <a:defRPr b="0" i="0" sz="1400" u="none" cap="none" strike="noStrike">
+      <a:defRPr sz="1400" b="0" i="0" u="none" strike="noStrike" cap="none">
         <a:solidFill>
           <a:srgbClr val="000000"/>
         </a:solidFill>
@@ -247,11 +247,16 @@
 </file>
 
 <file path=ppt/notesMasters/notesMaster1.xml><?xml version="1.0" encoding="utf-8"?>
-<p:notesMaster xmlns:a="http://schemas.openxmlformats.org/drawingml/2006/main" xmlns:r="http://schemas.openxmlformats.org/officeDocument/2006/relationships" xmlns:mc="http://schemas.openxmlformats.org/markup-compatibility/2006" xmlns:mv="urn:schemas-microsoft-com:mac:vml" xmlns:p="http://schemas.openxmlformats.org/presentationml/2006/main" xmlns:c="http://schemas.openxmlformats.org/drawingml/2006/chart" xmlns:dgm="http://schemas.openxmlformats.org/drawingml/2006/diagram" xmlns:o="urn:schemas-microsoft-com:office:office" xmlns:v="urn:schemas-microsoft-com:vml" xmlns:pvml="urn:schemas-microsoft-com:office:powerpoint" xmlns:com="http://schemas.openxmlformats.org/drawingml/2006/compatibility" xmlns:p14="http://schemas.microsoft.com/office/powerpoint/2010/main">
+<p:notesMaster xmlns:a="http://schemas.openxmlformats.org/drawingml/2006/main" xmlns:r="http://schemas.openxmlformats.org/officeDocument/2006/relationships" xmlns:p="http://schemas.openxmlformats.org/presentationml/2006/main">
   <p:cSld>
+    <p:bg>
+      <p:bgRef idx="1001">
+        <a:schemeClr val="bg1"/>
+      </p:bgRef>
+    </p:bg>
     <p:spTree>
       <p:nvGrpSpPr>
-        <p:cNvPr id="2" name="Shape 2"/>
+        <p:cNvPr id="1" name="Shape 2"/>
         <p:cNvGrpSpPr/>
         <p:nvPr/>
       </p:nvGrpSpPr>
@@ -266,9 +271,11 @@
       <p:sp>
         <p:nvSpPr>
           <p:cNvPr id="3" name="Shape 3"/>
-          <p:cNvSpPr/>
+          <p:cNvSpPr>
+            <a:spLocks noGrp="1" noRot="1" noChangeAspect="1"/>
+          </p:cNvSpPr>
           <p:nvPr>
-            <p:ph idx="2" type="sldImg"/>
+            <p:ph type="sldImg" idx="2"/>
           </p:nvPr>
         </p:nvSpPr>
         <p:spPr>
@@ -277,8 +284,13 @@
             <a:ext cx="6096075" cy="3429000"/>
           </a:xfrm>
           <a:custGeom>
+            <a:avLst/>
+            <a:gdLst/>
+            <a:ahLst/>
+            <a:cxnLst/>
+            <a:rect l="0" t="0" r="0" b="0"/>
             <a:pathLst>
-              <a:path extrusionOk="0" h="120000" w="120000">
+              <a:path w="120000" h="120000" extrusionOk="0">
                 <a:moveTo>
                   <a:pt x="0" y="0"/>
                 </a:moveTo>
@@ -296,23 +308,25 @@
             </a:pathLst>
           </a:custGeom>
           <a:noFill/>
-          <a:ln cap="flat" cmpd="sng" w="9525">
+          <a:ln w="9525" cap="flat" cmpd="sng">
             <a:solidFill>
               <a:srgbClr val="000000"/>
             </a:solidFill>
             <a:prstDash val="solid"/>
             <a:round/>
-            <a:headEnd len="med" w="med" type="none"/>
-            <a:tailEnd len="med" w="med" type="none"/>
+            <a:headEnd type="none" w="med" len="med"/>
+            <a:tailEnd type="none" w="med" len="med"/>
           </a:ln>
         </p:spPr>
       </p:sp>
       <p:sp>
         <p:nvSpPr>
           <p:cNvPr id="4" name="Shape 4"/>
-          <p:cNvSpPr txBox="1"/>
+          <p:cNvSpPr txBox="1">
+            <a:spLocks noGrp="1"/>
+          </p:cNvSpPr>
           <p:nvPr>
-            <p:ph idx="1" type="body"/>
+            <p:ph type="body" idx="1"/>
           </p:nvPr>
         </p:nvSpPr>
         <p:spPr>
@@ -329,7 +343,7 @@
           </a:ln>
         </p:spPr>
         <p:txBody>
-          <a:bodyPr anchorCtr="0" anchor="t" bIns="91425" lIns="91425" rIns="91425" tIns="91425"/>
+          <a:bodyPr lIns="91425" tIns="91425" rIns="91425" bIns="91425" anchor="t" anchorCtr="0"/>
           <a:lstStyle>
             <a:lvl1pPr lvl="0">
               <a:spcBef>
@@ -386,21 +400,115 @@
               <a:defRPr sz="1100"/>
             </a:lvl9pPr>
           </a:lstStyle>
-          <a:p/>
+          <a:p>
+            <a:endParaRPr/>
+          </a:p>
         </p:txBody>
       </p:sp>
     </p:spTree>
   </p:cSld>
-  <p:clrMap accent1="accent1" accent2="accent2" accent3="accent3" accent4="accent4" accent5="accent5" accent6="accent6" bg1="lt1" bg2="dk2" tx1="dk1" tx2="lt2" folHlink="folHlink" hlink="hlink"/>
+  <p:clrMap bg1="lt1" tx1="dk1" bg2="dk2" tx2="lt2" accent1="accent1" accent2="accent2" accent3="accent3" accent4="accent4" accent5="accent5" accent6="accent6" hlink="hlink" folHlink="folHlink"/>
+  <p:notesStyle>
+    <a:lvl1pPr marL="0" algn="l" defTabSz="914400" rtl="0" eaLnBrk="1" latinLnBrk="0" hangingPunct="1">
+      <a:defRPr sz="1200" kern="1200">
+        <a:solidFill>
+          <a:schemeClr val="tx1"/>
+        </a:solidFill>
+        <a:latin typeface="+mn-lt"/>
+        <a:ea typeface="+mn-ea"/>
+        <a:cs typeface="+mn-cs"/>
+      </a:defRPr>
+    </a:lvl1pPr>
+    <a:lvl2pPr marL="457200" algn="l" defTabSz="914400" rtl="0" eaLnBrk="1" latinLnBrk="0" hangingPunct="1">
+      <a:defRPr sz="1200" kern="1200">
+        <a:solidFill>
+          <a:schemeClr val="tx1"/>
+        </a:solidFill>
+        <a:latin typeface="+mn-lt"/>
+        <a:ea typeface="+mn-ea"/>
+        <a:cs typeface="+mn-cs"/>
+      </a:defRPr>
+    </a:lvl2pPr>
+    <a:lvl3pPr marL="914400" algn="l" defTabSz="914400" rtl="0" eaLnBrk="1" latinLnBrk="0" hangingPunct="1">
+      <a:defRPr sz="1200" kern="1200">
+        <a:solidFill>
+          <a:schemeClr val="tx1"/>
+        </a:solidFill>
+        <a:latin typeface="+mn-lt"/>
+        <a:ea typeface="+mn-ea"/>
+        <a:cs typeface="+mn-cs"/>
+      </a:defRPr>
+    </a:lvl3pPr>
+    <a:lvl4pPr marL="1371600" algn="l" defTabSz="914400" rtl="0" eaLnBrk="1" latinLnBrk="0" hangingPunct="1">
+      <a:defRPr sz="1200" kern="1200">
+        <a:solidFill>
+          <a:schemeClr val="tx1"/>
+        </a:solidFill>
+        <a:latin typeface="+mn-lt"/>
+        <a:ea typeface="+mn-ea"/>
+        <a:cs typeface="+mn-cs"/>
+      </a:defRPr>
+    </a:lvl4pPr>
+    <a:lvl5pPr marL="1828800" algn="l" defTabSz="914400" rtl="0" eaLnBrk="1" latinLnBrk="0" hangingPunct="1">
+      <a:defRPr sz="1200" kern="1200">
+        <a:solidFill>
+          <a:schemeClr val="tx1"/>
+        </a:solidFill>
+        <a:latin typeface="+mn-lt"/>
+        <a:ea typeface="+mn-ea"/>
+        <a:cs typeface="+mn-cs"/>
+      </a:defRPr>
+    </a:lvl5pPr>
+    <a:lvl6pPr marL="2286000" algn="l" defTabSz="914400" rtl="0" eaLnBrk="1" latinLnBrk="0" hangingPunct="1">
+      <a:defRPr sz="1200" kern="1200">
+        <a:solidFill>
+          <a:schemeClr val="tx1"/>
+        </a:solidFill>
+        <a:latin typeface="+mn-lt"/>
+        <a:ea typeface="+mn-ea"/>
+        <a:cs typeface="+mn-cs"/>
+      </a:defRPr>
+    </a:lvl6pPr>
+    <a:lvl7pPr marL="2743200" algn="l" defTabSz="914400" rtl="0" eaLnBrk="1" latinLnBrk="0" hangingPunct="1">
+      <a:defRPr sz="1200" kern="1200">
+        <a:solidFill>
+          <a:schemeClr val="tx1"/>
+        </a:solidFill>
+        <a:latin typeface="+mn-lt"/>
+        <a:ea typeface="+mn-ea"/>
+        <a:cs typeface="+mn-cs"/>
+      </a:defRPr>
+    </a:lvl7pPr>
+    <a:lvl8pPr marL="3200400" algn="l" defTabSz="914400" rtl="0" eaLnBrk="1" latinLnBrk="0" hangingPunct="1">
+      <a:defRPr sz="1200" kern="1200">
+        <a:solidFill>
+          <a:schemeClr val="tx1"/>
+        </a:solidFill>
+        <a:latin typeface="+mn-lt"/>
+        <a:ea typeface="+mn-ea"/>
+        <a:cs typeface="+mn-cs"/>
+      </a:defRPr>
+    </a:lvl8pPr>
+    <a:lvl9pPr marL="3657600" algn="l" defTabSz="914400" rtl="0" eaLnBrk="1" latinLnBrk="0" hangingPunct="1">
+      <a:defRPr sz="1200" kern="1200">
+        <a:solidFill>
+          <a:schemeClr val="tx1"/>
+        </a:solidFill>
+        <a:latin typeface="+mn-lt"/>
+        <a:ea typeface="+mn-ea"/>
+        <a:cs typeface="+mn-cs"/>
+      </a:defRPr>
+    </a:lvl9pPr>
+  </p:notesStyle>
 </p:notesMaster>
 </file>
 
 <file path=ppt/notesSlides/notesSlide1.xml><?xml version="1.0" encoding="utf-8"?>
-<p:notes xmlns:a="http://schemas.openxmlformats.org/drawingml/2006/main" xmlns:r="http://schemas.openxmlformats.org/officeDocument/2006/relationships" xmlns:mc="http://schemas.openxmlformats.org/markup-compatibility/2006" xmlns:mv="urn:schemas-microsoft-com:mac:vml" xmlns:p="http://schemas.openxmlformats.org/presentationml/2006/main" xmlns:c="http://schemas.openxmlformats.org/drawingml/2006/chart" xmlns:dgm="http://schemas.openxmlformats.org/drawingml/2006/diagram" xmlns:o="urn:schemas-microsoft-com:office:office" xmlns:v="urn:schemas-microsoft-com:vml" xmlns:pvml="urn:schemas-microsoft-com:office:powerpoint" xmlns:com="http://schemas.openxmlformats.org/drawingml/2006/compatibility" xmlns:p14="http://schemas.microsoft.com/office/powerpoint/2010/main" showMasterPhAnim="0" showMasterSp="0">
+<p:notes xmlns:a="http://schemas.openxmlformats.org/drawingml/2006/main" xmlns:r="http://schemas.openxmlformats.org/officeDocument/2006/relationships" xmlns:p="http://schemas.openxmlformats.org/presentationml/2006/main" showMasterSp="0" showMasterPhAnim="0">
   <p:cSld>
     <p:spTree>
       <p:nvGrpSpPr>
-        <p:cNvPr id="62" name="Shape 62"/>
+        <p:cNvPr id="1" name="Shape 62"/>
         <p:cNvGrpSpPr/>
         <p:nvPr/>
       </p:nvGrpSpPr>
@@ -415,19 +523,26 @@
       <p:sp>
         <p:nvSpPr>
           <p:cNvPr id="63" name="Shape 63"/>
-          <p:cNvSpPr/>
+          <p:cNvSpPr>
+            <a:spLocks noGrp="1" noRot="1" noChangeAspect="1"/>
+          </p:cNvSpPr>
           <p:nvPr>
-            <p:ph idx="2" type="sldImg"/>
+            <p:ph type="sldImg" idx="2"/>
           </p:nvPr>
         </p:nvSpPr>
         <p:spPr>
           <a:xfrm>
-            <a:off x="381300" y="685800"/>
-            <a:ext cx="6096075" cy="3429000"/>
+            <a:off x="381000" y="685800"/>
+            <a:ext cx="6096000" cy="3429000"/>
           </a:xfrm>
           <a:custGeom>
+            <a:avLst/>
+            <a:gdLst/>
+            <a:ahLst/>
+            <a:cxnLst/>
+            <a:rect l="0" t="0" r="0" b="0"/>
             <a:pathLst>
-              <a:path extrusionOk="0" h="120000" w="120000">
+              <a:path w="120000" h="120000" extrusionOk="0">
                 <a:moveTo>
                   <a:pt x="0" y="0"/>
                 </a:moveTo>
@@ -449,9 +564,11 @@
       <p:sp>
         <p:nvSpPr>
           <p:cNvPr id="64" name="Shape 64"/>
-          <p:cNvSpPr txBox="1"/>
+          <p:cNvSpPr txBox="1">
+            <a:spLocks noGrp="1"/>
+          </p:cNvSpPr>
           <p:nvPr>
-            <p:ph idx="1" type="body"/>
+            <p:ph type="body" idx="1"/>
           </p:nvPr>
         </p:nvSpPr>
         <p:spPr>
@@ -464,7 +581,7 @@
           </a:prstGeom>
         </p:spPr>
         <p:txBody>
-          <a:bodyPr anchorCtr="0" anchor="t" bIns="91425" lIns="91425" rIns="91425" tIns="91425">
+          <a:bodyPr lIns="91425" tIns="91425" rIns="91425" bIns="91425" anchor="t" anchorCtr="0">
             <a:noAutofit/>
           </a:bodyPr>
           <a:lstStyle/>
@@ -475,9 +592,6 @@
               </a:spcBef>
               <a:buNone/>
             </a:pPr>
-            <a:r>
-              <a:t/>
-            </a:r>
             <a:endParaRPr/>
           </a:p>
         </p:txBody>
@@ -491,11 +605,11 @@
 </file>
 
 <file path=ppt/notesSlides/notesSlide10.xml><?xml version="1.0" encoding="utf-8"?>
-<p:notes xmlns:a="http://schemas.openxmlformats.org/drawingml/2006/main" xmlns:r="http://schemas.openxmlformats.org/officeDocument/2006/relationships" xmlns:mc="http://schemas.openxmlformats.org/markup-compatibility/2006" xmlns:mv="urn:schemas-microsoft-com:mac:vml" xmlns:p="http://schemas.openxmlformats.org/presentationml/2006/main" xmlns:c="http://schemas.openxmlformats.org/drawingml/2006/chart" xmlns:dgm="http://schemas.openxmlformats.org/drawingml/2006/diagram" xmlns:o="urn:schemas-microsoft-com:office:office" xmlns:v="urn:schemas-microsoft-com:vml" xmlns:pvml="urn:schemas-microsoft-com:office:powerpoint" xmlns:com="http://schemas.openxmlformats.org/drawingml/2006/compatibility" xmlns:p14="http://schemas.microsoft.com/office/powerpoint/2010/main" showMasterPhAnim="0" showMasterSp="0">
+<p:notes xmlns:a="http://schemas.openxmlformats.org/drawingml/2006/main" xmlns:r="http://schemas.openxmlformats.org/officeDocument/2006/relationships" xmlns:p="http://schemas.openxmlformats.org/presentationml/2006/main" showMasterSp="0" showMasterPhAnim="0">
   <p:cSld>
     <p:spTree>
       <p:nvGrpSpPr>
-        <p:cNvPr id="116" name="Shape 116"/>
+        <p:cNvPr id="1" name="Shape 116"/>
         <p:cNvGrpSpPr/>
         <p:nvPr/>
       </p:nvGrpSpPr>
@@ -510,19 +624,26 @@
       <p:sp>
         <p:nvSpPr>
           <p:cNvPr id="117" name="Shape 117"/>
-          <p:cNvSpPr/>
+          <p:cNvSpPr>
+            <a:spLocks noGrp="1" noRot="1" noChangeAspect="1"/>
+          </p:cNvSpPr>
           <p:nvPr>
-            <p:ph idx="2" type="sldImg"/>
+            <p:ph type="sldImg" idx="2"/>
           </p:nvPr>
         </p:nvSpPr>
         <p:spPr>
           <a:xfrm>
-            <a:off x="381300" y="685800"/>
+            <a:off x="381000" y="685800"/>
             <a:ext cx="6096000" cy="3429000"/>
           </a:xfrm>
           <a:custGeom>
+            <a:avLst/>
+            <a:gdLst/>
+            <a:ahLst/>
+            <a:cxnLst/>
+            <a:rect l="0" t="0" r="0" b="0"/>
             <a:pathLst>
-              <a:path extrusionOk="0" h="120000" w="120000">
+              <a:path w="120000" h="120000" extrusionOk="0">
                 <a:moveTo>
                   <a:pt x="0" y="0"/>
                 </a:moveTo>
@@ -544,9 +665,11 @@
       <p:sp>
         <p:nvSpPr>
           <p:cNvPr id="118" name="Shape 118"/>
-          <p:cNvSpPr txBox="1"/>
+          <p:cNvSpPr txBox="1">
+            <a:spLocks noGrp="1"/>
+          </p:cNvSpPr>
           <p:nvPr>
-            <p:ph idx="1" type="body"/>
+            <p:ph type="body" idx="1"/>
           </p:nvPr>
         </p:nvSpPr>
         <p:spPr>
@@ -559,7 +682,7 @@
           </a:prstGeom>
         </p:spPr>
         <p:txBody>
-          <a:bodyPr anchorCtr="0" anchor="t" bIns="91425" lIns="91425" rIns="91425" tIns="91425">
+          <a:bodyPr lIns="91425" tIns="91425" rIns="91425" bIns="91425" anchor="t" anchorCtr="0">
             <a:noAutofit/>
           </a:bodyPr>
           <a:lstStyle/>
@@ -570,9 +693,6 @@
               </a:spcBef>
               <a:buNone/>
             </a:pPr>
-            <a:r>
-              <a:t/>
-            </a:r>
             <a:endParaRPr/>
           </a:p>
         </p:txBody>
@@ -586,11 +706,11 @@
 </file>
 
 <file path=ppt/notesSlides/notesSlide11.xml><?xml version="1.0" encoding="utf-8"?>
-<p:notes xmlns:a="http://schemas.openxmlformats.org/drawingml/2006/main" xmlns:r="http://schemas.openxmlformats.org/officeDocument/2006/relationships" xmlns:mc="http://schemas.openxmlformats.org/markup-compatibility/2006" xmlns:mv="urn:schemas-microsoft-com:mac:vml" xmlns:p="http://schemas.openxmlformats.org/presentationml/2006/main" xmlns:c="http://schemas.openxmlformats.org/drawingml/2006/chart" xmlns:dgm="http://schemas.openxmlformats.org/drawingml/2006/diagram" xmlns:o="urn:schemas-microsoft-com:office:office" xmlns:v="urn:schemas-microsoft-com:vml" xmlns:pvml="urn:schemas-microsoft-com:office:powerpoint" xmlns:com="http://schemas.openxmlformats.org/drawingml/2006/compatibility" xmlns:p14="http://schemas.microsoft.com/office/powerpoint/2010/main" showMasterPhAnim="0" showMasterSp="0">
+<p:notes xmlns:a="http://schemas.openxmlformats.org/drawingml/2006/main" xmlns:r="http://schemas.openxmlformats.org/officeDocument/2006/relationships" xmlns:p="http://schemas.openxmlformats.org/presentationml/2006/main" showMasterSp="0" showMasterPhAnim="0">
   <p:cSld>
     <p:spTree>
       <p:nvGrpSpPr>
-        <p:cNvPr id="122" name="Shape 122"/>
+        <p:cNvPr id="1" name="Shape 122"/>
         <p:cNvGrpSpPr/>
         <p:nvPr/>
       </p:nvGrpSpPr>
@@ -605,19 +725,26 @@
       <p:sp>
         <p:nvSpPr>
           <p:cNvPr id="123" name="Shape 123"/>
-          <p:cNvSpPr/>
+          <p:cNvSpPr>
+            <a:spLocks noGrp="1" noRot="1" noChangeAspect="1"/>
+          </p:cNvSpPr>
           <p:nvPr>
-            <p:ph idx="2" type="sldImg"/>
+            <p:ph type="sldImg" idx="2"/>
           </p:nvPr>
         </p:nvSpPr>
         <p:spPr>
           <a:xfrm>
-            <a:off x="381300" y="685800"/>
+            <a:off x="381000" y="685800"/>
             <a:ext cx="6096000" cy="3429000"/>
           </a:xfrm>
           <a:custGeom>
+            <a:avLst/>
+            <a:gdLst/>
+            <a:ahLst/>
+            <a:cxnLst/>
+            <a:rect l="0" t="0" r="0" b="0"/>
             <a:pathLst>
-              <a:path extrusionOk="0" h="120000" w="120000">
+              <a:path w="120000" h="120000" extrusionOk="0">
                 <a:moveTo>
                   <a:pt x="0" y="0"/>
                 </a:moveTo>
@@ -639,9 +766,11 @@
       <p:sp>
         <p:nvSpPr>
           <p:cNvPr id="124" name="Shape 124"/>
-          <p:cNvSpPr txBox="1"/>
+          <p:cNvSpPr txBox="1">
+            <a:spLocks noGrp="1"/>
+          </p:cNvSpPr>
           <p:nvPr>
-            <p:ph idx="1" type="body"/>
+            <p:ph type="body" idx="1"/>
           </p:nvPr>
         </p:nvSpPr>
         <p:spPr>
@@ -654,7 +783,7 @@
           </a:prstGeom>
         </p:spPr>
         <p:txBody>
-          <a:bodyPr anchorCtr="0" anchor="t" bIns="91425" lIns="91425" rIns="91425" tIns="91425">
+          <a:bodyPr lIns="91425" tIns="91425" rIns="91425" bIns="91425" anchor="t" anchorCtr="0">
             <a:noAutofit/>
           </a:bodyPr>
           <a:lstStyle/>
@@ -693,11 +822,11 @@
 </file>
 
 <file path=ppt/notesSlides/notesSlide12.xml><?xml version="1.0" encoding="utf-8"?>
-<p:notes xmlns:a="http://schemas.openxmlformats.org/drawingml/2006/main" xmlns:r="http://schemas.openxmlformats.org/officeDocument/2006/relationships" xmlns:mc="http://schemas.openxmlformats.org/markup-compatibility/2006" xmlns:mv="urn:schemas-microsoft-com:mac:vml" xmlns:p="http://schemas.openxmlformats.org/presentationml/2006/main" xmlns:c="http://schemas.openxmlformats.org/drawingml/2006/chart" xmlns:dgm="http://schemas.openxmlformats.org/drawingml/2006/diagram" xmlns:o="urn:schemas-microsoft-com:office:office" xmlns:v="urn:schemas-microsoft-com:vml" xmlns:pvml="urn:schemas-microsoft-com:office:powerpoint" xmlns:com="http://schemas.openxmlformats.org/drawingml/2006/compatibility" xmlns:p14="http://schemas.microsoft.com/office/powerpoint/2010/main" showMasterPhAnim="0" showMasterSp="0">
+<p:notes xmlns:a="http://schemas.openxmlformats.org/drawingml/2006/main" xmlns:r="http://schemas.openxmlformats.org/officeDocument/2006/relationships" xmlns:p="http://schemas.openxmlformats.org/presentationml/2006/main" showMasterSp="0" showMasterPhAnim="0">
   <p:cSld>
     <p:spTree>
       <p:nvGrpSpPr>
-        <p:cNvPr id="128" name="Shape 128"/>
+        <p:cNvPr id="1" name="Shape 128"/>
         <p:cNvGrpSpPr/>
         <p:nvPr/>
       </p:nvGrpSpPr>
@@ -712,19 +841,26 @@
       <p:sp>
         <p:nvSpPr>
           <p:cNvPr id="129" name="Shape 129"/>
-          <p:cNvSpPr/>
+          <p:cNvSpPr>
+            <a:spLocks noGrp="1" noRot="1" noChangeAspect="1"/>
+          </p:cNvSpPr>
           <p:nvPr>
-            <p:ph idx="2" type="sldImg"/>
+            <p:ph type="sldImg" idx="2"/>
           </p:nvPr>
         </p:nvSpPr>
         <p:spPr>
           <a:xfrm>
-            <a:off x="381300" y="685800"/>
+            <a:off x="381000" y="685800"/>
             <a:ext cx="6096000" cy="3429000"/>
           </a:xfrm>
           <a:custGeom>
+            <a:avLst/>
+            <a:gdLst/>
+            <a:ahLst/>
+            <a:cxnLst/>
+            <a:rect l="0" t="0" r="0" b="0"/>
             <a:pathLst>
-              <a:path extrusionOk="0" h="120000" w="120000">
+              <a:path w="120000" h="120000" extrusionOk="0">
                 <a:moveTo>
                   <a:pt x="0" y="0"/>
                 </a:moveTo>
@@ -746,9 +882,11 @@
       <p:sp>
         <p:nvSpPr>
           <p:cNvPr id="130" name="Shape 130"/>
-          <p:cNvSpPr txBox="1"/>
+          <p:cNvSpPr txBox="1">
+            <a:spLocks noGrp="1"/>
+          </p:cNvSpPr>
           <p:nvPr>
-            <p:ph idx="1" type="body"/>
+            <p:ph type="body" idx="1"/>
           </p:nvPr>
         </p:nvSpPr>
         <p:spPr>
@@ -761,7 +899,7 @@
           </a:prstGeom>
         </p:spPr>
         <p:txBody>
-          <a:bodyPr anchorCtr="0" anchor="t" bIns="91425" lIns="91425" rIns="91425" tIns="91425">
+          <a:bodyPr lIns="91425" tIns="91425" rIns="91425" bIns="91425" anchor="t" anchorCtr="0">
             <a:noAutofit/>
           </a:bodyPr>
           <a:lstStyle/>
@@ -788,11 +926,11 @@
 </file>
 
 <file path=ppt/notesSlides/notesSlide13.xml><?xml version="1.0" encoding="utf-8"?>
-<p:notes xmlns:a="http://schemas.openxmlformats.org/drawingml/2006/main" xmlns:r="http://schemas.openxmlformats.org/officeDocument/2006/relationships" xmlns:mc="http://schemas.openxmlformats.org/markup-compatibility/2006" xmlns:mv="urn:schemas-microsoft-com:mac:vml" xmlns:p="http://schemas.openxmlformats.org/presentationml/2006/main" xmlns:c="http://schemas.openxmlformats.org/drawingml/2006/chart" xmlns:dgm="http://schemas.openxmlformats.org/drawingml/2006/diagram" xmlns:o="urn:schemas-microsoft-com:office:office" xmlns:v="urn:schemas-microsoft-com:vml" xmlns:pvml="urn:schemas-microsoft-com:office:powerpoint" xmlns:com="http://schemas.openxmlformats.org/drawingml/2006/compatibility" xmlns:p14="http://schemas.microsoft.com/office/powerpoint/2010/main" showMasterPhAnim="0" showMasterSp="0">
+<p:notes xmlns:a="http://schemas.openxmlformats.org/drawingml/2006/main" xmlns:r="http://schemas.openxmlformats.org/officeDocument/2006/relationships" xmlns:p="http://schemas.openxmlformats.org/presentationml/2006/main" showMasterSp="0" showMasterPhAnim="0">
   <p:cSld>
     <p:spTree>
       <p:nvGrpSpPr>
-        <p:cNvPr id="139" name="Shape 139"/>
+        <p:cNvPr id="1" name="Shape 139"/>
         <p:cNvGrpSpPr/>
         <p:nvPr/>
       </p:nvGrpSpPr>
@@ -807,19 +945,26 @@
       <p:sp>
         <p:nvSpPr>
           <p:cNvPr id="140" name="Shape 140"/>
-          <p:cNvSpPr/>
+          <p:cNvSpPr>
+            <a:spLocks noGrp="1" noRot="1" noChangeAspect="1"/>
+          </p:cNvSpPr>
           <p:nvPr>
-            <p:ph idx="2" type="sldImg"/>
+            <p:ph type="sldImg" idx="2"/>
           </p:nvPr>
         </p:nvSpPr>
         <p:spPr>
           <a:xfrm>
-            <a:off x="381300" y="685800"/>
+            <a:off x="381000" y="685800"/>
             <a:ext cx="6096000" cy="3429000"/>
           </a:xfrm>
           <a:custGeom>
+            <a:avLst/>
+            <a:gdLst/>
+            <a:ahLst/>
+            <a:cxnLst/>
+            <a:rect l="0" t="0" r="0" b="0"/>
             <a:pathLst>
-              <a:path extrusionOk="0" h="120000" w="120000">
+              <a:path w="120000" h="120000" extrusionOk="0">
                 <a:moveTo>
                   <a:pt x="0" y="0"/>
                 </a:moveTo>
@@ -841,9 +986,11 @@
       <p:sp>
         <p:nvSpPr>
           <p:cNvPr id="141" name="Shape 141"/>
-          <p:cNvSpPr txBox="1"/>
+          <p:cNvSpPr txBox="1">
+            <a:spLocks noGrp="1"/>
+          </p:cNvSpPr>
           <p:nvPr>
-            <p:ph idx="1" type="body"/>
+            <p:ph type="body" idx="1"/>
           </p:nvPr>
         </p:nvSpPr>
         <p:spPr>
@@ -856,7 +1003,7 @@
           </a:prstGeom>
         </p:spPr>
         <p:txBody>
-          <a:bodyPr anchorCtr="0" anchor="t" bIns="91425" lIns="91425" rIns="91425" tIns="91425">
+          <a:bodyPr lIns="91425" tIns="91425" rIns="91425" bIns="91425" anchor="t" anchorCtr="0">
             <a:noAutofit/>
           </a:bodyPr>
           <a:lstStyle/>
@@ -867,9 +1014,6 @@
               </a:spcBef>
               <a:buNone/>
             </a:pPr>
-            <a:r>
-              <a:t/>
-            </a:r>
             <a:endParaRPr/>
           </a:p>
         </p:txBody>
@@ -883,11 +1027,11 @@
 </file>
 
 <file path=ppt/notesSlides/notesSlide14.xml><?xml version="1.0" encoding="utf-8"?>
-<p:notes xmlns:a="http://schemas.openxmlformats.org/drawingml/2006/main" xmlns:r="http://schemas.openxmlformats.org/officeDocument/2006/relationships" xmlns:mc="http://schemas.openxmlformats.org/markup-compatibility/2006" xmlns:mv="urn:schemas-microsoft-com:mac:vml" xmlns:p="http://schemas.openxmlformats.org/presentationml/2006/main" xmlns:c="http://schemas.openxmlformats.org/drawingml/2006/chart" xmlns:dgm="http://schemas.openxmlformats.org/drawingml/2006/diagram" xmlns:o="urn:schemas-microsoft-com:office:office" xmlns:v="urn:schemas-microsoft-com:vml" xmlns:pvml="urn:schemas-microsoft-com:office:powerpoint" xmlns:com="http://schemas.openxmlformats.org/drawingml/2006/compatibility" xmlns:p14="http://schemas.microsoft.com/office/powerpoint/2010/main" showMasterPhAnim="0" showMasterSp="0">
+<p:notes xmlns:a="http://schemas.openxmlformats.org/drawingml/2006/main" xmlns:r="http://schemas.openxmlformats.org/officeDocument/2006/relationships" xmlns:p="http://schemas.openxmlformats.org/presentationml/2006/main" showMasterSp="0" showMasterPhAnim="0">
   <p:cSld>
     <p:spTree>
       <p:nvGrpSpPr>
-        <p:cNvPr id="145" name="Shape 145"/>
+        <p:cNvPr id="1" name="Shape 145"/>
         <p:cNvGrpSpPr/>
         <p:nvPr/>
       </p:nvGrpSpPr>
@@ -902,19 +1046,26 @@
       <p:sp>
         <p:nvSpPr>
           <p:cNvPr id="146" name="Shape 146"/>
-          <p:cNvSpPr/>
+          <p:cNvSpPr>
+            <a:spLocks noGrp="1" noRot="1" noChangeAspect="1"/>
+          </p:cNvSpPr>
           <p:nvPr>
-            <p:ph idx="2" type="sldImg"/>
+            <p:ph type="sldImg" idx="2"/>
           </p:nvPr>
         </p:nvSpPr>
         <p:spPr>
           <a:xfrm>
-            <a:off x="381300" y="685800"/>
+            <a:off x="381000" y="685800"/>
             <a:ext cx="6096000" cy="3429000"/>
           </a:xfrm>
           <a:custGeom>
+            <a:avLst/>
+            <a:gdLst/>
+            <a:ahLst/>
+            <a:cxnLst/>
+            <a:rect l="0" t="0" r="0" b="0"/>
             <a:pathLst>
-              <a:path extrusionOk="0" h="120000" w="120000">
+              <a:path w="120000" h="120000" extrusionOk="0">
                 <a:moveTo>
                   <a:pt x="0" y="0"/>
                 </a:moveTo>
@@ -936,9 +1087,11 @@
       <p:sp>
         <p:nvSpPr>
           <p:cNvPr id="147" name="Shape 147"/>
-          <p:cNvSpPr txBox="1"/>
+          <p:cNvSpPr txBox="1">
+            <a:spLocks noGrp="1"/>
+          </p:cNvSpPr>
           <p:nvPr>
-            <p:ph idx="1" type="body"/>
+            <p:ph type="body" idx="1"/>
           </p:nvPr>
         </p:nvSpPr>
         <p:spPr>
@@ -951,7 +1104,7 @@
           </a:prstGeom>
         </p:spPr>
         <p:txBody>
-          <a:bodyPr anchorCtr="0" anchor="t" bIns="91425" lIns="91425" rIns="91425" tIns="91425">
+          <a:bodyPr lIns="91425" tIns="91425" rIns="91425" bIns="91425" anchor="t" anchorCtr="0">
             <a:noAutofit/>
           </a:bodyPr>
           <a:lstStyle/>
@@ -962,9 +1115,6 @@
               </a:spcBef>
               <a:buNone/>
             </a:pPr>
-            <a:r>
-              <a:t/>
-            </a:r>
             <a:endParaRPr/>
           </a:p>
         </p:txBody>
@@ -978,11 +1128,11 @@
 </file>
 
 <file path=ppt/notesSlides/notesSlide15.xml><?xml version="1.0" encoding="utf-8"?>
-<p:notes xmlns:a="http://schemas.openxmlformats.org/drawingml/2006/main" xmlns:r="http://schemas.openxmlformats.org/officeDocument/2006/relationships" xmlns:mc="http://schemas.openxmlformats.org/markup-compatibility/2006" xmlns:mv="urn:schemas-microsoft-com:mac:vml" xmlns:p="http://schemas.openxmlformats.org/presentationml/2006/main" xmlns:c="http://schemas.openxmlformats.org/drawingml/2006/chart" xmlns:dgm="http://schemas.openxmlformats.org/drawingml/2006/diagram" xmlns:o="urn:schemas-microsoft-com:office:office" xmlns:v="urn:schemas-microsoft-com:vml" xmlns:pvml="urn:schemas-microsoft-com:office:powerpoint" xmlns:com="http://schemas.openxmlformats.org/drawingml/2006/compatibility" xmlns:p14="http://schemas.microsoft.com/office/powerpoint/2010/main" showMasterPhAnim="0" showMasterSp="0">
+<p:notes xmlns:a="http://schemas.openxmlformats.org/drawingml/2006/main" xmlns:r="http://schemas.openxmlformats.org/officeDocument/2006/relationships" xmlns:p="http://schemas.openxmlformats.org/presentationml/2006/main" showMasterSp="0" showMasterPhAnim="0">
   <p:cSld>
     <p:spTree>
       <p:nvGrpSpPr>
-        <p:cNvPr id="151" name="Shape 151"/>
+        <p:cNvPr id="1" name="Shape 151"/>
         <p:cNvGrpSpPr/>
         <p:nvPr/>
       </p:nvGrpSpPr>
@@ -997,19 +1147,26 @@
       <p:sp>
         <p:nvSpPr>
           <p:cNvPr id="152" name="Shape 152"/>
-          <p:cNvSpPr/>
+          <p:cNvSpPr>
+            <a:spLocks noGrp="1" noRot="1" noChangeAspect="1"/>
+          </p:cNvSpPr>
           <p:nvPr>
-            <p:ph idx="2" type="sldImg"/>
+            <p:ph type="sldImg" idx="2"/>
           </p:nvPr>
         </p:nvSpPr>
         <p:spPr>
           <a:xfrm>
-            <a:off x="381300" y="685800"/>
+            <a:off x="381000" y="685800"/>
             <a:ext cx="6096000" cy="3429000"/>
           </a:xfrm>
           <a:custGeom>
+            <a:avLst/>
+            <a:gdLst/>
+            <a:ahLst/>
+            <a:cxnLst/>
+            <a:rect l="0" t="0" r="0" b="0"/>
             <a:pathLst>
-              <a:path extrusionOk="0" h="120000" w="120000">
+              <a:path w="120000" h="120000" extrusionOk="0">
                 <a:moveTo>
                   <a:pt x="0" y="0"/>
                 </a:moveTo>
@@ -1031,9 +1188,11 @@
       <p:sp>
         <p:nvSpPr>
           <p:cNvPr id="153" name="Shape 153"/>
-          <p:cNvSpPr txBox="1"/>
+          <p:cNvSpPr txBox="1">
+            <a:spLocks noGrp="1"/>
+          </p:cNvSpPr>
           <p:nvPr>
-            <p:ph idx="1" type="body"/>
+            <p:ph type="body" idx="1"/>
           </p:nvPr>
         </p:nvSpPr>
         <p:spPr>
@@ -1046,7 +1205,7 @@
           </a:prstGeom>
         </p:spPr>
         <p:txBody>
-          <a:bodyPr anchorCtr="0" anchor="t" bIns="91425" lIns="91425" rIns="91425" tIns="91425">
+          <a:bodyPr lIns="91425" tIns="91425" rIns="91425" bIns="91425" anchor="t" anchorCtr="0">
             <a:noAutofit/>
           </a:bodyPr>
           <a:lstStyle/>
@@ -1057,9 +1216,6 @@
               </a:spcBef>
               <a:buNone/>
             </a:pPr>
-            <a:r>
-              <a:t/>
-            </a:r>
             <a:endParaRPr/>
           </a:p>
         </p:txBody>
@@ -1073,11 +1229,11 @@
 </file>
 
 <file path=ppt/notesSlides/notesSlide16.xml><?xml version="1.0" encoding="utf-8"?>
-<p:notes xmlns:a="http://schemas.openxmlformats.org/drawingml/2006/main" xmlns:r="http://schemas.openxmlformats.org/officeDocument/2006/relationships" xmlns:mc="http://schemas.openxmlformats.org/markup-compatibility/2006" xmlns:mv="urn:schemas-microsoft-com:mac:vml" xmlns:p="http://schemas.openxmlformats.org/presentationml/2006/main" xmlns:c="http://schemas.openxmlformats.org/drawingml/2006/chart" xmlns:dgm="http://schemas.openxmlformats.org/drawingml/2006/diagram" xmlns:o="urn:schemas-microsoft-com:office:office" xmlns:v="urn:schemas-microsoft-com:vml" xmlns:pvml="urn:schemas-microsoft-com:office:powerpoint" xmlns:com="http://schemas.openxmlformats.org/drawingml/2006/compatibility" xmlns:p14="http://schemas.microsoft.com/office/powerpoint/2010/main" showMasterPhAnim="0" showMasterSp="0">
+<p:notes xmlns:a="http://schemas.openxmlformats.org/drawingml/2006/main" xmlns:r="http://schemas.openxmlformats.org/officeDocument/2006/relationships" xmlns:p="http://schemas.openxmlformats.org/presentationml/2006/main" showMasterSp="0" showMasterPhAnim="0">
   <p:cSld>
     <p:spTree>
       <p:nvGrpSpPr>
-        <p:cNvPr id="157" name="Shape 157"/>
+        <p:cNvPr id="1" name="Shape 157"/>
         <p:cNvGrpSpPr/>
         <p:nvPr/>
       </p:nvGrpSpPr>
@@ -1092,19 +1248,26 @@
       <p:sp>
         <p:nvSpPr>
           <p:cNvPr id="158" name="Shape 158"/>
-          <p:cNvSpPr/>
+          <p:cNvSpPr>
+            <a:spLocks noGrp="1" noRot="1" noChangeAspect="1"/>
+          </p:cNvSpPr>
           <p:nvPr>
-            <p:ph idx="2" type="sldImg"/>
+            <p:ph type="sldImg" idx="2"/>
           </p:nvPr>
         </p:nvSpPr>
         <p:spPr>
           <a:xfrm>
-            <a:off x="381300" y="685800"/>
+            <a:off x="381000" y="685800"/>
             <a:ext cx="6096000" cy="3429000"/>
           </a:xfrm>
           <a:custGeom>
+            <a:avLst/>
+            <a:gdLst/>
+            <a:ahLst/>
+            <a:cxnLst/>
+            <a:rect l="0" t="0" r="0" b="0"/>
             <a:pathLst>
-              <a:path extrusionOk="0" h="120000" w="120000">
+              <a:path w="120000" h="120000" extrusionOk="0">
                 <a:moveTo>
                   <a:pt x="0" y="0"/>
                 </a:moveTo>
@@ -1126,9 +1289,11 @@
       <p:sp>
         <p:nvSpPr>
           <p:cNvPr id="159" name="Shape 159"/>
-          <p:cNvSpPr txBox="1"/>
+          <p:cNvSpPr txBox="1">
+            <a:spLocks noGrp="1"/>
+          </p:cNvSpPr>
           <p:nvPr>
-            <p:ph idx="1" type="body"/>
+            <p:ph type="body" idx="1"/>
           </p:nvPr>
         </p:nvSpPr>
         <p:spPr>
@@ -1141,7 +1306,7 @@
           </a:prstGeom>
         </p:spPr>
         <p:txBody>
-          <a:bodyPr anchorCtr="0" anchor="t" bIns="91425" lIns="91425" rIns="91425" tIns="91425">
+          <a:bodyPr lIns="91425" tIns="91425" rIns="91425" bIns="91425" anchor="t" anchorCtr="0">
             <a:noAutofit/>
           </a:bodyPr>
           <a:lstStyle/>
@@ -1152,9 +1317,6 @@
               </a:spcBef>
               <a:buNone/>
             </a:pPr>
-            <a:r>
-              <a:t/>
-            </a:r>
             <a:endParaRPr/>
           </a:p>
         </p:txBody>
@@ -1168,11 +1330,11 @@
 </file>
 
 <file path=ppt/notesSlides/notesSlide2.xml><?xml version="1.0" encoding="utf-8"?>
-<p:notes xmlns:a="http://schemas.openxmlformats.org/drawingml/2006/main" xmlns:r="http://schemas.openxmlformats.org/officeDocument/2006/relationships" xmlns:mc="http://schemas.openxmlformats.org/markup-compatibility/2006" xmlns:mv="urn:schemas-microsoft-com:mac:vml" xmlns:p="http://schemas.openxmlformats.org/presentationml/2006/main" xmlns:c="http://schemas.openxmlformats.org/drawingml/2006/chart" xmlns:dgm="http://schemas.openxmlformats.org/drawingml/2006/diagram" xmlns:o="urn:schemas-microsoft-com:office:office" xmlns:v="urn:schemas-microsoft-com:vml" xmlns:pvml="urn:schemas-microsoft-com:office:powerpoint" xmlns:com="http://schemas.openxmlformats.org/drawingml/2006/compatibility" xmlns:p14="http://schemas.microsoft.com/office/powerpoint/2010/main" showMasterPhAnim="0" showMasterSp="0">
+<p:notes xmlns:a="http://schemas.openxmlformats.org/drawingml/2006/main" xmlns:r="http://schemas.openxmlformats.org/officeDocument/2006/relationships" xmlns:p="http://schemas.openxmlformats.org/presentationml/2006/main" showMasterSp="0" showMasterPhAnim="0">
   <p:cSld>
     <p:spTree>
       <p:nvGrpSpPr>
-        <p:cNvPr id="68" name="Shape 68"/>
+        <p:cNvPr id="1" name="Shape 68"/>
         <p:cNvGrpSpPr/>
         <p:nvPr/>
       </p:nvGrpSpPr>
@@ -1187,19 +1349,26 @@
       <p:sp>
         <p:nvSpPr>
           <p:cNvPr id="69" name="Shape 69"/>
-          <p:cNvSpPr/>
+          <p:cNvSpPr>
+            <a:spLocks noGrp="1" noRot="1" noChangeAspect="1"/>
+          </p:cNvSpPr>
           <p:nvPr>
-            <p:ph idx="2" type="sldImg"/>
+            <p:ph type="sldImg" idx="2"/>
           </p:nvPr>
         </p:nvSpPr>
         <p:spPr>
           <a:xfrm>
-            <a:off x="381300" y="685800"/>
+            <a:off x="381000" y="685800"/>
             <a:ext cx="6096000" cy="3429000"/>
           </a:xfrm>
           <a:custGeom>
+            <a:avLst/>
+            <a:gdLst/>
+            <a:ahLst/>
+            <a:cxnLst/>
+            <a:rect l="0" t="0" r="0" b="0"/>
             <a:pathLst>
-              <a:path extrusionOk="0" h="120000" w="120000">
+              <a:path w="120000" h="120000" extrusionOk="0">
                 <a:moveTo>
                   <a:pt x="0" y="0"/>
                 </a:moveTo>
@@ -1221,9 +1390,11 @@
       <p:sp>
         <p:nvSpPr>
           <p:cNvPr id="70" name="Shape 70"/>
-          <p:cNvSpPr txBox="1"/>
+          <p:cNvSpPr txBox="1">
+            <a:spLocks noGrp="1"/>
+          </p:cNvSpPr>
           <p:nvPr>
-            <p:ph idx="1" type="body"/>
+            <p:ph type="body" idx="1"/>
           </p:nvPr>
         </p:nvSpPr>
         <p:spPr>
@@ -1236,7 +1407,7 @@
           </a:prstGeom>
         </p:spPr>
         <p:txBody>
-          <a:bodyPr anchorCtr="0" anchor="t" bIns="91425" lIns="91425" rIns="91425" tIns="91425">
+          <a:bodyPr lIns="91425" tIns="91425" rIns="91425" bIns="91425" anchor="t" anchorCtr="0">
             <a:noAutofit/>
           </a:bodyPr>
           <a:lstStyle/>
@@ -1263,11 +1434,11 @@
 </file>
 
 <file path=ppt/notesSlides/notesSlide3.xml><?xml version="1.0" encoding="utf-8"?>
-<p:notes xmlns:a="http://schemas.openxmlformats.org/drawingml/2006/main" xmlns:r="http://schemas.openxmlformats.org/officeDocument/2006/relationships" xmlns:mc="http://schemas.openxmlformats.org/markup-compatibility/2006" xmlns:mv="urn:schemas-microsoft-com:mac:vml" xmlns:p="http://schemas.openxmlformats.org/presentationml/2006/main" xmlns:c="http://schemas.openxmlformats.org/drawingml/2006/chart" xmlns:dgm="http://schemas.openxmlformats.org/drawingml/2006/diagram" xmlns:o="urn:schemas-microsoft-com:office:office" xmlns:v="urn:schemas-microsoft-com:vml" xmlns:pvml="urn:schemas-microsoft-com:office:powerpoint" xmlns:com="http://schemas.openxmlformats.org/drawingml/2006/compatibility" xmlns:p14="http://schemas.microsoft.com/office/powerpoint/2010/main" showMasterPhAnim="0" showMasterSp="0">
+<p:notes xmlns:a="http://schemas.openxmlformats.org/drawingml/2006/main" xmlns:r="http://schemas.openxmlformats.org/officeDocument/2006/relationships" xmlns:p="http://schemas.openxmlformats.org/presentationml/2006/main" showMasterSp="0" showMasterPhAnim="0">
   <p:cSld>
     <p:spTree>
       <p:nvGrpSpPr>
-        <p:cNvPr id="74" name="Shape 74"/>
+        <p:cNvPr id="1" name="Shape 74"/>
         <p:cNvGrpSpPr/>
         <p:nvPr/>
       </p:nvGrpSpPr>
@@ -1282,19 +1453,26 @@
       <p:sp>
         <p:nvSpPr>
           <p:cNvPr id="75" name="Shape 75"/>
-          <p:cNvSpPr/>
+          <p:cNvSpPr>
+            <a:spLocks noGrp="1" noRot="1" noChangeAspect="1"/>
+          </p:cNvSpPr>
           <p:nvPr>
-            <p:ph idx="2" type="sldImg"/>
+            <p:ph type="sldImg" idx="2"/>
           </p:nvPr>
         </p:nvSpPr>
         <p:spPr>
           <a:xfrm>
-            <a:off x="381300" y="685800"/>
+            <a:off x="381000" y="685800"/>
             <a:ext cx="6096000" cy="3429000"/>
           </a:xfrm>
           <a:custGeom>
+            <a:avLst/>
+            <a:gdLst/>
+            <a:ahLst/>
+            <a:cxnLst/>
+            <a:rect l="0" t="0" r="0" b="0"/>
             <a:pathLst>
-              <a:path extrusionOk="0" h="120000" w="120000">
+              <a:path w="120000" h="120000" extrusionOk="0">
                 <a:moveTo>
                   <a:pt x="0" y="0"/>
                 </a:moveTo>
@@ -1316,9 +1494,11 @@
       <p:sp>
         <p:nvSpPr>
           <p:cNvPr id="76" name="Shape 76"/>
-          <p:cNvSpPr txBox="1"/>
+          <p:cNvSpPr txBox="1">
+            <a:spLocks noGrp="1"/>
+          </p:cNvSpPr>
           <p:nvPr>
-            <p:ph idx="1" type="body"/>
+            <p:ph type="body" idx="1"/>
           </p:nvPr>
         </p:nvSpPr>
         <p:spPr>
@@ -1331,7 +1511,7 @@
           </a:prstGeom>
         </p:spPr>
         <p:txBody>
-          <a:bodyPr anchorCtr="0" anchor="t" bIns="91425" lIns="91425" rIns="91425" tIns="91425">
+          <a:bodyPr lIns="91425" tIns="91425" rIns="91425" bIns="91425" anchor="t" anchorCtr="0">
             <a:noAutofit/>
           </a:bodyPr>
           <a:lstStyle/>
@@ -1359,7 +1539,7 @@
                 <a:solidFill>
                   <a:schemeClr val="hlink"/>
                 </a:solidFill>
-                <a:hlinkClick r:id="rId2"/>
+                <a:hlinkClick r:id="rId3"/>
               </a:rPr>
               <a:t>http://oilprice.com/Energy/Crude-Oil/The-Real-History-Of-Fracking.html</a:t>
             </a:r>
@@ -1379,11 +1559,11 @@
 </file>
 
 <file path=ppt/notesSlides/notesSlide4.xml><?xml version="1.0" encoding="utf-8"?>
-<p:notes xmlns:a="http://schemas.openxmlformats.org/drawingml/2006/main" xmlns:r="http://schemas.openxmlformats.org/officeDocument/2006/relationships" xmlns:mc="http://schemas.openxmlformats.org/markup-compatibility/2006" xmlns:mv="urn:schemas-microsoft-com:mac:vml" xmlns:p="http://schemas.openxmlformats.org/presentationml/2006/main" xmlns:c="http://schemas.openxmlformats.org/drawingml/2006/chart" xmlns:dgm="http://schemas.openxmlformats.org/drawingml/2006/diagram" xmlns:o="urn:schemas-microsoft-com:office:office" xmlns:v="urn:schemas-microsoft-com:vml" xmlns:pvml="urn:schemas-microsoft-com:office:powerpoint" xmlns:com="http://schemas.openxmlformats.org/drawingml/2006/compatibility" xmlns:p14="http://schemas.microsoft.com/office/powerpoint/2010/main" showMasterPhAnim="0" showMasterSp="0">
+<p:notes xmlns:a="http://schemas.openxmlformats.org/drawingml/2006/main" xmlns:r="http://schemas.openxmlformats.org/officeDocument/2006/relationships" xmlns:p="http://schemas.openxmlformats.org/presentationml/2006/main" showMasterSp="0" showMasterPhAnim="0">
   <p:cSld>
     <p:spTree>
       <p:nvGrpSpPr>
-        <p:cNvPr id="80" name="Shape 80"/>
+        <p:cNvPr id="1" name="Shape 80"/>
         <p:cNvGrpSpPr/>
         <p:nvPr/>
       </p:nvGrpSpPr>
@@ -1398,19 +1578,26 @@
       <p:sp>
         <p:nvSpPr>
           <p:cNvPr id="81" name="Shape 81"/>
-          <p:cNvSpPr/>
+          <p:cNvSpPr>
+            <a:spLocks noGrp="1" noRot="1" noChangeAspect="1"/>
+          </p:cNvSpPr>
           <p:nvPr>
-            <p:ph idx="2" type="sldImg"/>
+            <p:ph type="sldImg" idx="2"/>
           </p:nvPr>
         </p:nvSpPr>
         <p:spPr>
           <a:xfrm>
-            <a:off x="381300" y="685800"/>
+            <a:off x="381000" y="685800"/>
             <a:ext cx="6096000" cy="3429000"/>
           </a:xfrm>
           <a:custGeom>
+            <a:avLst/>
+            <a:gdLst/>
+            <a:ahLst/>
+            <a:cxnLst/>
+            <a:rect l="0" t="0" r="0" b="0"/>
             <a:pathLst>
-              <a:path extrusionOk="0" h="120000" w="120000">
+              <a:path w="120000" h="120000" extrusionOk="0">
                 <a:moveTo>
                   <a:pt x="0" y="0"/>
                 </a:moveTo>
@@ -1432,9 +1619,11 @@
       <p:sp>
         <p:nvSpPr>
           <p:cNvPr id="82" name="Shape 82"/>
-          <p:cNvSpPr txBox="1"/>
+          <p:cNvSpPr txBox="1">
+            <a:spLocks noGrp="1"/>
+          </p:cNvSpPr>
           <p:nvPr>
-            <p:ph idx="1" type="body"/>
+            <p:ph type="body" idx="1"/>
           </p:nvPr>
         </p:nvSpPr>
         <p:spPr>
@@ -1447,7 +1636,7 @@
           </a:prstGeom>
         </p:spPr>
         <p:txBody>
-          <a:bodyPr anchorCtr="0" anchor="t" bIns="91425" lIns="91425" rIns="91425" tIns="91425">
+          <a:bodyPr lIns="91425" tIns="91425" rIns="91425" bIns="91425" anchor="t" anchorCtr="0">
             <a:noAutofit/>
           </a:bodyPr>
           <a:lstStyle/>
@@ -1486,11 +1675,11 @@
 </file>
 
 <file path=ppt/notesSlides/notesSlide5.xml><?xml version="1.0" encoding="utf-8"?>
-<p:notes xmlns:a="http://schemas.openxmlformats.org/drawingml/2006/main" xmlns:r="http://schemas.openxmlformats.org/officeDocument/2006/relationships" xmlns:mc="http://schemas.openxmlformats.org/markup-compatibility/2006" xmlns:mv="urn:schemas-microsoft-com:mac:vml" xmlns:p="http://schemas.openxmlformats.org/presentationml/2006/main" xmlns:c="http://schemas.openxmlformats.org/drawingml/2006/chart" xmlns:dgm="http://schemas.openxmlformats.org/drawingml/2006/diagram" xmlns:o="urn:schemas-microsoft-com:office:office" xmlns:v="urn:schemas-microsoft-com:vml" xmlns:pvml="urn:schemas-microsoft-com:office:powerpoint" xmlns:com="http://schemas.openxmlformats.org/drawingml/2006/compatibility" xmlns:p14="http://schemas.microsoft.com/office/powerpoint/2010/main" showMasterPhAnim="0" showMasterSp="0">
+<p:notes xmlns:a="http://schemas.openxmlformats.org/drawingml/2006/main" xmlns:r="http://schemas.openxmlformats.org/officeDocument/2006/relationships" xmlns:p="http://schemas.openxmlformats.org/presentationml/2006/main" showMasterSp="0" showMasterPhAnim="0">
   <p:cSld>
     <p:spTree>
       <p:nvGrpSpPr>
-        <p:cNvPr id="86" name="Shape 86"/>
+        <p:cNvPr id="1" name="Shape 86"/>
         <p:cNvGrpSpPr/>
         <p:nvPr/>
       </p:nvGrpSpPr>
@@ -1505,19 +1694,26 @@
       <p:sp>
         <p:nvSpPr>
           <p:cNvPr id="87" name="Shape 87"/>
-          <p:cNvSpPr/>
+          <p:cNvSpPr>
+            <a:spLocks noGrp="1" noRot="1" noChangeAspect="1"/>
+          </p:cNvSpPr>
           <p:nvPr>
-            <p:ph idx="2" type="sldImg"/>
+            <p:ph type="sldImg" idx="2"/>
           </p:nvPr>
         </p:nvSpPr>
         <p:spPr>
           <a:xfrm>
-            <a:off x="381300" y="685800"/>
+            <a:off x="381000" y="685800"/>
             <a:ext cx="6096000" cy="3429000"/>
           </a:xfrm>
           <a:custGeom>
+            <a:avLst/>
+            <a:gdLst/>
+            <a:ahLst/>
+            <a:cxnLst/>
+            <a:rect l="0" t="0" r="0" b="0"/>
             <a:pathLst>
-              <a:path extrusionOk="0" h="120000" w="120000">
+              <a:path w="120000" h="120000" extrusionOk="0">
                 <a:moveTo>
                   <a:pt x="0" y="0"/>
                 </a:moveTo>
@@ -1539,9 +1735,11 @@
       <p:sp>
         <p:nvSpPr>
           <p:cNvPr id="88" name="Shape 88"/>
-          <p:cNvSpPr txBox="1"/>
+          <p:cNvSpPr txBox="1">
+            <a:spLocks noGrp="1"/>
+          </p:cNvSpPr>
           <p:nvPr>
-            <p:ph idx="1" type="body"/>
+            <p:ph type="body" idx="1"/>
           </p:nvPr>
         </p:nvSpPr>
         <p:spPr>
@@ -1554,7 +1752,7 @@
           </a:prstGeom>
         </p:spPr>
         <p:txBody>
-          <a:bodyPr anchorCtr="0" anchor="t" bIns="91425" lIns="91425" rIns="91425" tIns="91425">
+          <a:bodyPr lIns="91425" tIns="91425" rIns="91425" bIns="91425" anchor="t" anchorCtr="0">
             <a:noAutofit/>
           </a:bodyPr>
           <a:lstStyle/>
@@ -1565,10 +1763,7 @@
               </a:spcBef>
               <a:buNone/>
             </a:pPr>
-            <a:r>
-              <a:t/>
-            </a:r>
-            <a:endParaRPr/>
+            <a:endParaRPr dirty="0"/>
           </a:p>
         </p:txBody>
       </p:sp>
@@ -1581,11 +1776,11 @@
 </file>
 
 <file path=ppt/notesSlides/notesSlide6.xml><?xml version="1.0" encoding="utf-8"?>
-<p:notes xmlns:a="http://schemas.openxmlformats.org/drawingml/2006/main" xmlns:r="http://schemas.openxmlformats.org/officeDocument/2006/relationships" xmlns:mc="http://schemas.openxmlformats.org/markup-compatibility/2006" xmlns:mv="urn:schemas-microsoft-com:mac:vml" xmlns:p="http://schemas.openxmlformats.org/presentationml/2006/main" xmlns:c="http://schemas.openxmlformats.org/drawingml/2006/chart" xmlns:dgm="http://schemas.openxmlformats.org/drawingml/2006/diagram" xmlns:o="urn:schemas-microsoft-com:office:office" xmlns:v="urn:schemas-microsoft-com:vml" xmlns:pvml="urn:schemas-microsoft-com:office:powerpoint" xmlns:com="http://schemas.openxmlformats.org/drawingml/2006/compatibility" xmlns:p14="http://schemas.microsoft.com/office/powerpoint/2010/main" showMasterPhAnim="0" showMasterSp="0">
+<p:notes xmlns:a="http://schemas.openxmlformats.org/drawingml/2006/main" xmlns:r="http://schemas.openxmlformats.org/officeDocument/2006/relationships" xmlns:p="http://schemas.openxmlformats.org/presentationml/2006/main" showMasterSp="0" showMasterPhAnim="0">
   <p:cSld>
     <p:spTree>
       <p:nvGrpSpPr>
-        <p:cNvPr id="93" name="Shape 93"/>
+        <p:cNvPr id="1" name="Shape 93"/>
         <p:cNvGrpSpPr/>
         <p:nvPr/>
       </p:nvGrpSpPr>
@@ -1600,19 +1795,26 @@
       <p:sp>
         <p:nvSpPr>
           <p:cNvPr id="94" name="Shape 94"/>
-          <p:cNvSpPr/>
+          <p:cNvSpPr>
+            <a:spLocks noGrp="1" noRot="1" noChangeAspect="1"/>
+          </p:cNvSpPr>
           <p:nvPr>
-            <p:ph idx="2" type="sldImg"/>
+            <p:ph type="sldImg" idx="2"/>
           </p:nvPr>
         </p:nvSpPr>
         <p:spPr>
           <a:xfrm>
-            <a:off x="381300" y="685800"/>
+            <a:off x="381000" y="685800"/>
             <a:ext cx="6096000" cy="3429000"/>
           </a:xfrm>
           <a:custGeom>
+            <a:avLst/>
+            <a:gdLst/>
+            <a:ahLst/>
+            <a:cxnLst/>
+            <a:rect l="0" t="0" r="0" b="0"/>
             <a:pathLst>
-              <a:path extrusionOk="0" h="120000" w="120000">
+              <a:path w="120000" h="120000" extrusionOk="0">
                 <a:moveTo>
                   <a:pt x="0" y="0"/>
                 </a:moveTo>
@@ -1634,9 +1836,11 @@
       <p:sp>
         <p:nvSpPr>
           <p:cNvPr id="95" name="Shape 95"/>
-          <p:cNvSpPr txBox="1"/>
+          <p:cNvSpPr txBox="1">
+            <a:spLocks noGrp="1"/>
+          </p:cNvSpPr>
           <p:nvPr>
-            <p:ph idx="1" type="body"/>
+            <p:ph type="body" idx="1"/>
           </p:nvPr>
         </p:nvSpPr>
         <p:spPr>
@@ -1649,7 +1853,7 @@
           </a:prstGeom>
         </p:spPr>
         <p:txBody>
-          <a:bodyPr anchorCtr="0" anchor="t" bIns="91425" lIns="91425" rIns="91425" tIns="91425">
+          <a:bodyPr lIns="91425" tIns="91425" rIns="91425" bIns="91425" anchor="t" anchorCtr="0">
             <a:noAutofit/>
           </a:bodyPr>
           <a:lstStyle/>
@@ -1660,9 +1864,6 @@
               </a:spcBef>
               <a:buNone/>
             </a:pPr>
-            <a:r>
-              <a:t/>
-            </a:r>
             <a:endParaRPr/>
           </a:p>
         </p:txBody>
@@ -1676,11 +1877,11 @@
 </file>
 
 <file path=ppt/notesSlides/notesSlide7.xml><?xml version="1.0" encoding="utf-8"?>
-<p:notes xmlns:a="http://schemas.openxmlformats.org/drawingml/2006/main" xmlns:r="http://schemas.openxmlformats.org/officeDocument/2006/relationships" xmlns:mc="http://schemas.openxmlformats.org/markup-compatibility/2006" xmlns:mv="urn:schemas-microsoft-com:mac:vml" xmlns:p="http://schemas.openxmlformats.org/presentationml/2006/main" xmlns:c="http://schemas.openxmlformats.org/drawingml/2006/chart" xmlns:dgm="http://schemas.openxmlformats.org/drawingml/2006/diagram" xmlns:o="urn:schemas-microsoft-com:office:office" xmlns:v="urn:schemas-microsoft-com:vml" xmlns:pvml="urn:schemas-microsoft-com:office:powerpoint" xmlns:com="http://schemas.openxmlformats.org/drawingml/2006/compatibility" xmlns:p14="http://schemas.microsoft.com/office/powerpoint/2010/main" showMasterPhAnim="0" showMasterSp="0">
+<p:notes xmlns:a="http://schemas.openxmlformats.org/drawingml/2006/main" xmlns:r="http://schemas.openxmlformats.org/officeDocument/2006/relationships" xmlns:p="http://schemas.openxmlformats.org/presentationml/2006/main" showMasterSp="0" showMasterPhAnim="0">
   <p:cSld>
     <p:spTree>
       <p:nvGrpSpPr>
-        <p:cNvPr id="99" name="Shape 99"/>
+        <p:cNvPr id="1" name="Shape 99"/>
         <p:cNvGrpSpPr/>
         <p:nvPr/>
       </p:nvGrpSpPr>
@@ -1695,19 +1896,26 @@
       <p:sp>
         <p:nvSpPr>
           <p:cNvPr id="100" name="Shape 100"/>
-          <p:cNvSpPr/>
+          <p:cNvSpPr>
+            <a:spLocks noGrp="1" noRot="1" noChangeAspect="1"/>
+          </p:cNvSpPr>
           <p:nvPr>
-            <p:ph idx="2" type="sldImg"/>
+            <p:ph type="sldImg" idx="2"/>
           </p:nvPr>
         </p:nvSpPr>
         <p:spPr>
           <a:xfrm>
-            <a:off x="381300" y="685800"/>
+            <a:off x="381000" y="685800"/>
             <a:ext cx="6096000" cy="3429000"/>
           </a:xfrm>
           <a:custGeom>
+            <a:avLst/>
+            <a:gdLst/>
+            <a:ahLst/>
+            <a:cxnLst/>
+            <a:rect l="0" t="0" r="0" b="0"/>
             <a:pathLst>
-              <a:path extrusionOk="0" h="120000" w="120000">
+              <a:path w="120000" h="120000" extrusionOk="0">
                 <a:moveTo>
                   <a:pt x="0" y="0"/>
                 </a:moveTo>
@@ -1729,9 +1937,11 @@
       <p:sp>
         <p:nvSpPr>
           <p:cNvPr id="101" name="Shape 101"/>
-          <p:cNvSpPr txBox="1"/>
+          <p:cNvSpPr txBox="1">
+            <a:spLocks noGrp="1"/>
+          </p:cNvSpPr>
           <p:nvPr>
-            <p:ph idx="1" type="body"/>
+            <p:ph type="body" idx="1"/>
           </p:nvPr>
         </p:nvSpPr>
         <p:spPr>
@@ -1744,7 +1954,7 @@
           </a:prstGeom>
         </p:spPr>
         <p:txBody>
-          <a:bodyPr anchorCtr="0" anchor="t" bIns="91425" lIns="91425" rIns="91425" tIns="91425">
+          <a:bodyPr lIns="91425" tIns="91425" rIns="91425" bIns="91425" anchor="t" anchorCtr="0">
             <a:noAutofit/>
           </a:bodyPr>
           <a:lstStyle/>
@@ -1755,9 +1965,6 @@
               </a:spcBef>
               <a:buNone/>
             </a:pPr>
-            <a:r>
-              <a:t/>
-            </a:r>
             <a:endParaRPr/>
           </a:p>
         </p:txBody>
@@ -1771,11 +1978,11 @@
 </file>
 
 <file path=ppt/notesSlides/notesSlide8.xml><?xml version="1.0" encoding="utf-8"?>
-<p:notes xmlns:a="http://schemas.openxmlformats.org/drawingml/2006/main" xmlns:r="http://schemas.openxmlformats.org/officeDocument/2006/relationships" xmlns:mc="http://schemas.openxmlformats.org/markup-compatibility/2006" xmlns:mv="urn:schemas-microsoft-com:mac:vml" xmlns:p="http://schemas.openxmlformats.org/presentationml/2006/main" xmlns:c="http://schemas.openxmlformats.org/drawingml/2006/chart" xmlns:dgm="http://schemas.openxmlformats.org/drawingml/2006/diagram" xmlns:o="urn:schemas-microsoft-com:office:office" xmlns:v="urn:schemas-microsoft-com:vml" xmlns:pvml="urn:schemas-microsoft-com:office:powerpoint" xmlns:com="http://schemas.openxmlformats.org/drawingml/2006/compatibility" xmlns:p14="http://schemas.microsoft.com/office/powerpoint/2010/main" showMasterPhAnim="0" showMasterSp="0">
+<p:notes xmlns:a="http://schemas.openxmlformats.org/drawingml/2006/main" xmlns:r="http://schemas.openxmlformats.org/officeDocument/2006/relationships" xmlns:p="http://schemas.openxmlformats.org/presentationml/2006/main" showMasterSp="0" showMasterPhAnim="0">
   <p:cSld>
     <p:spTree>
       <p:nvGrpSpPr>
-        <p:cNvPr id="105" name="Shape 105"/>
+        <p:cNvPr id="1" name="Shape 105"/>
         <p:cNvGrpSpPr/>
         <p:nvPr/>
       </p:nvGrpSpPr>
@@ -1790,19 +1997,26 @@
       <p:sp>
         <p:nvSpPr>
           <p:cNvPr id="106" name="Shape 106"/>
-          <p:cNvSpPr/>
+          <p:cNvSpPr>
+            <a:spLocks noGrp="1" noRot="1" noChangeAspect="1"/>
+          </p:cNvSpPr>
           <p:nvPr>
-            <p:ph idx="2" type="sldImg"/>
+            <p:ph type="sldImg" idx="2"/>
           </p:nvPr>
         </p:nvSpPr>
         <p:spPr>
           <a:xfrm>
-            <a:off x="381300" y="685800"/>
+            <a:off x="381000" y="685800"/>
             <a:ext cx="6096000" cy="3429000"/>
           </a:xfrm>
           <a:custGeom>
+            <a:avLst/>
+            <a:gdLst/>
+            <a:ahLst/>
+            <a:cxnLst/>
+            <a:rect l="0" t="0" r="0" b="0"/>
             <a:pathLst>
-              <a:path extrusionOk="0" h="120000" w="120000">
+              <a:path w="120000" h="120000" extrusionOk="0">
                 <a:moveTo>
                   <a:pt x="0" y="0"/>
                 </a:moveTo>
@@ -1824,9 +2038,11 @@
       <p:sp>
         <p:nvSpPr>
           <p:cNvPr id="107" name="Shape 107"/>
-          <p:cNvSpPr txBox="1"/>
+          <p:cNvSpPr txBox="1">
+            <a:spLocks noGrp="1"/>
+          </p:cNvSpPr>
           <p:nvPr>
-            <p:ph idx="1" type="body"/>
+            <p:ph type="body" idx="1"/>
           </p:nvPr>
         </p:nvSpPr>
         <p:spPr>
@@ -1839,7 +2055,7 @@
           </a:prstGeom>
         </p:spPr>
         <p:txBody>
-          <a:bodyPr anchorCtr="0" anchor="t" bIns="91425" lIns="91425" rIns="91425" tIns="91425">
+          <a:bodyPr lIns="91425" tIns="91425" rIns="91425" bIns="91425" anchor="t" anchorCtr="0">
             <a:noAutofit/>
           </a:bodyPr>
           <a:lstStyle/>
@@ -1850,9 +2066,6 @@
               </a:spcBef>
               <a:buNone/>
             </a:pPr>
-            <a:r>
-              <a:t/>
-            </a:r>
             <a:endParaRPr/>
           </a:p>
         </p:txBody>
@@ -1866,11 +2079,11 @@
 </file>
 
 <file path=ppt/notesSlides/notesSlide9.xml><?xml version="1.0" encoding="utf-8"?>
-<p:notes xmlns:a="http://schemas.openxmlformats.org/drawingml/2006/main" xmlns:r="http://schemas.openxmlformats.org/officeDocument/2006/relationships" xmlns:mc="http://schemas.openxmlformats.org/markup-compatibility/2006" xmlns:mv="urn:schemas-microsoft-com:mac:vml" xmlns:p="http://schemas.openxmlformats.org/presentationml/2006/main" xmlns:c="http://schemas.openxmlformats.org/drawingml/2006/chart" xmlns:dgm="http://schemas.openxmlformats.org/drawingml/2006/diagram" xmlns:o="urn:schemas-microsoft-com:office:office" xmlns:v="urn:schemas-microsoft-com:vml" xmlns:pvml="urn:schemas-microsoft-com:office:powerpoint" xmlns:com="http://schemas.openxmlformats.org/drawingml/2006/compatibility" xmlns:p14="http://schemas.microsoft.com/office/powerpoint/2010/main" showMasterPhAnim="0" showMasterSp="0">
+<p:notes xmlns:a="http://schemas.openxmlformats.org/drawingml/2006/main" xmlns:r="http://schemas.openxmlformats.org/officeDocument/2006/relationships" xmlns:p="http://schemas.openxmlformats.org/presentationml/2006/main" showMasterSp="0" showMasterPhAnim="0">
   <p:cSld>
     <p:spTree>
       <p:nvGrpSpPr>
-        <p:cNvPr id="110" name="Shape 110"/>
+        <p:cNvPr id="1" name="Shape 110"/>
         <p:cNvGrpSpPr/>
         <p:nvPr/>
       </p:nvGrpSpPr>
@@ -1885,19 +2098,26 @@
       <p:sp>
         <p:nvSpPr>
           <p:cNvPr id="111" name="Shape 111"/>
-          <p:cNvSpPr/>
+          <p:cNvSpPr>
+            <a:spLocks noGrp="1" noRot="1" noChangeAspect="1"/>
+          </p:cNvSpPr>
           <p:nvPr>
-            <p:ph idx="2" type="sldImg"/>
+            <p:ph type="sldImg" idx="2"/>
           </p:nvPr>
         </p:nvSpPr>
         <p:spPr>
           <a:xfrm>
-            <a:off x="381300" y="685800"/>
+            <a:off x="381000" y="685800"/>
             <a:ext cx="6096000" cy="3429000"/>
           </a:xfrm>
           <a:custGeom>
+            <a:avLst/>
+            <a:gdLst/>
+            <a:ahLst/>
+            <a:cxnLst/>
+            <a:rect l="0" t="0" r="0" b="0"/>
             <a:pathLst>
-              <a:path extrusionOk="0" h="120000" w="120000">
+              <a:path w="120000" h="120000" extrusionOk="0">
                 <a:moveTo>
                   <a:pt x="0" y="0"/>
                 </a:moveTo>
@@ -1919,9 +2139,11 @@
       <p:sp>
         <p:nvSpPr>
           <p:cNvPr id="112" name="Shape 112"/>
-          <p:cNvSpPr txBox="1"/>
+          <p:cNvSpPr txBox="1">
+            <a:spLocks noGrp="1"/>
+          </p:cNvSpPr>
           <p:nvPr>
-            <p:ph idx="1" type="body"/>
+            <p:ph type="body" idx="1"/>
           </p:nvPr>
         </p:nvSpPr>
         <p:spPr>
@@ -1934,7 +2156,7 @@
           </a:prstGeom>
         </p:spPr>
         <p:txBody>
-          <a:bodyPr anchorCtr="0" anchor="t" bIns="91425" lIns="91425" rIns="91425" tIns="91425">
+          <a:bodyPr lIns="91425" tIns="91425" rIns="91425" bIns="91425" anchor="t" anchorCtr="0">
             <a:noAutofit/>
           </a:bodyPr>
           <a:lstStyle/>
@@ -1975,11 +2197,11 @@
 </file>
 
 <file path=ppt/slideLayouts/slideLayout1.xml><?xml version="1.0" encoding="utf-8"?>
-<p:sldLayout xmlns:a="http://schemas.openxmlformats.org/drawingml/2006/main" xmlns:r="http://schemas.openxmlformats.org/officeDocument/2006/relationships" xmlns:mc="http://schemas.openxmlformats.org/markup-compatibility/2006" xmlns:mv="urn:schemas-microsoft-com:mac:vml" xmlns:p="http://schemas.openxmlformats.org/presentationml/2006/main" xmlns:c="http://schemas.openxmlformats.org/drawingml/2006/chart" xmlns:dgm="http://schemas.openxmlformats.org/drawingml/2006/diagram" xmlns:o="urn:schemas-microsoft-com:office:office" xmlns:v="urn:schemas-microsoft-com:vml" xmlns:pvml="urn:schemas-microsoft-com:office:powerpoint" xmlns:com="http://schemas.openxmlformats.org/drawingml/2006/compatibility" xmlns:p14="http://schemas.microsoft.com/office/powerpoint/2010/main" type="title">
+<p:sldLayout xmlns:a="http://schemas.openxmlformats.org/drawingml/2006/main" xmlns:r="http://schemas.openxmlformats.org/officeDocument/2006/relationships" xmlns:p="http://schemas.openxmlformats.org/presentationml/2006/main" type="title">
   <p:cSld name="Title slide">
     <p:spTree>
       <p:nvGrpSpPr>
-        <p:cNvPr id="9" name="Shape 9"/>
+        <p:cNvPr id="1" name="Shape 9"/>
         <p:cNvGrpSpPr/>
         <p:nvPr/>
       </p:nvGrpSpPr>
@@ -2006,14 +2228,14 @@
             <a:avLst/>
           </a:prstGeom>
           <a:noFill/>
-          <a:ln cap="flat" cmpd="sng" w="76200">
+          <a:ln w="76200" cap="flat" cmpd="sng">
             <a:solidFill>
               <a:schemeClr val="lt2"/>
             </a:solidFill>
             <a:prstDash val="solid"/>
             <a:round/>
-            <a:headEnd len="med" w="med" type="none"/>
-            <a:tailEnd len="med" w="med" type="none"/>
+            <a:headEnd type="none" w="med" len="med"/>
+            <a:tailEnd type="none" w="med" len="med"/>
           </a:ln>
         </p:spPr>
       </p:cxnSp>
@@ -2032,14 +2254,14 @@
             <a:avLst/>
           </a:prstGeom>
           <a:noFill/>
-          <a:ln cap="flat" cmpd="sng" w="76200">
+          <a:ln w="76200" cap="flat" cmpd="sng">
             <a:solidFill>
               <a:schemeClr val="lt2"/>
             </a:solidFill>
             <a:prstDash val="solid"/>
             <a:round/>
-            <a:headEnd len="med" w="med" type="none"/>
-            <a:tailEnd len="med" w="med" type="none"/>
+            <a:headEnd type="none" w="med" len="med"/>
+            <a:tailEnd type="none" w="med" len="med"/>
           </a:ln>
         </p:spPr>
       </p:cxnSp>
@@ -2072,14 +2294,14 @@
               <a:avLst/>
             </a:prstGeom>
             <a:noFill/>
-            <a:ln cap="flat" cmpd="sng" w="76200">
+            <a:ln w="76200" cap="flat" cmpd="sng">
               <a:solidFill>
                 <a:schemeClr val="accent3"/>
               </a:solidFill>
               <a:prstDash val="solid"/>
               <a:round/>
-              <a:headEnd len="med" w="med" type="none"/>
-              <a:tailEnd len="med" w="med" type="none"/>
+              <a:headEnd type="none" w="med" len="med"/>
+              <a:tailEnd type="none" w="med" len="med"/>
             </a:ln>
           </p:spPr>
         </p:cxnSp>
@@ -2098,14 +2320,14 @@
               <a:avLst/>
             </a:prstGeom>
             <a:noFill/>
-            <a:ln cap="flat" cmpd="sng" w="9525">
+            <a:ln w="9525" cap="flat" cmpd="sng">
               <a:solidFill>
                 <a:schemeClr val="accent3"/>
               </a:solidFill>
               <a:prstDash val="solid"/>
               <a:round/>
-              <a:headEnd len="med" w="med" type="none"/>
-              <a:tailEnd len="med" w="med" type="none"/>
+              <a:headEnd type="none" w="med" len="med"/>
+              <a:tailEnd type="none" w="med" len="med"/>
             </a:ln>
           </p:spPr>
         </p:cxnSp>
@@ -2139,14 +2361,14 @@
               <a:avLst/>
             </a:prstGeom>
             <a:noFill/>
-            <a:ln cap="flat" cmpd="sng" w="76200">
+            <a:ln w="76200" cap="flat" cmpd="sng">
               <a:solidFill>
                 <a:schemeClr val="accent3"/>
               </a:solidFill>
               <a:prstDash val="solid"/>
               <a:round/>
-              <a:headEnd len="med" w="med" type="none"/>
-              <a:tailEnd len="med" w="med" type="none"/>
+              <a:headEnd type="none" w="med" len="med"/>
+              <a:tailEnd type="none" w="med" len="med"/>
             </a:ln>
           </p:spPr>
         </p:cxnSp>
@@ -2165,14 +2387,14 @@
               <a:avLst/>
             </a:prstGeom>
             <a:noFill/>
-            <a:ln cap="flat" cmpd="sng" w="9525">
+            <a:ln w="9525" cap="flat" cmpd="sng">
               <a:solidFill>
                 <a:schemeClr val="accent3"/>
               </a:solidFill>
               <a:prstDash val="solid"/>
               <a:round/>
-              <a:headEnd len="med" w="med" type="none"/>
-              <a:tailEnd len="med" w="med" type="none"/>
+              <a:headEnd type="none" w="med" len="med"/>
+              <a:tailEnd type="none" w="med" len="med"/>
             </a:ln>
           </p:spPr>
         </p:cxnSp>
@@ -2180,7 +2402,9 @@
       <p:sp>
         <p:nvSpPr>
           <p:cNvPr id="18" name="Shape 18"/>
-          <p:cNvSpPr txBox="1"/>
+          <p:cNvSpPr txBox="1">
+            <a:spLocks noGrp="1"/>
+          </p:cNvSpPr>
           <p:nvPr>
             <p:ph type="ctrTitle"/>
           </p:nvPr>
@@ -2195,7 +2419,7 @@
           </a:prstGeom>
         </p:spPr>
         <p:txBody>
-          <a:bodyPr anchorCtr="0" anchor="b" bIns="91425" lIns="91425" rIns="91425" tIns="91425"/>
+          <a:bodyPr lIns="91425" tIns="91425" rIns="91425" bIns="91425" anchor="b" anchorCtr="0"/>
           <a:lstStyle>
             <a:lvl1pPr lvl="0" algn="ctr">
               <a:spcBef>
@@ -2261,15 +2485,19 @@
               <a:defRPr sz="5400"/>
             </a:lvl9pPr>
           </a:lstStyle>
-          <a:p/>
+          <a:p>
+            <a:endParaRPr/>
+          </a:p>
         </p:txBody>
       </p:sp>
       <p:sp>
         <p:nvSpPr>
           <p:cNvPr id="19" name="Shape 19"/>
-          <p:cNvSpPr txBox="1"/>
+          <p:cNvSpPr txBox="1">
+            <a:spLocks noGrp="1"/>
+          </p:cNvSpPr>
           <p:nvPr>
-            <p:ph idx="1" type="subTitle"/>
+            <p:ph type="subTitle" idx="1"/>
           </p:nvPr>
         </p:nvSpPr>
         <p:spPr>
@@ -2282,7 +2510,7 @@
           </a:prstGeom>
         </p:spPr>
         <p:txBody>
-          <a:bodyPr anchorCtr="0" anchor="t" bIns="91425" lIns="91425" rIns="91425" tIns="91425"/>
+          <a:bodyPr lIns="91425" tIns="91425" rIns="91425" bIns="91425" anchor="t" anchorCtr="0"/>
           <a:lstStyle>
             <a:lvl1pPr lvl="0" algn="ctr">
               <a:lnSpc>
@@ -2411,15 +2639,19 @@
               <a:defRPr sz="2400"/>
             </a:lvl9pPr>
           </a:lstStyle>
-          <a:p/>
+          <a:p>
+            <a:endParaRPr/>
+          </a:p>
         </p:txBody>
       </p:sp>
       <p:sp>
         <p:nvSpPr>
           <p:cNvPr id="20" name="Shape 20"/>
-          <p:cNvSpPr txBox="1"/>
+          <p:cNvSpPr txBox="1">
+            <a:spLocks noGrp="1"/>
+          </p:cNvSpPr>
           <p:nvPr>
-            <p:ph idx="12" type="sldNum"/>
+            <p:ph type="sldNum" idx="12"/>
           </p:nvPr>
         </p:nvSpPr>
         <p:spPr>
@@ -2432,7 +2664,7 @@
           </a:prstGeom>
         </p:spPr>
         <p:txBody>
-          <a:bodyPr anchorCtr="0" anchor="ctr" bIns="91425" lIns="91425" rIns="91425" tIns="91425">
+          <a:bodyPr lIns="91425" tIns="91425" rIns="91425" bIns="91425" anchor="ctr" anchorCtr="0">
             <a:noAutofit/>
           </a:bodyPr>
           <a:lstStyle/>
@@ -2447,6 +2679,7 @@
               <a:rPr lang="en"/>
               <a:t>‹#›</a:t>
             </a:fld>
+            <a:endParaRPr lang="en"/>
           </a:p>
         </p:txBody>
       </p:sp>
@@ -2459,11 +2692,11 @@
 </file>
 
 <file path=ppt/slideLayouts/slideLayout10.xml><?xml version="1.0" encoding="utf-8"?>
-<p:sldLayout xmlns:a="http://schemas.openxmlformats.org/drawingml/2006/main" xmlns:r="http://schemas.openxmlformats.org/officeDocument/2006/relationships" xmlns:mc="http://schemas.openxmlformats.org/markup-compatibility/2006" xmlns:mv="urn:schemas-microsoft-com:mac:vml" xmlns:p="http://schemas.openxmlformats.org/presentationml/2006/main" xmlns:c="http://schemas.openxmlformats.org/drawingml/2006/chart" xmlns:dgm="http://schemas.openxmlformats.org/drawingml/2006/diagram" xmlns:o="urn:schemas-microsoft-com:office:office" xmlns:v="urn:schemas-microsoft-com:vml" xmlns:pvml="urn:schemas-microsoft-com:office:powerpoint" xmlns:com="http://schemas.openxmlformats.org/drawingml/2006/compatibility" xmlns:p14="http://schemas.microsoft.com/office/powerpoint/2010/main">
+<p:sldLayout xmlns:a="http://schemas.openxmlformats.org/drawingml/2006/main" xmlns:r="http://schemas.openxmlformats.org/officeDocument/2006/relationships" xmlns:p="http://schemas.openxmlformats.org/presentationml/2006/main">
   <p:cSld name="Big number">
     <p:spTree>
       <p:nvGrpSpPr>
-        <p:cNvPr id="55" name="Shape 55"/>
+        <p:cNvPr id="1" name="Shape 55"/>
         <p:cNvGrpSpPr/>
         <p:nvPr/>
       </p:nvGrpSpPr>
@@ -2497,7 +2730,7 @@
           </a:ln>
         </p:spPr>
         <p:txBody>
-          <a:bodyPr anchorCtr="0" anchor="ctr" bIns="91425" lIns="91425" rIns="91425" tIns="91425">
+          <a:bodyPr lIns="91425" tIns="91425" rIns="91425" bIns="91425" anchor="ctr" anchorCtr="0">
             <a:noAutofit/>
           </a:bodyPr>
           <a:lstStyle/>
@@ -2508,9 +2741,6 @@
               </a:spcBef>
               <a:buNone/>
             </a:pPr>
-            <a:r>
-              <a:t/>
-            </a:r>
             <a:endParaRPr/>
           </a:p>
         </p:txBody>
@@ -2518,7 +2748,9 @@
       <p:sp>
         <p:nvSpPr>
           <p:cNvPr id="57" name="Shape 57"/>
-          <p:cNvSpPr txBox="1"/>
+          <p:cNvSpPr txBox="1">
+            <a:spLocks noGrp="1"/>
+          </p:cNvSpPr>
           <p:nvPr>
             <p:ph type="title"/>
           </p:nvPr>
@@ -2533,7 +2765,7 @@
           </a:prstGeom>
         </p:spPr>
         <p:txBody>
-          <a:bodyPr anchorCtr="0" anchor="ctr" bIns="91425" lIns="91425" rIns="91425" tIns="91425"/>
+          <a:bodyPr lIns="91425" tIns="91425" rIns="91425" bIns="91425" anchor="ctr" anchorCtr="0"/>
           <a:lstStyle>
             <a:lvl1pPr lvl="0" algn="ctr">
               <a:spcBef>
@@ -2662,15 +2894,19 @@
               </a:defRPr>
             </a:lvl9pPr>
           </a:lstStyle>
-          <a:p/>
+          <a:p>
+            <a:endParaRPr/>
+          </a:p>
         </p:txBody>
       </p:sp>
       <p:sp>
         <p:nvSpPr>
           <p:cNvPr id="58" name="Shape 58"/>
-          <p:cNvSpPr txBox="1"/>
+          <p:cNvSpPr txBox="1">
+            <a:spLocks noGrp="1"/>
+          </p:cNvSpPr>
           <p:nvPr>
-            <p:ph idx="1" type="body"/>
+            <p:ph type="body" idx="1"/>
           </p:nvPr>
         </p:nvSpPr>
         <p:spPr>
@@ -2683,7 +2919,7 @@
           </a:prstGeom>
         </p:spPr>
         <p:txBody>
-          <a:bodyPr anchorCtr="0" anchor="t" bIns="91425" lIns="91425" rIns="91425" tIns="91425"/>
+          <a:bodyPr lIns="91425" tIns="91425" rIns="91425" bIns="91425" anchor="t" anchorCtr="0"/>
           <a:lstStyle>
             <a:lvl1pPr lvl="0" algn="ctr">
               <a:spcBef>
@@ -2740,15 +2976,19 @@
               <a:defRPr/>
             </a:lvl9pPr>
           </a:lstStyle>
-          <a:p/>
+          <a:p>
+            <a:endParaRPr/>
+          </a:p>
         </p:txBody>
       </p:sp>
       <p:sp>
         <p:nvSpPr>
           <p:cNvPr id="59" name="Shape 59"/>
-          <p:cNvSpPr txBox="1"/>
+          <p:cNvSpPr txBox="1">
+            <a:spLocks noGrp="1"/>
+          </p:cNvSpPr>
           <p:nvPr>
-            <p:ph idx="12" type="sldNum"/>
+            <p:ph type="sldNum" idx="12"/>
           </p:nvPr>
         </p:nvSpPr>
         <p:spPr>
@@ -2761,7 +3001,7 @@
           </a:prstGeom>
         </p:spPr>
         <p:txBody>
-          <a:bodyPr anchorCtr="0" anchor="ctr" bIns="91425" lIns="91425" rIns="91425" tIns="91425">
+          <a:bodyPr lIns="91425" tIns="91425" rIns="91425" bIns="91425" anchor="ctr" anchorCtr="0">
             <a:noAutofit/>
           </a:bodyPr>
           <a:lstStyle/>
@@ -2776,6 +3016,7 @@
               <a:rPr lang="en"/>
               <a:t>‹#›</a:t>
             </a:fld>
+            <a:endParaRPr lang="en"/>
           </a:p>
         </p:txBody>
       </p:sp>
@@ -2788,11 +3029,11 @@
 </file>
 
 <file path=ppt/slideLayouts/slideLayout11.xml><?xml version="1.0" encoding="utf-8"?>
-<p:sldLayout xmlns:a="http://schemas.openxmlformats.org/drawingml/2006/main" xmlns:r="http://schemas.openxmlformats.org/officeDocument/2006/relationships" xmlns:mc="http://schemas.openxmlformats.org/markup-compatibility/2006" xmlns:mv="urn:schemas-microsoft-com:mac:vml" xmlns:p="http://schemas.openxmlformats.org/presentationml/2006/main" xmlns:c="http://schemas.openxmlformats.org/drawingml/2006/chart" xmlns:dgm="http://schemas.openxmlformats.org/drawingml/2006/diagram" xmlns:o="urn:schemas-microsoft-com:office:office" xmlns:v="urn:schemas-microsoft-com:vml" xmlns:pvml="urn:schemas-microsoft-com:office:powerpoint" xmlns:com="http://schemas.openxmlformats.org/drawingml/2006/compatibility" xmlns:p14="http://schemas.microsoft.com/office/powerpoint/2010/main" type="blank">
+<p:sldLayout xmlns:a="http://schemas.openxmlformats.org/drawingml/2006/main" xmlns:r="http://schemas.openxmlformats.org/officeDocument/2006/relationships" xmlns:p="http://schemas.openxmlformats.org/presentationml/2006/main" type="blank">
   <p:cSld name="Blank">
     <p:spTree>
       <p:nvGrpSpPr>
-        <p:cNvPr id="60" name="Shape 60"/>
+        <p:cNvPr id="1" name="Shape 60"/>
         <p:cNvGrpSpPr/>
         <p:nvPr/>
       </p:nvGrpSpPr>
@@ -2807,9 +3048,11 @@
       <p:sp>
         <p:nvSpPr>
           <p:cNvPr id="61" name="Shape 61"/>
-          <p:cNvSpPr txBox="1"/>
+          <p:cNvSpPr txBox="1">
+            <a:spLocks noGrp="1"/>
+          </p:cNvSpPr>
           <p:nvPr>
-            <p:ph idx="12" type="sldNum"/>
+            <p:ph type="sldNum" idx="12"/>
           </p:nvPr>
         </p:nvSpPr>
         <p:spPr>
@@ -2822,7 +3065,7 @@
           </a:prstGeom>
         </p:spPr>
         <p:txBody>
-          <a:bodyPr anchorCtr="0" anchor="ctr" bIns="91425" lIns="91425" rIns="91425" tIns="91425">
+          <a:bodyPr lIns="91425" tIns="91425" rIns="91425" bIns="91425" anchor="ctr" anchorCtr="0">
             <a:noAutofit/>
           </a:bodyPr>
           <a:lstStyle/>
@@ -2837,6 +3080,7 @@
               <a:rPr lang="en"/>
               <a:t>‹#›</a:t>
             </a:fld>
+            <a:endParaRPr lang="en"/>
           </a:p>
         </p:txBody>
       </p:sp>
@@ -2849,11 +3093,11 @@
 </file>
 
 <file path=ppt/slideLayouts/slideLayout2.xml><?xml version="1.0" encoding="utf-8"?>
-<p:sldLayout xmlns:a="http://schemas.openxmlformats.org/drawingml/2006/main" xmlns:r="http://schemas.openxmlformats.org/officeDocument/2006/relationships" xmlns:mc="http://schemas.openxmlformats.org/markup-compatibility/2006" xmlns:mv="urn:schemas-microsoft-com:mac:vml" xmlns:p="http://schemas.openxmlformats.org/presentationml/2006/main" xmlns:c="http://schemas.openxmlformats.org/drawingml/2006/chart" xmlns:dgm="http://schemas.openxmlformats.org/drawingml/2006/diagram" xmlns:o="urn:schemas-microsoft-com:office:office" xmlns:v="urn:schemas-microsoft-com:vml" xmlns:pvml="urn:schemas-microsoft-com:office:powerpoint" xmlns:com="http://schemas.openxmlformats.org/drawingml/2006/compatibility" xmlns:p14="http://schemas.microsoft.com/office/powerpoint/2010/main" type="secHead">
+<p:sldLayout xmlns:a="http://schemas.openxmlformats.org/drawingml/2006/main" xmlns:r="http://schemas.openxmlformats.org/officeDocument/2006/relationships" xmlns:p="http://schemas.openxmlformats.org/presentationml/2006/main" type="secHead">
   <p:cSld name="Section header">
     <p:spTree>
       <p:nvGrpSpPr>
-        <p:cNvPr id="21" name="Shape 21"/>
+        <p:cNvPr id="1" name="Shape 21"/>
         <p:cNvGrpSpPr/>
         <p:nvPr/>
       </p:nvGrpSpPr>
@@ -2887,7 +3131,7 @@
           </a:ln>
         </p:spPr>
         <p:txBody>
-          <a:bodyPr anchorCtr="0" anchor="ctr" bIns="91425" lIns="91425" rIns="91425" tIns="91425">
+          <a:bodyPr lIns="91425" tIns="91425" rIns="91425" bIns="91425" anchor="ctr" anchorCtr="0">
             <a:noAutofit/>
           </a:bodyPr>
           <a:lstStyle/>
@@ -2898,9 +3142,6 @@
               </a:spcBef>
               <a:buNone/>
             </a:pPr>
-            <a:r>
-              <a:t/>
-            </a:r>
             <a:endParaRPr/>
           </a:p>
         </p:txBody>
@@ -2908,7 +3149,9 @@
       <p:sp>
         <p:nvSpPr>
           <p:cNvPr id="23" name="Shape 23"/>
-          <p:cNvSpPr txBox="1"/>
+          <p:cNvSpPr txBox="1">
+            <a:spLocks noGrp="1"/>
+          </p:cNvSpPr>
           <p:nvPr>
             <p:ph type="title"/>
           </p:nvPr>
@@ -2923,7 +3166,7 @@
           </a:prstGeom>
         </p:spPr>
         <p:txBody>
-          <a:bodyPr anchorCtr="0" anchor="ctr" bIns="91425" lIns="91425" rIns="91425" tIns="91425"/>
+          <a:bodyPr lIns="91425" tIns="91425" rIns="91425" bIns="91425" anchor="ctr" anchorCtr="0"/>
           <a:lstStyle>
             <a:lvl1pPr lvl="0" algn="ctr">
               <a:spcBef>
@@ -2980,15 +3223,19 @@
               <a:defRPr/>
             </a:lvl9pPr>
           </a:lstStyle>
-          <a:p/>
+          <a:p>
+            <a:endParaRPr/>
+          </a:p>
         </p:txBody>
       </p:sp>
       <p:sp>
         <p:nvSpPr>
           <p:cNvPr id="24" name="Shape 24"/>
-          <p:cNvSpPr txBox="1"/>
+          <p:cNvSpPr txBox="1">
+            <a:spLocks noGrp="1"/>
+          </p:cNvSpPr>
           <p:nvPr>
-            <p:ph idx="12" type="sldNum"/>
+            <p:ph type="sldNum" idx="12"/>
           </p:nvPr>
         </p:nvSpPr>
         <p:spPr>
@@ -3001,7 +3248,7 @@
           </a:prstGeom>
         </p:spPr>
         <p:txBody>
-          <a:bodyPr anchorCtr="0" anchor="ctr" bIns="91425" lIns="91425" rIns="91425" tIns="91425">
+          <a:bodyPr lIns="91425" tIns="91425" rIns="91425" bIns="91425" anchor="ctr" anchorCtr="0">
             <a:noAutofit/>
           </a:bodyPr>
           <a:lstStyle/>
@@ -3020,6 +3267,11 @@
               </a:rPr>
               <a:t>‹#›</a:t>
             </a:fld>
+            <a:endParaRPr lang="en">
+              <a:solidFill>
+                <a:schemeClr val="lt1"/>
+              </a:solidFill>
+            </a:endParaRPr>
           </a:p>
         </p:txBody>
       </p:sp>
@@ -3032,11 +3284,11 @@
 </file>
 
 <file path=ppt/slideLayouts/slideLayout3.xml><?xml version="1.0" encoding="utf-8"?>
-<p:sldLayout xmlns:a="http://schemas.openxmlformats.org/drawingml/2006/main" xmlns:r="http://schemas.openxmlformats.org/officeDocument/2006/relationships" xmlns:mc="http://schemas.openxmlformats.org/markup-compatibility/2006" xmlns:mv="urn:schemas-microsoft-com:mac:vml" xmlns:p="http://schemas.openxmlformats.org/presentationml/2006/main" xmlns:c="http://schemas.openxmlformats.org/drawingml/2006/chart" xmlns:dgm="http://schemas.openxmlformats.org/drawingml/2006/diagram" xmlns:o="urn:schemas-microsoft-com:office:office" xmlns:v="urn:schemas-microsoft-com:vml" xmlns:pvml="urn:schemas-microsoft-com:office:powerpoint" xmlns:com="http://schemas.openxmlformats.org/drawingml/2006/compatibility" xmlns:p14="http://schemas.microsoft.com/office/powerpoint/2010/main" type="tx">
+<p:sldLayout xmlns:a="http://schemas.openxmlformats.org/drawingml/2006/main" xmlns:r="http://schemas.openxmlformats.org/officeDocument/2006/relationships" xmlns:p="http://schemas.openxmlformats.org/presentationml/2006/main" type="tx">
   <p:cSld name="Title and body">
     <p:spTree>
       <p:nvGrpSpPr>
-        <p:cNvPr id="25" name="Shape 25"/>
+        <p:cNvPr id="1" name="Shape 25"/>
         <p:cNvGrpSpPr/>
         <p:nvPr/>
       </p:nvGrpSpPr>
@@ -3070,7 +3322,7 @@
           </a:ln>
         </p:spPr>
         <p:txBody>
-          <a:bodyPr anchorCtr="0" anchor="ctr" bIns="91425" lIns="91425" rIns="91425" tIns="91425">
+          <a:bodyPr lIns="91425" tIns="91425" rIns="91425" bIns="91425" anchor="ctr" anchorCtr="0">
             <a:noAutofit/>
           </a:bodyPr>
           <a:lstStyle/>
@@ -3081,9 +3333,6 @@
               </a:spcBef>
               <a:buNone/>
             </a:pPr>
-            <a:r>
-              <a:t/>
-            </a:r>
             <a:endParaRPr/>
           </a:p>
         </p:txBody>
@@ -3091,7 +3340,9 @@
       <p:sp>
         <p:nvSpPr>
           <p:cNvPr id="27" name="Shape 27"/>
-          <p:cNvSpPr txBox="1"/>
+          <p:cNvSpPr txBox="1">
+            <a:spLocks noGrp="1"/>
+          </p:cNvSpPr>
           <p:nvPr>
             <p:ph type="title"/>
           </p:nvPr>
@@ -3106,7 +3357,7 @@
           </a:prstGeom>
         </p:spPr>
         <p:txBody>
-          <a:bodyPr anchorCtr="0" anchor="t" bIns="91425" lIns="91425" rIns="91425" tIns="91425"/>
+          <a:bodyPr lIns="91425" tIns="91425" rIns="91425" bIns="91425" anchor="t" anchorCtr="0"/>
           <a:lstStyle>
             <a:lvl1pPr lvl="0">
               <a:spcBef>
@@ -3163,15 +3414,19 @@
               <a:defRPr/>
             </a:lvl9pPr>
           </a:lstStyle>
-          <a:p/>
+          <a:p>
+            <a:endParaRPr/>
+          </a:p>
         </p:txBody>
       </p:sp>
       <p:sp>
         <p:nvSpPr>
           <p:cNvPr id="28" name="Shape 28"/>
-          <p:cNvSpPr txBox="1"/>
+          <p:cNvSpPr txBox="1">
+            <a:spLocks noGrp="1"/>
+          </p:cNvSpPr>
           <p:nvPr>
-            <p:ph idx="1" type="body"/>
+            <p:ph type="body" idx="1"/>
           </p:nvPr>
         </p:nvSpPr>
         <p:spPr>
@@ -3184,7 +3439,7 @@
           </a:prstGeom>
         </p:spPr>
         <p:txBody>
-          <a:bodyPr anchorCtr="0" anchor="t" bIns="91425" lIns="91425" rIns="91425" tIns="91425"/>
+          <a:bodyPr lIns="91425" tIns="91425" rIns="91425" bIns="91425" anchor="t" anchorCtr="0"/>
           <a:lstStyle>
             <a:lvl1pPr lvl="0">
               <a:spcBef>
@@ -3241,15 +3496,19 @@
               <a:defRPr/>
             </a:lvl9pPr>
           </a:lstStyle>
-          <a:p/>
+          <a:p>
+            <a:endParaRPr/>
+          </a:p>
         </p:txBody>
       </p:sp>
       <p:sp>
         <p:nvSpPr>
           <p:cNvPr id="29" name="Shape 29"/>
-          <p:cNvSpPr txBox="1"/>
+          <p:cNvSpPr txBox="1">
+            <a:spLocks noGrp="1"/>
+          </p:cNvSpPr>
           <p:nvPr>
-            <p:ph idx="12" type="sldNum"/>
+            <p:ph type="sldNum" idx="12"/>
           </p:nvPr>
         </p:nvSpPr>
         <p:spPr>
@@ -3262,7 +3521,7 @@
           </a:prstGeom>
         </p:spPr>
         <p:txBody>
-          <a:bodyPr anchorCtr="0" anchor="ctr" bIns="91425" lIns="91425" rIns="91425" tIns="91425">
+          <a:bodyPr lIns="91425" tIns="91425" rIns="91425" bIns="91425" anchor="ctr" anchorCtr="0">
             <a:noAutofit/>
           </a:bodyPr>
           <a:lstStyle/>
@@ -3277,6 +3536,7 @@
               <a:rPr lang="en"/>
               <a:t>‹#›</a:t>
             </a:fld>
+            <a:endParaRPr lang="en"/>
           </a:p>
         </p:txBody>
       </p:sp>
@@ -3289,11 +3549,11 @@
 </file>
 
 <file path=ppt/slideLayouts/slideLayout4.xml><?xml version="1.0" encoding="utf-8"?>
-<p:sldLayout xmlns:a="http://schemas.openxmlformats.org/drawingml/2006/main" xmlns:r="http://schemas.openxmlformats.org/officeDocument/2006/relationships" xmlns:mc="http://schemas.openxmlformats.org/markup-compatibility/2006" xmlns:mv="urn:schemas-microsoft-com:mac:vml" xmlns:p="http://schemas.openxmlformats.org/presentationml/2006/main" xmlns:c="http://schemas.openxmlformats.org/drawingml/2006/chart" xmlns:dgm="http://schemas.openxmlformats.org/drawingml/2006/diagram" xmlns:o="urn:schemas-microsoft-com:office:office" xmlns:v="urn:schemas-microsoft-com:vml" xmlns:pvml="urn:schemas-microsoft-com:office:powerpoint" xmlns:com="http://schemas.openxmlformats.org/drawingml/2006/compatibility" xmlns:p14="http://schemas.microsoft.com/office/powerpoint/2010/main" type="twoColTx">
+<p:sldLayout xmlns:a="http://schemas.openxmlformats.org/drawingml/2006/main" xmlns:r="http://schemas.openxmlformats.org/officeDocument/2006/relationships" xmlns:p="http://schemas.openxmlformats.org/presentationml/2006/main" type="twoColTx">
   <p:cSld name="Title and two columns">
     <p:spTree>
       <p:nvGrpSpPr>
-        <p:cNvPr id="30" name="Shape 30"/>
+        <p:cNvPr id="1" name="Shape 30"/>
         <p:cNvGrpSpPr/>
         <p:nvPr/>
       </p:nvGrpSpPr>
@@ -3308,7 +3568,9 @@
       <p:sp>
         <p:nvSpPr>
           <p:cNvPr id="31" name="Shape 31"/>
-          <p:cNvSpPr txBox="1"/>
+          <p:cNvSpPr txBox="1">
+            <a:spLocks noGrp="1"/>
+          </p:cNvSpPr>
           <p:nvPr>
             <p:ph type="title"/>
           </p:nvPr>
@@ -3323,7 +3585,7 @@
           </a:prstGeom>
         </p:spPr>
         <p:txBody>
-          <a:bodyPr anchorCtr="0" anchor="t" bIns="91425" lIns="91425" rIns="91425" tIns="91425"/>
+          <a:bodyPr lIns="91425" tIns="91425" rIns="91425" bIns="91425" anchor="t" anchorCtr="0"/>
           <a:lstStyle>
             <a:lvl1pPr lvl="0">
               <a:spcBef>
@@ -3380,15 +3642,19 @@
               <a:defRPr/>
             </a:lvl9pPr>
           </a:lstStyle>
-          <a:p/>
+          <a:p>
+            <a:endParaRPr/>
+          </a:p>
         </p:txBody>
       </p:sp>
       <p:sp>
         <p:nvSpPr>
           <p:cNvPr id="32" name="Shape 32"/>
-          <p:cNvSpPr txBox="1"/>
+          <p:cNvSpPr txBox="1">
+            <a:spLocks noGrp="1"/>
+          </p:cNvSpPr>
           <p:nvPr>
-            <p:ph idx="1" type="body"/>
+            <p:ph type="body" idx="1"/>
           </p:nvPr>
         </p:nvSpPr>
         <p:spPr>
@@ -3401,7 +3667,7 @@
           </a:prstGeom>
         </p:spPr>
         <p:txBody>
-          <a:bodyPr anchorCtr="0" anchor="t" bIns="91425" lIns="91425" rIns="91425" tIns="91425"/>
+          <a:bodyPr lIns="91425" tIns="91425" rIns="91425" bIns="91425" anchor="t" anchorCtr="0"/>
           <a:lstStyle>
             <a:lvl1pPr lvl="0">
               <a:spcBef>
@@ -3467,15 +3733,19 @@
               <a:defRPr sz="1200"/>
             </a:lvl9pPr>
           </a:lstStyle>
-          <a:p/>
+          <a:p>
+            <a:endParaRPr/>
+          </a:p>
         </p:txBody>
       </p:sp>
       <p:sp>
         <p:nvSpPr>
           <p:cNvPr id="33" name="Shape 33"/>
-          <p:cNvSpPr txBox="1"/>
+          <p:cNvSpPr txBox="1">
+            <a:spLocks noGrp="1"/>
+          </p:cNvSpPr>
           <p:nvPr>
-            <p:ph idx="2" type="body"/>
+            <p:ph type="body" idx="2"/>
           </p:nvPr>
         </p:nvSpPr>
         <p:spPr>
@@ -3488,7 +3758,7 @@
           </a:prstGeom>
         </p:spPr>
         <p:txBody>
-          <a:bodyPr anchorCtr="0" anchor="t" bIns="91425" lIns="91425" rIns="91425" tIns="91425"/>
+          <a:bodyPr lIns="91425" tIns="91425" rIns="91425" bIns="91425" anchor="t" anchorCtr="0"/>
           <a:lstStyle>
             <a:lvl1pPr lvl="0">
               <a:spcBef>
@@ -3554,15 +3824,19 @@
               <a:defRPr sz="1200"/>
             </a:lvl9pPr>
           </a:lstStyle>
-          <a:p/>
+          <a:p>
+            <a:endParaRPr/>
+          </a:p>
         </p:txBody>
       </p:sp>
       <p:sp>
         <p:nvSpPr>
           <p:cNvPr id="34" name="Shape 34"/>
-          <p:cNvSpPr txBox="1"/>
+          <p:cNvSpPr txBox="1">
+            <a:spLocks noGrp="1"/>
+          </p:cNvSpPr>
           <p:nvPr>
-            <p:ph idx="12" type="sldNum"/>
+            <p:ph type="sldNum" idx="12"/>
           </p:nvPr>
         </p:nvSpPr>
         <p:spPr>
@@ -3575,7 +3849,7 @@
           </a:prstGeom>
         </p:spPr>
         <p:txBody>
-          <a:bodyPr anchorCtr="0" anchor="ctr" bIns="91425" lIns="91425" rIns="91425" tIns="91425">
+          <a:bodyPr lIns="91425" tIns="91425" rIns="91425" bIns="91425" anchor="ctr" anchorCtr="0">
             <a:noAutofit/>
           </a:bodyPr>
           <a:lstStyle/>
@@ -3590,6 +3864,7 @@
               <a:rPr lang="en"/>
               <a:t>‹#›</a:t>
             </a:fld>
+            <a:endParaRPr lang="en"/>
           </a:p>
         </p:txBody>
       </p:sp>
@@ -3602,11 +3877,11 @@
 </file>
 
 <file path=ppt/slideLayouts/slideLayout5.xml><?xml version="1.0" encoding="utf-8"?>
-<p:sldLayout xmlns:a="http://schemas.openxmlformats.org/drawingml/2006/main" xmlns:r="http://schemas.openxmlformats.org/officeDocument/2006/relationships" xmlns:mc="http://schemas.openxmlformats.org/markup-compatibility/2006" xmlns:mv="urn:schemas-microsoft-com:mac:vml" xmlns:p="http://schemas.openxmlformats.org/presentationml/2006/main" xmlns:c="http://schemas.openxmlformats.org/drawingml/2006/chart" xmlns:dgm="http://schemas.openxmlformats.org/drawingml/2006/diagram" xmlns:o="urn:schemas-microsoft-com:office:office" xmlns:v="urn:schemas-microsoft-com:vml" xmlns:pvml="urn:schemas-microsoft-com:office:powerpoint" xmlns:com="http://schemas.openxmlformats.org/drawingml/2006/compatibility" xmlns:p14="http://schemas.microsoft.com/office/powerpoint/2010/main" type="titleOnly">
+<p:sldLayout xmlns:a="http://schemas.openxmlformats.org/drawingml/2006/main" xmlns:r="http://schemas.openxmlformats.org/officeDocument/2006/relationships" xmlns:p="http://schemas.openxmlformats.org/presentationml/2006/main" type="titleOnly">
   <p:cSld name="Title only">
     <p:spTree>
       <p:nvGrpSpPr>
-        <p:cNvPr id="35" name="Shape 35"/>
+        <p:cNvPr id="1" name="Shape 35"/>
         <p:cNvGrpSpPr/>
         <p:nvPr/>
       </p:nvGrpSpPr>
@@ -3621,7 +3896,9 @@
       <p:sp>
         <p:nvSpPr>
           <p:cNvPr id="36" name="Shape 36"/>
-          <p:cNvSpPr txBox="1"/>
+          <p:cNvSpPr txBox="1">
+            <a:spLocks noGrp="1"/>
+          </p:cNvSpPr>
           <p:nvPr>
             <p:ph type="title"/>
           </p:nvPr>
@@ -3636,7 +3913,7 @@
           </a:prstGeom>
         </p:spPr>
         <p:txBody>
-          <a:bodyPr anchorCtr="0" anchor="t" bIns="91425" lIns="91425" rIns="91425" tIns="91425"/>
+          <a:bodyPr lIns="91425" tIns="91425" rIns="91425" bIns="91425" anchor="t" anchorCtr="0"/>
           <a:lstStyle>
             <a:lvl1pPr lvl="0">
               <a:spcBef>
@@ -3693,15 +3970,19 @@
               <a:defRPr/>
             </a:lvl9pPr>
           </a:lstStyle>
-          <a:p/>
+          <a:p>
+            <a:endParaRPr/>
+          </a:p>
         </p:txBody>
       </p:sp>
       <p:sp>
         <p:nvSpPr>
           <p:cNvPr id="37" name="Shape 37"/>
-          <p:cNvSpPr txBox="1"/>
+          <p:cNvSpPr txBox="1">
+            <a:spLocks noGrp="1"/>
+          </p:cNvSpPr>
           <p:nvPr>
-            <p:ph idx="12" type="sldNum"/>
+            <p:ph type="sldNum" idx="12"/>
           </p:nvPr>
         </p:nvSpPr>
         <p:spPr>
@@ -3714,7 +3995,7 @@
           </a:prstGeom>
         </p:spPr>
         <p:txBody>
-          <a:bodyPr anchorCtr="0" anchor="ctr" bIns="91425" lIns="91425" rIns="91425" tIns="91425">
+          <a:bodyPr lIns="91425" tIns="91425" rIns="91425" bIns="91425" anchor="ctr" anchorCtr="0">
             <a:noAutofit/>
           </a:bodyPr>
           <a:lstStyle/>
@@ -3729,6 +4010,7 @@
               <a:rPr lang="en"/>
               <a:t>‹#›</a:t>
             </a:fld>
+            <a:endParaRPr lang="en"/>
           </a:p>
         </p:txBody>
       </p:sp>
@@ -3741,11 +4023,11 @@
 </file>
 
 <file path=ppt/slideLayouts/slideLayout6.xml><?xml version="1.0" encoding="utf-8"?>
-<p:sldLayout xmlns:a="http://schemas.openxmlformats.org/drawingml/2006/main" xmlns:r="http://schemas.openxmlformats.org/officeDocument/2006/relationships" xmlns:mc="http://schemas.openxmlformats.org/markup-compatibility/2006" xmlns:mv="urn:schemas-microsoft-com:mac:vml" xmlns:p="http://schemas.openxmlformats.org/presentationml/2006/main" xmlns:c="http://schemas.openxmlformats.org/drawingml/2006/chart" xmlns:dgm="http://schemas.openxmlformats.org/drawingml/2006/diagram" xmlns:o="urn:schemas-microsoft-com:office:office" xmlns:v="urn:schemas-microsoft-com:vml" xmlns:pvml="urn:schemas-microsoft-com:office:powerpoint" xmlns:com="http://schemas.openxmlformats.org/drawingml/2006/compatibility" xmlns:p14="http://schemas.microsoft.com/office/powerpoint/2010/main">
+<p:sldLayout xmlns:a="http://schemas.openxmlformats.org/drawingml/2006/main" xmlns:r="http://schemas.openxmlformats.org/officeDocument/2006/relationships" xmlns:p="http://schemas.openxmlformats.org/presentationml/2006/main">
   <p:cSld name="One column text">
     <p:spTree>
       <p:nvGrpSpPr>
-        <p:cNvPr id="38" name="Shape 38"/>
+        <p:cNvPr id="1" name="Shape 38"/>
         <p:cNvGrpSpPr/>
         <p:nvPr/>
       </p:nvGrpSpPr>
@@ -3760,7 +4042,9 @@
       <p:sp>
         <p:nvSpPr>
           <p:cNvPr id="39" name="Shape 39"/>
-          <p:cNvSpPr txBox="1"/>
+          <p:cNvSpPr txBox="1">
+            <a:spLocks noGrp="1"/>
+          </p:cNvSpPr>
           <p:nvPr>
             <p:ph type="title"/>
           </p:nvPr>
@@ -3775,7 +4059,7 @@
           </a:prstGeom>
         </p:spPr>
         <p:txBody>
-          <a:bodyPr anchorCtr="0" anchor="b" bIns="91425" lIns="91425" rIns="91425" tIns="91425"/>
+          <a:bodyPr lIns="91425" tIns="91425" rIns="91425" bIns="91425" anchor="b" anchorCtr="0"/>
           <a:lstStyle>
             <a:lvl1pPr lvl="0">
               <a:spcBef>
@@ -3841,15 +4125,19 @@
               <a:defRPr sz="2400"/>
             </a:lvl9pPr>
           </a:lstStyle>
-          <a:p/>
+          <a:p>
+            <a:endParaRPr/>
+          </a:p>
         </p:txBody>
       </p:sp>
       <p:sp>
         <p:nvSpPr>
           <p:cNvPr id="40" name="Shape 40"/>
-          <p:cNvSpPr txBox="1"/>
+          <p:cNvSpPr txBox="1">
+            <a:spLocks noGrp="1"/>
+          </p:cNvSpPr>
           <p:nvPr>
-            <p:ph idx="1" type="body"/>
+            <p:ph type="body" idx="1"/>
           </p:nvPr>
         </p:nvSpPr>
         <p:spPr>
@@ -3862,7 +4150,7 @@
           </a:prstGeom>
         </p:spPr>
         <p:txBody>
-          <a:bodyPr anchorCtr="0" anchor="t" bIns="91425" lIns="91425" rIns="91425" tIns="91425"/>
+          <a:bodyPr lIns="91425" tIns="91425" rIns="91425" bIns="91425" anchor="t" anchorCtr="0"/>
           <a:lstStyle>
             <a:lvl1pPr lvl="0">
               <a:spcBef>
@@ -3928,15 +4216,19 @@
               <a:defRPr sz="1200"/>
             </a:lvl9pPr>
           </a:lstStyle>
-          <a:p/>
+          <a:p>
+            <a:endParaRPr/>
+          </a:p>
         </p:txBody>
       </p:sp>
       <p:sp>
         <p:nvSpPr>
           <p:cNvPr id="41" name="Shape 41"/>
-          <p:cNvSpPr txBox="1"/>
+          <p:cNvSpPr txBox="1">
+            <a:spLocks noGrp="1"/>
+          </p:cNvSpPr>
           <p:nvPr>
-            <p:ph idx="12" type="sldNum"/>
+            <p:ph type="sldNum" idx="12"/>
           </p:nvPr>
         </p:nvSpPr>
         <p:spPr>
@@ -3949,7 +4241,7 @@
           </a:prstGeom>
         </p:spPr>
         <p:txBody>
-          <a:bodyPr anchorCtr="0" anchor="ctr" bIns="91425" lIns="91425" rIns="91425" tIns="91425">
+          <a:bodyPr lIns="91425" tIns="91425" rIns="91425" bIns="91425" anchor="ctr" anchorCtr="0">
             <a:noAutofit/>
           </a:bodyPr>
           <a:lstStyle/>
@@ -3964,6 +4256,7 @@
               <a:rPr lang="en"/>
               <a:t>‹#›</a:t>
             </a:fld>
+            <a:endParaRPr lang="en"/>
           </a:p>
         </p:txBody>
       </p:sp>
@@ -3976,18 +4269,19 @@
 </file>
 
 <file path=ppt/slideLayouts/slideLayout7.xml><?xml version="1.0" encoding="utf-8"?>
-<p:sldLayout xmlns:a="http://schemas.openxmlformats.org/drawingml/2006/main" xmlns:r="http://schemas.openxmlformats.org/officeDocument/2006/relationships" xmlns:mc="http://schemas.openxmlformats.org/markup-compatibility/2006" xmlns:mv="urn:schemas-microsoft-com:mac:vml" xmlns:p="http://schemas.openxmlformats.org/presentationml/2006/main" xmlns:c="http://schemas.openxmlformats.org/drawingml/2006/chart" xmlns:dgm="http://schemas.openxmlformats.org/drawingml/2006/diagram" xmlns:o="urn:schemas-microsoft-com:office:office" xmlns:v="urn:schemas-microsoft-com:vml" xmlns:pvml="urn:schemas-microsoft-com:office:powerpoint" xmlns:com="http://schemas.openxmlformats.org/drawingml/2006/compatibility" xmlns:p14="http://schemas.microsoft.com/office/powerpoint/2010/main">
+<p:sldLayout xmlns:a="http://schemas.openxmlformats.org/drawingml/2006/main" xmlns:r="http://schemas.openxmlformats.org/officeDocument/2006/relationships" xmlns:p="http://schemas.openxmlformats.org/presentationml/2006/main">
   <p:cSld name="Main point">
     <p:bg>
       <p:bgPr>
         <a:solidFill>
           <a:schemeClr val="accent6"/>
         </a:solidFill>
+        <a:effectLst/>
       </p:bgPr>
     </p:bg>
     <p:spTree>
       <p:nvGrpSpPr>
-        <p:cNvPr id="42" name="Shape 42"/>
+        <p:cNvPr id="1" name="Shape 42"/>
         <p:cNvGrpSpPr/>
         <p:nvPr/>
       </p:nvGrpSpPr>
@@ -4002,7 +4296,9 @@
       <p:sp>
         <p:nvSpPr>
           <p:cNvPr id="43" name="Shape 43"/>
-          <p:cNvSpPr txBox="1"/>
+          <p:cNvSpPr txBox="1">
+            <a:spLocks noGrp="1"/>
+          </p:cNvSpPr>
           <p:nvPr>
             <p:ph type="title"/>
           </p:nvPr>
@@ -4017,7 +4313,7 @@
           </a:prstGeom>
         </p:spPr>
         <p:txBody>
-          <a:bodyPr anchorCtr="0" anchor="ctr" bIns="91425" lIns="91425" rIns="91425" tIns="91425"/>
+          <a:bodyPr lIns="91425" tIns="91425" rIns="91425" bIns="91425" anchor="ctr" anchorCtr="0"/>
           <a:lstStyle>
             <a:lvl1pPr lvl="0">
               <a:spcBef>
@@ -4027,7 +4323,7 @@
                 <a:schemeClr val="dk2"/>
               </a:buClr>
               <a:buSzPct val="100000"/>
-              <a:defRPr b="0" sz="5400">
+              <a:defRPr sz="5400" b="0">
                 <a:solidFill>
                   <a:schemeClr val="dk2"/>
                 </a:solidFill>
@@ -4041,7 +4337,7 @@
                 <a:schemeClr val="dk2"/>
               </a:buClr>
               <a:buSzPct val="100000"/>
-              <a:defRPr b="0" sz="5400">
+              <a:defRPr sz="5400" b="0">
                 <a:solidFill>
                   <a:schemeClr val="dk2"/>
                 </a:solidFill>
@@ -4055,7 +4351,7 @@
                 <a:schemeClr val="dk2"/>
               </a:buClr>
               <a:buSzPct val="100000"/>
-              <a:defRPr b="0" sz="5400">
+              <a:defRPr sz="5400" b="0">
                 <a:solidFill>
                   <a:schemeClr val="dk2"/>
                 </a:solidFill>
@@ -4069,7 +4365,7 @@
                 <a:schemeClr val="dk2"/>
               </a:buClr>
               <a:buSzPct val="100000"/>
-              <a:defRPr b="0" sz="5400">
+              <a:defRPr sz="5400" b="0">
                 <a:solidFill>
                   <a:schemeClr val="dk2"/>
                 </a:solidFill>
@@ -4083,7 +4379,7 @@
                 <a:schemeClr val="dk2"/>
               </a:buClr>
               <a:buSzPct val="100000"/>
-              <a:defRPr b="0" sz="5400">
+              <a:defRPr sz="5400" b="0">
                 <a:solidFill>
                   <a:schemeClr val="dk2"/>
                 </a:solidFill>
@@ -4097,7 +4393,7 @@
                 <a:schemeClr val="dk2"/>
               </a:buClr>
               <a:buSzPct val="100000"/>
-              <a:defRPr b="0" sz="5400">
+              <a:defRPr sz="5400" b="0">
                 <a:solidFill>
                   <a:schemeClr val="dk2"/>
                 </a:solidFill>
@@ -4111,7 +4407,7 @@
                 <a:schemeClr val="dk2"/>
               </a:buClr>
               <a:buSzPct val="100000"/>
-              <a:defRPr b="0" sz="5400">
+              <a:defRPr sz="5400" b="0">
                 <a:solidFill>
                   <a:schemeClr val="dk2"/>
                 </a:solidFill>
@@ -4125,7 +4421,7 @@
                 <a:schemeClr val="dk2"/>
               </a:buClr>
               <a:buSzPct val="100000"/>
-              <a:defRPr b="0" sz="5400">
+              <a:defRPr sz="5400" b="0">
                 <a:solidFill>
                   <a:schemeClr val="dk2"/>
                 </a:solidFill>
@@ -4139,22 +4435,26 @@
                 <a:schemeClr val="dk2"/>
               </a:buClr>
               <a:buSzPct val="100000"/>
-              <a:defRPr b="0" sz="5400">
+              <a:defRPr sz="5400" b="0">
                 <a:solidFill>
                   <a:schemeClr val="dk2"/>
                 </a:solidFill>
               </a:defRPr>
             </a:lvl9pPr>
           </a:lstStyle>
-          <a:p/>
+          <a:p>
+            <a:endParaRPr/>
+          </a:p>
         </p:txBody>
       </p:sp>
       <p:sp>
         <p:nvSpPr>
           <p:cNvPr id="44" name="Shape 44"/>
-          <p:cNvSpPr txBox="1"/>
+          <p:cNvSpPr txBox="1">
+            <a:spLocks noGrp="1"/>
+          </p:cNvSpPr>
           <p:nvPr>
-            <p:ph idx="12" type="sldNum"/>
+            <p:ph type="sldNum" idx="12"/>
           </p:nvPr>
         </p:nvSpPr>
         <p:spPr>
@@ -4167,7 +4467,7 @@
           </a:prstGeom>
         </p:spPr>
         <p:txBody>
-          <a:bodyPr anchorCtr="0" anchor="ctr" bIns="91425" lIns="91425" rIns="91425" tIns="91425">
+          <a:bodyPr lIns="91425" tIns="91425" rIns="91425" bIns="91425" anchor="ctr" anchorCtr="0">
             <a:noAutofit/>
           </a:bodyPr>
           <a:lstStyle/>
@@ -4182,6 +4482,7 @@
               <a:rPr lang="en"/>
               <a:t>‹#›</a:t>
             </a:fld>
+            <a:endParaRPr lang="en"/>
           </a:p>
         </p:txBody>
       </p:sp>
@@ -4194,11 +4495,11 @@
 </file>
 
 <file path=ppt/slideLayouts/slideLayout8.xml><?xml version="1.0" encoding="utf-8"?>
-<p:sldLayout xmlns:a="http://schemas.openxmlformats.org/drawingml/2006/main" xmlns:r="http://schemas.openxmlformats.org/officeDocument/2006/relationships" xmlns:mc="http://schemas.openxmlformats.org/markup-compatibility/2006" xmlns:mv="urn:schemas-microsoft-com:mac:vml" xmlns:p="http://schemas.openxmlformats.org/presentationml/2006/main" xmlns:c="http://schemas.openxmlformats.org/drawingml/2006/chart" xmlns:dgm="http://schemas.openxmlformats.org/drawingml/2006/diagram" xmlns:o="urn:schemas-microsoft-com:office:office" xmlns:v="urn:schemas-microsoft-com:vml" xmlns:pvml="urn:schemas-microsoft-com:office:powerpoint" xmlns:com="http://schemas.openxmlformats.org/drawingml/2006/compatibility" xmlns:p14="http://schemas.microsoft.com/office/powerpoint/2010/main">
+<p:sldLayout xmlns:a="http://schemas.openxmlformats.org/drawingml/2006/main" xmlns:r="http://schemas.openxmlformats.org/officeDocument/2006/relationships" xmlns:p="http://schemas.openxmlformats.org/presentationml/2006/main">
   <p:cSld name="Section title and description">
     <p:spTree>
       <p:nvGrpSpPr>
-        <p:cNvPr id="45" name="Shape 45"/>
+        <p:cNvPr id="1" name="Shape 45"/>
         <p:cNvGrpSpPr/>
         <p:nvPr/>
       </p:nvGrpSpPr>
@@ -4232,7 +4533,7 @@
           </a:ln>
         </p:spPr>
         <p:txBody>
-          <a:bodyPr anchorCtr="0" anchor="ctr" bIns="91425" lIns="91425" rIns="91425" tIns="91425">
+          <a:bodyPr lIns="91425" tIns="91425" rIns="91425" bIns="91425" anchor="ctr" anchorCtr="0">
             <a:noAutofit/>
           </a:bodyPr>
           <a:lstStyle/>
@@ -4243,9 +4544,6 @@
               </a:spcBef>
               <a:buNone/>
             </a:pPr>
-            <a:r>
-              <a:t/>
-            </a:r>
             <a:endParaRPr/>
           </a:p>
         </p:txBody>
@@ -4265,21 +4563,23 @@
             <a:avLst/>
           </a:prstGeom>
           <a:noFill/>
-          <a:ln cap="flat" cmpd="sng" w="19050">
+          <a:ln w="19050" cap="flat" cmpd="sng">
             <a:solidFill>
               <a:schemeClr val="lt1"/>
             </a:solidFill>
             <a:prstDash val="solid"/>
             <a:round/>
-            <a:headEnd len="med" w="med" type="none"/>
-            <a:tailEnd len="med" w="med" type="none"/>
+            <a:headEnd type="none" w="med" len="med"/>
+            <a:tailEnd type="none" w="med" len="med"/>
           </a:ln>
         </p:spPr>
       </p:cxnSp>
       <p:sp>
         <p:nvSpPr>
           <p:cNvPr id="48" name="Shape 48"/>
-          <p:cNvSpPr txBox="1"/>
+          <p:cNvSpPr txBox="1">
+            <a:spLocks noGrp="1"/>
+          </p:cNvSpPr>
           <p:nvPr>
             <p:ph type="title"/>
           </p:nvPr>
@@ -4294,7 +4594,7 @@
           </a:prstGeom>
         </p:spPr>
         <p:txBody>
-          <a:bodyPr anchorCtr="0" anchor="b" bIns="91425" lIns="91425" rIns="91425" tIns="91425"/>
+          <a:bodyPr lIns="91425" tIns="91425" rIns="91425" bIns="91425" anchor="b" anchorCtr="0"/>
           <a:lstStyle>
             <a:lvl1pPr lvl="0" algn="ctr">
               <a:spcBef>
@@ -4360,15 +4660,19 @@
               <a:defRPr sz="4200"/>
             </a:lvl9pPr>
           </a:lstStyle>
-          <a:p/>
+          <a:p>
+            <a:endParaRPr/>
+          </a:p>
         </p:txBody>
       </p:sp>
       <p:sp>
         <p:nvSpPr>
           <p:cNvPr id="49" name="Shape 49"/>
-          <p:cNvSpPr txBox="1"/>
+          <p:cNvSpPr txBox="1">
+            <a:spLocks noGrp="1"/>
+          </p:cNvSpPr>
           <p:nvPr>
-            <p:ph idx="1" type="subTitle"/>
+            <p:ph type="subTitle" idx="1"/>
           </p:nvPr>
         </p:nvSpPr>
         <p:spPr>
@@ -4381,7 +4685,7 @@
           </a:prstGeom>
         </p:spPr>
         <p:txBody>
-          <a:bodyPr anchorCtr="0" anchor="t" bIns="91425" lIns="91425" rIns="91425" tIns="91425"/>
+          <a:bodyPr lIns="91425" tIns="91425" rIns="91425" bIns="91425" anchor="t" anchorCtr="0"/>
           <a:lstStyle>
             <a:lvl1pPr lvl="0" algn="ctr">
               <a:lnSpc>
@@ -4510,15 +4814,19 @@
               <a:defRPr sz="2100"/>
             </a:lvl9pPr>
           </a:lstStyle>
-          <a:p/>
+          <a:p>
+            <a:endParaRPr/>
+          </a:p>
         </p:txBody>
       </p:sp>
       <p:sp>
         <p:nvSpPr>
           <p:cNvPr id="50" name="Shape 50"/>
-          <p:cNvSpPr txBox="1"/>
+          <p:cNvSpPr txBox="1">
+            <a:spLocks noGrp="1"/>
+          </p:cNvSpPr>
           <p:nvPr>
-            <p:ph idx="2" type="body"/>
+            <p:ph type="body" idx="2"/>
           </p:nvPr>
         </p:nvSpPr>
         <p:spPr>
@@ -4531,7 +4839,7 @@
           </a:prstGeom>
         </p:spPr>
         <p:txBody>
-          <a:bodyPr anchorCtr="0" anchor="ctr" bIns="91425" lIns="91425" rIns="91425" tIns="91425"/>
+          <a:bodyPr lIns="91425" tIns="91425" rIns="91425" bIns="91425" anchor="ctr" anchorCtr="0"/>
           <a:lstStyle>
             <a:lvl1pPr lvl="0">
               <a:spcBef>
@@ -4651,15 +4959,19 @@
               </a:defRPr>
             </a:lvl9pPr>
           </a:lstStyle>
-          <a:p/>
+          <a:p>
+            <a:endParaRPr/>
+          </a:p>
         </p:txBody>
       </p:sp>
       <p:sp>
         <p:nvSpPr>
           <p:cNvPr id="51" name="Shape 51"/>
-          <p:cNvSpPr txBox="1"/>
+          <p:cNvSpPr txBox="1">
+            <a:spLocks noGrp="1"/>
+          </p:cNvSpPr>
           <p:nvPr>
-            <p:ph idx="12" type="sldNum"/>
+            <p:ph type="sldNum" idx="12"/>
           </p:nvPr>
         </p:nvSpPr>
         <p:spPr>
@@ -4672,7 +4984,7 @@
           </a:prstGeom>
         </p:spPr>
         <p:txBody>
-          <a:bodyPr anchorCtr="0" anchor="ctr" bIns="91425" lIns="91425" rIns="91425" tIns="91425">
+          <a:bodyPr lIns="91425" tIns="91425" rIns="91425" bIns="91425" anchor="ctr" anchorCtr="0">
             <a:noAutofit/>
           </a:bodyPr>
           <a:lstStyle/>
@@ -4691,6 +5003,11 @@
               </a:rPr>
               <a:t>‹#›</a:t>
             </a:fld>
+            <a:endParaRPr lang="en">
+              <a:solidFill>
+                <a:schemeClr val="lt1"/>
+              </a:solidFill>
+            </a:endParaRPr>
           </a:p>
         </p:txBody>
       </p:sp>
@@ -4703,11 +5020,11 @@
 </file>
 
 <file path=ppt/slideLayouts/slideLayout9.xml><?xml version="1.0" encoding="utf-8"?>
-<p:sldLayout xmlns:a="http://schemas.openxmlformats.org/drawingml/2006/main" xmlns:r="http://schemas.openxmlformats.org/officeDocument/2006/relationships" xmlns:mc="http://schemas.openxmlformats.org/markup-compatibility/2006" xmlns:mv="urn:schemas-microsoft-com:mac:vml" xmlns:p="http://schemas.openxmlformats.org/presentationml/2006/main" xmlns:c="http://schemas.openxmlformats.org/drawingml/2006/chart" xmlns:dgm="http://schemas.openxmlformats.org/drawingml/2006/diagram" xmlns:o="urn:schemas-microsoft-com:office:office" xmlns:v="urn:schemas-microsoft-com:vml" xmlns:pvml="urn:schemas-microsoft-com:office:powerpoint" xmlns:com="http://schemas.openxmlformats.org/drawingml/2006/compatibility" xmlns:p14="http://schemas.microsoft.com/office/powerpoint/2010/main">
+<p:sldLayout xmlns:a="http://schemas.openxmlformats.org/drawingml/2006/main" xmlns:r="http://schemas.openxmlformats.org/officeDocument/2006/relationships" xmlns:p="http://schemas.openxmlformats.org/presentationml/2006/main">
   <p:cSld name="Caption">
     <p:spTree>
       <p:nvGrpSpPr>
-        <p:cNvPr id="52" name="Shape 52"/>
+        <p:cNvPr id="1" name="Shape 52"/>
         <p:cNvGrpSpPr/>
         <p:nvPr/>
       </p:nvGrpSpPr>
@@ -4722,9 +5039,11 @@
       <p:sp>
         <p:nvSpPr>
           <p:cNvPr id="53" name="Shape 53"/>
-          <p:cNvSpPr txBox="1"/>
+          <p:cNvSpPr txBox="1">
+            <a:spLocks noGrp="1"/>
+          </p:cNvSpPr>
           <p:nvPr>
-            <p:ph idx="1" type="body"/>
+            <p:ph type="body" idx="1"/>
           </p:nvPr>
         </p:nvSpPr>
         <p:spPr>
@@ -4737,7 +5056,7 @@
           </a:prstGeom>
         </p:spPr>
         <p:txBody>
-          <a:bodyPr anchorCtr="0" anchor="ctr" bIns="91425" lIns="91425" rIns="91425" tIns="91425"/>
+          <a:bodyPr lIns="91425" tIns="91425" rIns="91425" bIns="91425" anchor="ctr" anchorCtr="0"/>
           <a:lstStyle>
             <a:lvl1pPr lvl="0">
               <a:lnSpc>
@@ -4760,15 +5079,19 @@
               </a:defRPr>
             </a:lvl1pPr>
           </a:lstStyle>
-          <a:p/>
+          <a:p>
+            <a:endParaRPr/>
+          </a:p>
         </p:txBody>
       </p:sp>
       <p:sp>
         <p:nvSpPr>
           <p:cNvPr id="54" name="Shape 54"/>
-          <p:cNvSpPr txBox="1"/>
+          <p:cNvSpPr txBox="1">
+            <a:spLocks noGrp="1"/>
+          </p:cNvSpPr>
           <p:nvPr>
-            <p:ph idx="12" type="sldNum"/>
+            <p:ph type="sldNum" idx="12"/>
           </p:nvPr>
         </p:nvSpPr>
         <p:spPr>
@@ -4781,7 +5104,7 @@
           </a:prstGeom>
         </p:spPr>
         <p:txBody>
-          <a:bodyPr anchorCtr="0" anchor="ctr" bIns="91425" lIns="91425" rIns="91425" tIns="91425">
+          <a:bodyPr lIns="91425" tIns="91425" rIns="91425" bIns="91425" anchor="ctr" anchorCtr="0">
             <a:noAutofit/>
           </a:bodyPr>
           <a:lstStyle/>
@@ -4796,6 +5119,7 @@
               <a:rPr lang="en"/>
               <a:t>‹#›</a:t>
             </a:fld>
+            <a:endParaRPr lang="en"/>
           </a:p>
         </p:txBody>
       </p:sp>
@@ -4808,18 +5132,19 @@
 </file>
 
 <file path=ppt/slideMasters/slideMaster1.xml><?xml version="1.0" encoding="utf-8"?>
-<p:sldMaster xmlns:a="http://schemas.openxmlformats.org/drawingml/2006/main" xmlns:r="http://schemas.openxmlformats.org/officeDocument/2006/relationships" xmlns:mc="http://schemas.openxmlformats.org/markup-compatibility/2006" xmlns:mv="urn:schemas-microsoft-com:mac:vml" xmlns:p="http://schemas.openxmlformats.org/presentationml/2006/main" xmlns:c="http://schemas.openxmlformats.org/drawingml/2006/chart" xmlns:dgm="http://schemas.openxmlformats.org/drawingml/2006/diagram" xmlns:o="urn:schemas-microsoft-com:office:office" xmlns:v="urn:schemas-microsoft-com:vml" xmlns:pvml="urn:schemas-microsoft-com:office:powerpoint" xmlns:com="http://schemas.openxmlformats.org/drawingml/2006/compatibility" xmlns:p14="http://schemas.microsoft.com/office/powerpoint/2010/main">
+<p:sldMaster xmlns:a="http://schemas.openxmlformats.org/drawingml/2006/main" xmlns:r="http://schemas.openxmlformats.org/officeDocument/2006/relationships" xmlns:p="http://schemas.openxmlformats.org/presentationml/2006/main">
   <p:cSld>
     <p:bg>
       <p:bgPr>
         <a:solidFill>
           <a:schemeClr val="lt1"/>
         </a:solidFill>
+        <a:effectLst/>
       </p:bgPr>
     </p:bg>
     <p:spTree>
       <p:nvGrpSpPr>
-        <p:cNvPr id="5" name="Shape 5"/>
+        <p:cNvPr id="1" name="Shape 5"/>
         <p:cNvGrpSpPr/>
         <p:nvPr/>
       </p:nvGrpSpPr>
@@ -4834,7 +5159,9 @@
       <p:sp>
         <p:nvSpPr>
           <p:cNvPr id="6" name="Shape 6"/>
-          <p:cNvSpPr txBox="1"/>
+          <p:cNvSpPr txBox="1">
+            <a:spLocks noGrp="1"/>
+          </p:cNvSpPr>
           <p:nvPr>
             <p:ph type="title"/>
           </p:nvPr>
@@ -4853,7 +5180,7 @@
           </a:ln>
         </p:spPr>
         <p:txBody>
-          <a:bodyPr anchorCtr="0" anchor="t" bIns="91425" lIns="91425" rIns="91425" tIns="91425"/>
+          <a:bodyPr lIns="91425" tIns="91425" rIns="91425" bIns="91425" anchor="t" anchorCtr="0"/>
           <a:lstStyle>
             <a:lvl1pPr lvl="0">
               <a:spcBef>
@@ -4865,7 +5192,7 @@
               <a:buSzPct val="100000"/>
               <a:buFont typeface="PT Sans Narrow"/>
               <a:buNone/>
-              <a:defRPr b="1" sz="3600">
+              <a:defRPr sz="3600" b="1">
                 <a:solidFill>
                   <a:schemeClr val="accent1"/>
                 </a:solidFill>
@@ -4885,7 +5212,7 @@
               <a:buSzPct val="100000"/>
               <a:buFont typeface="PT Sans Narrow"/>
               <a:buNone/>
-              <a:defRPr b="1" sz="3600">
+              <a:defRPr sz="3600" b="1">
                 <a:solidFill>
                   <a:schemeClr val="accent1"/>
                 </a:solidFill>
@@ -4905,7 +5232,7 @@
               <a:buSzPct val="100000"/>
               <a:buFont typeface="PT Sans Narrow"/>
               <a:buNone/>
-              <a:defRPr b="1" sz="3600">
+              <a:defRPr sz="3600" b="1">
                 <a:solidFill>
                   <a:schemeClr val="accent1"/>
                 </a:solidFill>
@@ -4925,7 +5252,7 @@
               <a:buSzPct val="100000"/>
               <a:buFont typeface="PT Sans Narrow"/>
               <a:buNone/>
-              <a:defRPr b="1" sz="3600">
+              <a:defRPr sz="3600" b="1">
                 <a:solidFill>
                   <a:schemeClr val="accent1"/>
                 </a:solidFill>
@@ -4945,7 +5272,7 @@
               <a:buSzPct val="100000"/>
               <a:buFont typeface="PT Sans Narrow"/>
               <a:buNone/>
-              <a:defRPr b="1" sz="3600">
+              <a:defRPr sz="3600" b="1">
                 <a:solidFill>
                   <a:schemeClr val="accent1"/>
                 </a:solidFill>
@@ -4965,7 +5292,7 @@
               <a:buSzPct val="100000"/>
               <a:buFont typeface="PT Sans Narrow"/>
               <a:buNone/>
-              <a:defRPr b="1" sz="3600">
+              <a:defRPr sz="3600" b="1">
                 <a:solidFill>
                   <a:schemeClr val="accent1"/>
                 </a:solidFill>
@@ -4985,7 +5312,7 @@
               <a:buSzPct val="100000"/>
               <a:buFont typeface="PT Sans Narrow"/>
               <a:buNone/>
-              <a:defRPr b="1" sz="3600">
+              <a:defRPr sz="3600" b="1">
                 <a:solidFill>
                   <a:schemeClr val="accent1"/>
                 </a:solidFill>
@@ -5005,7 +5332,7 @@
               <a:buSzPct val="100000"/>
               <a:buFont typeface="PT Sans Narrow"/>
               <a:buNone/>
-              <a:defRPr b="1" sz="3600">
+              <a:defRPr sz="3600" b="1">
                 <a:solidFill>
                   <a:schemeClr val="accent1"/>
                 </a:solidFill>
@@ -5025,7 +5352,7 @@
               <a:buSzPct val="100000"/>
               <a:buFont typeface="PT Sans Narrow"/>
               <a:buNone/>
-              <a:defRPr b="1" sz="3600">
+              <a:defRPr sz="3600" b="1">
                 <a:solidFill>
                   <a:schemeClr val="accent1"/>
                 </a:solidFill>
@@ -5036,15 +5363,19 @@
               </a:defRPr>
             </a:lvl9pPr>
           </a:lstStyle>
-          <a:p/>
+          <a:p>
+            <a:endParaRPr/>
+          </a:p>
         </p:txBody>
       </p:sp>
       <p:sp>
         <p:nvSpPr>
           <p:cNvPr id="7" name="Shape 7"/>
-          <p:cNvSpPr txBox="1"/>
+          <p:cNvSpPr txBox="1">
+            <a:spLocks noGrp="1"/>
+          </p:cNvSpPr>
           <p:nvPr>
-            <p:ph idx="1" type="body"/>
+            <p:ph type="body" idx="1"/>
           </p:nvPr>
         </p:nvSpPr>
         <p:spPr>
@@ -5061,7 +5392,7 @@
           </a:ln>
         </p:spPr>
         <p:txBody>
-          <a:bodyPr anchorCtr="0" anchor="t" bIns="91425" lIns="91425" rIns="91425" tIns="91425"/>
+          <a:bodyPr lIns="91425" tIns="91425" rIns="91425" bIns="91425" anchor="t" anchorCtr="0"/>
           <a:lstStyle>
             <a:lvl1pPr lvl="0">
               <a:lnSpc>
@@ -5281,15 +5612,19 @@
               </a:defRPr>
             </a:lvl9pPr>
           </a:lstStyle>
-          <a:p/>
+          <a:p>
+            <a:endParaRPr/>
+          </a:p>
         </p:txBody>
       </p:sp>
       <p:sp>
         <p:nvSpPr>
           <p:cNvPr id="8" name="Shape 8"/>
-          <p:cNvSpPr txBox="1"/>
+          <p:cNvSpPr txBox="1">
+            <a:spLocks noGrp="1"/>
+          </p:cNvSpPr>
           <p:nvPr>
-            <p:ph idx="12" type="sldNum"/>
+            <p:ph type="sldNum" idx="12"/>
           </p:nvPr>
         </p:nvSpPr>
         <p:spPr>
@@ -5306,7 +5641,7 @@
           </a:ln>
         </p:spPr>
         <p:txBody>
-          <a:bodyPr anchorCtr="0" anchor="ctr" bIns="91425" lIns="91425" rIns="91425" tIns="91425">
+          <a:bodyPr lIns="91425" tIns="91425" rIns="91425" bIns="91425" anchor="ctr" anchorCtr="0">
             <a:noAutofit/>
           </a:bodyPr>
           <a:lstStyle/>
@@ -5329,12 +5664,21 @@
               </a:rPr>
               <a:t>‹#›</a:t>
             </a:fld>
+            <a:endParaRPr lang="en" sz="1000">
+              <a:solidFill>
+                <a:schemeClr val="dk2"/>
+              </a:solidFill>
+              <a:latin typeface="Open Sans"/>
+              <a:ea typeface="Open Sans"/>
+              <a:cs typeface="Open Sans"/>
+              <a:sym typeface="Open Sans"/>
+            </a:endParaRPr>
           </a:p>
         </p:txBody>
       </p:sp>
     </p:spTree>
   </p:cSld>
-  <p:clrMap accent1="accent1" accent2="accent2" accent3="accent3" accent4="accent4" accent5="accent5" accent6="accent6" bg1="lt1" bg2="dk2" tx1="dk1" tx2="lt2" folHlink="folHlink" hlink="hlink"/>
+  <p:clrMap bg1="lt1" tx1="dk1" bg2="dk2" tx2="lt2" accent1="accent1" accent2="accent2" accent3="accent3" accent4="accent4" accent5="accent5" accent6="accent6" hlink="hlink" folHlink="folHlink"/>
   <p:sldLayoutIdLst>
     <p:sldLayoutId id="2147483648" r:id="rId1"/>
     <p:sldLayoutId id="2147483649" r:id="rId2"/>
@@ -5348,10 +5692,10 @@
     <p:sldLayoutId id="2147483657" r:id="rId10"/>
     <p:sldLayoutId id="2147483658" r:id="rId11"/>
   </p:sldLayoutIdLst>
-  <p:hf dt="0" ftr="0" hdr="0" sldNum="0"/>
+  <p:hf sldNum="0" hdr="0" ftr="0" dt="0"/>
   <p:txStyles>
     <p:titleStyle>
-      <a:defPPr lvl="0" marR="0" rtl="0" algn="l">
+      <a:defPPr marR="0" lvl="0" algn="l" rtl="0">
         <a:lnSpc>
           <a:spcPct val="100000"/>
         </a:lnSpc>
@@ -5362,7 +5706,7 @@
           <a:spcPts val="0"/>
         </a:spcAft>
       </a:defPPr>
-      <a:lvl1pPr lvl="0" marR="0" rtl="0" algn="l">
+      <a:lvl1pPr marR="0" lvl="0" algn="l" rtl="0">
         <a:lnSpc>
           <a:spcPct val="100000"/>
         </a:lnSpc>
@@ -5373,7 +5717,7 @@
           <a:spcPts val="0"/>
         </a:spcAft>
         <a:buNone/>
-        <a:defRPr b="0" i="0" sz="1400" u="none" cap="none" strike="noStrike">
+        <a:defRPr sz="1400" b="0" i="0" u="none" strike="noStrike" cap="none">
           <a:solidFill>
             <a:srgbClr val="000000"/>
           </a:solidFill>
@@ -5385,7 +5729,7 @@
       </a:lvl1pPr>
     </p:titleStyle>
     <p:bodyStyle>
-      <a:defPPr lvl="0" marR="0" rtl="0" algn="l">
+      <a:defPPr marR="0" lvl="0" algn="l" rtl="0">
         <a:lnSpc>
           <a:spcPct val="100000"/>
         </a:lnSpc>
@@ -5396,7 +5740,7 @@
           <a:spcPts val="0"/>
         </a:spcAft>
       </a:defPPr>
-      <a:lvl1pPr lvl="0" marR="0" rtl="0" algn="l">
+      <a:lvl1pPr marR="0" lvl="0" algn="l" rtl="0">
         <a:lnSpc>
           <a:spcPct val="100000"/>
         </a:lnSpc>
@@ -5407,7 +5751,7 @@
           <a:spcPts val="0"/>
         </a:spcAft>
         <a:buNone/>
-        <a:defRPr b="0" i="0" sz="1400" u="none" cap="none" strike="noStrike">
+        <a:defRPr sz="1400" b="0" i="0" u="none" strike="noStrike" cap="none">
           <a:solidFill>
             <a:srgbClr val="000000"/>
           </a:solidFill>
@@ -5417,7 +5761,7 @@
           <a:sym typeface="Arial"/>
         </a:defRPr>
       </a:lvl1pPr>
-      <a:lvl2pPr lvl="1" marR="0" rtl="0" algn="l">
+      <a:lvl2pPr marR="0" lvl="1" algn="l" rtl="0">
         <a:lnSpc>
           <a:spcPct val="100000"/>
         </a:lnSpc>
@@ -5428,7 +5772,7 @@
           <a:spcPts val="0"/>
         </a:spcAft>
         <a:buNone/>
-        <a:defRPr b="0" i="0" sz="1400" u="none" cap="none" strike="noStrike">
+        <a:defRPr sz="1400" b="0" i="0" u="none" strike="noStrike" cap="none">
           <a:solidFill>
             <a:srgbClr val="000000"/>
           </a:solidFill>
@@ -5438,7 +5782,7 @@
           <a:sym typeface="Arial"/>
         </a:defRPr>
       </a:lvl2pPr>
-      <a:lvl3pPr lvl="2" marR="0" rtl="0" algn="l">
+      <a:lvl3pPr marR="0" lvl="2" algn="l" rtl="0">
         <a:lnSpc>
           <a:spcPct val="100000"/>
         </a:lnSpc>
@@ -5449,7 +5793,7 @@
           <a:spcPts val="0"/>
         </a:spcAft>
         <a:buNone/>
-        <a:defRPr b="0" i="0" sz="1400" u="none" cap="none" strike="noStrike">
+        <a:defRPr sz="1400" b="0" i="0" u="none" strike="noStrike" cap="none">
           <a:solidFill>
             <a:srgbClr val="000000"/>
           </a:solidFill>
@@ -5459,7 +5803,7 @@
           <a:sym typeface="Arial"/>
         </a:defRPr>
       </a:lvl3pPr>
-      <a:lvl4pPr lvl="3" marR="0" rtl="0" algn="l">
+      <a:lvl4pPr marR="0" lvl="3" algn="l" rtl="0">
         <a:lnSpc>
           <a:spcPct val="100000"/>
         </a:lnSpc>
@@ -5470,7 +5814,7 @@
           <a:spcPts val="0"/>
         </a:spcAft>
         <a:buNone/>
-        <a:defRPr b="0" i="0" sz="1400" u="none" cap="none" strike="noStrike">
+        <a:defRPr sz="1400" b="0" i="0" u="none" strike="noStrike" cap="none">
           <a:solidFill>
             <a:srgbClr val="000000"/>
           </a:solidFill>
@@ -5480,7 +5824,7 @@
           <a:sym typeface="Arial"/>
         </a:defRPr>
       </a:lvl4pPr>
-      <a:lvl5pPr lvl="4" marR="0" rtl="0" algn="l">
+      <a:lvl5pPr marR="0" lvl="4" algn="l" rtl="0">
         <a:lnSpc>
           <a:spcPct val="100000"/>
         </a:lnSpc>
@@ -5491,7 +5835,7 @@
           <a:spcPts val="0"/>
         </a:spcAft>
         <a:buNone/>
-        <a:defRPr b="0" i="0" sz="1400" u="none" cap="none" strike="noStrike">
+        <a:defRPr sz="1400" b="0" i="0" u="none" strike="noStrike" cap="none">
           <a:solidFill>
             <a:srgbClr val="000000"/>
           </a:solidFill>
@@ -5501,7 +5845,7 @@
           <a:sym typeface="Arial"/>
         </a:defRPr>
       </a:lvl5pPr>
-      <a:lvl6pPr lvl="5" marR="0" rtl="0" algn="l">
+      <a:lvl6pPr marR="0" lvl="5" algn="l" rtl="0">
         <a:lnSpc>
           <a:spcPct val="100000"/>
         </a:lnSpc>
@@ -5512,7 +5856,7 @@
           <a:spcPts val="0"/>
         </a:spcAft>
         <a:buNone/>
-        <a:defRPr b="0" i="0" sz="1400" u="none" cap="none" strike="noStrike">
+        <a:defRPr sz="1400" b="0" i="0" u="none" strike="noStrike" cap="none">
           <a:solidFill>
             <a:srgbClr val="000000"/>
           </a:solidFill>
@@ -5522,7 +5866,7 @@
           <a:sym typeface="Arial"/>
         </a:defRPr>
       </a:lvl6pPr>
-      <a:lvl7pPr lvl="6" marR="0" rtl="0" algn="l">
+      <a:lvl7pPr marR="0" lvl="6" algn="l" rtl="0">
         <a:lnSpc>
           <a:spcPct val="100000"/>
         </a:lnSpc>
@@ -5533,7 +5877,7 @@
           <a:spcPts val="0"/>
         </a:spcAft>
         <a:buNone/>
-        <a:defRPr b="0" i="0" sz="1400" u="none" cap="none" strike="noStrike">
+        <a:defRPr sz="1400" b="0" i="0" u="none" strike="noStrike" cap="none">
           <a:solidFill>
             <a:srgbClr val="000000"/>
           </a:solidFill>
@@ -5543,7 +5887,7 @@
           <a:sym typeface="Arial"/>
         </a:defRPr>
       </a:lvl7pPr>
-      <a:lvl8pPr lvl="7" marR="0" rtl="0" algn="l">
+      <a:lvl8pPr marR="0" lvl="7" algn="l" rtl="0">
         <a:lnSpc>
           <a:spcPct val="100000"/>
         </a:lnSpc>
@@ -5554,7 +5898,7 @@
           <a:spcPts val="0"/>
         </a:spcAft>
         <a:buNone/>
-        <a:defRPr b="0" i="0" sz="1400" u="none" cap="none" strike="noStrike">
+        <a:defRPr sz="1400" b="0" i="0" u="none" strike="noStrike" cap="none">
           <a:solidFill>
             <a:srgbClr val="000000"/>
           </a:solidFill>
@@ -5564,7 +5908,7 @@
           <a:sym typeface="Arial"/>
         </a:defRPr>
       </a:lvl8pPr>
-      <a:lvl9pPr lvl="8" marR="0" rtl="0" algn="l">
+      <a:lvl9pPr marR="0" lvl="8" algn="l" rtl="0">
         <a:lnSpc>
           <a:spcPct val="100000"/>
         </a:lnSpc>
@@ -5575,7 +5919,7 @@
           <a:spcPts val="0"/>
         </a:spcAft>
         <a:buNone/>
-        <a:defRPr b="0" i="0" sz="1400" u="none" cap="none" strike="noStrike">
+        <a:defRPr sz="1400" b="0" i="0" u="none" strike="noStrike" cap="none">
           <a:solidFill>
             <a:srgbClr val="000000"/>
           </a:solidFill>
@@ -5587,7 +5931,7 @@
       </a:lvl9pPr>
     </p:bodyStyle>
     <p:otherStyle>
-      <a:defPPr lvl="0" marR="0" rtl="0" algn="l">
+      <a:defPPr marR="0" lvl="0" algn="l" rtl="0">
         <a:lnSpc>
           <a:spcPct val="100000"/>
         </a:lnSpc>
@@ -5598,7 +5942,7 @@
           <a:spcPts val="0"/>
         </a:spcAft>
       </a:defPPr>
-      <a:lvl1pPr lvl="0" marR="0" rtl="0" algn="l">
+      <a:lvl1pPr marR="0" lvl="0" algn="l" rtl="0">
         <a:lnSpc>
           <a:spcPct val="100000"/>
         </a:lnSpc>
@@ -5609,7 +5953,7 @@
           <a:spcPts val="0"/>
         </a:spcAft>
         <a:buNone/>
-        <a:defRPr b="0" i="0" sz="1400" u="none" cap="none" strike="noStrike">
+        <a:defRPr sz="1400" b="0" i="0" u="none" strike="noStrike" cap="none">
           <a:solidFill>
             <a:srgbClr val="000000"/>
           </a:solidFill>
@@ -5619,7 +5963,7 @@
           <a:sym typeface="Arial"/>
         </a:defRPr>
       </a:lvl1pPr>
-      <a:lvl2pPr lvl="1" marR="0" rtl="0" algn="l">
+      <a:lvl2pPr marR="0" lvl="1" algn="l" rtl="0">
         <a:lnSpc>
           <a:spcPct val="100000"/>
         </a:lnSpc>
@@ -5630,7 +5974,7 @@
           <a:spcPts val="0"/>
         </a:spcAft>
         <a:buNone/>
-        <a:defRPr b="0" i="0" sz="1400" u="none" cap="none" strike="noStrike">
+        <a:defRPr sz="1400" b="0" i="0" u="none" strike="noStrike" cap="none">
           <a:solidFill>
             <a:srgbClr val="000000"/>
           </a:solidFill>
@@ -5640,7 +5984,7 @@
           <a:sym typeface="Arial"/>
         </a:defRPr>
       </a:lvl2pPr>
-      <a:lvl3pPr lvl="2" marR="0" rtl="0" algn="l">
+      <a:lvl3pPr marR="0" lvl="2" algn="l" rtl="0">
         <a:lnSpc>
           <a:spcPct val="100000"/>
         </a:lnSpc>
@@ -5651,7 +5995,7 @@
           <a:spcPts val="0"/>
         </a:spcAft>
         <a:buNone/>
-        <a:defRPr b="0" i="0" sz="1400" u="none" cap="none" strike="noStrike">
+        <a:defRPr sz="1400" b="0" i="0" u="none" strike="noStrike" cap="none">
           <a:solidFill>
             <a:srgbClr val="000000"/>
           </a:solidFill>
@@ -5661,7 +6005,7 @@
           <a:sym typeface="Arial"/>
         </a:defRPr>
       </a:lvl3pPr>
-      <a:lvl4pPr lvl="3" marR="0" rtl="0" algn="l">
+      <a:lvl4pPr marR="0" lvl="3" algn="l" rtl="0">
         <a:lnSpc>
           <a:spcPct val="100000"/>
         </a:lnSpc>
@@ -5672,7 +6016,7 @@
           <a:spcPts val="0"/>
         </a:spcAft>
         <a:buNone/>
-        <a:defRPr b="0" i="0" sz="1400" u="none" cap="none" strike="noStrike">
+        <a:defRPr sz="1400" b="0" i="0" u="none" strike="noStrike" cap="none">
           <a:solidFill>
             <a:srgbClr val="000000"/>
           </a:solidFill>
@@ -5682,7 +6026,7 @@
           <a:sym typeface="Arial"/>
         </a:defRPr>
       </a:lvl4pPr>
-      <a:lvl5pPr lvl="4" marR="0" rtl="0" algn="l">
+      <a:lvl5pPr marR="0" lvl="4" algn="l" rtl="0">
         <a:lnSpc>
           <a:spcPct val="100000"/>
         </a:lnSpc>
@@ -5693,7 +6037,7 @@
           <a:spcPts val="0"/>
         </a:spcAft>
         <a:buNone/>
-        <a:defRPr b="0" i="0" sz="1400" u="none" cap="none" strike="noStrike">
+        <a:defRPr sz="1400" b="0" i="0" u="none" strike="noStrike" cap="none">
           <a:solidFill>
             <a:srgbClr val="000000"/>
           </a:solidFill>
@@ -5703,7 +6047,7 @@
           <a:sym typeface="Arial"/>
         </a:defRPr>
       </a:lvl5pPr>
-      <a:lvl6pPr lvl="5" marR="0" rtl="0" algn="l">
+      <a:lvl6pPr marR="0" lvl="5" algn="l" rtl="0">
         <a:lnSpc>
           <a:spcPct val="100000"/>
         </a:lnSpc>
@@ -5714,7 +6058,7 @@
           <a:spcPts val="0"/>
         </a:spcAft>
         <a:buNone/>
-        <a:defRPr b="0" i="0" sz="1400" u="none" cap="none" strike="noStrike">
+        <a:defRPr sz="1400" b="0" i="0" u="none" strike="noStrike" cap="none">
           <a:solidFill>
             <a:srgbClr val="000000"/>
           </a:solidFill>
@@ -5724,7 +6068,7 @@
           <a:sym typeface="Arial"/>
         </a:defRPr>
       </a:lvl6pPr>
-      <a:lvl7pPr lvl="6" marR="0" rtl="0" algn="l">
+      <a:lvl7pPr marR="0" lvl="6" algn="l" rtl="0">
         <a:lnSpc>
           <a:spcPct val="100000"/>
         </a:lnSpc>
@@ -5735,7 +6079,7 @@
           <a:spcPts val="0"/>
         </a:spcAft>
         <a:buNone/>
-        <a:defRPr b="0" i="0" sz="1400" u="none" cap="none" strike="noStrike">
+        <a:defRPr sz="1400" b="0" i="0" u="none" strike="noStrike" cap="none">
           <a:solidFill>
             <a:srgbClr val="000000"/>
           </a:solidFill>
@@ -5745,7 +6089,7 @@
           <a:sym typeface="Arial"/>
         </a:defRPr>
       </a:lvl7pPr>
-      <a:lvl8pPr lvl="7" marR="0" rtl="0" algn="l">
+      <a:lvl8pPr marR="0" lvl="7" algn="l" rtl="0">
         <a:lnSpc>
           <a:spcPct val="100000"/>
         </a:lnSpc>
@@ -5756,7 +6100,7 @@
           <a:spcPts val="0"/>
         </a:spcAft>
         <a:buNone/>
-        <a:defRPr b="0" i="0" sz="1400" u="none" cap="none" strike="noStrike">
+        <a:defRPr sz="1400" b="0" i="0" u="none" strike="noStrike" cap="none">
           <a:solidFill>
             <a:srgbClr val="000000"/>
           </a:solidFill>
@@ -5766,7 +6110,7 @@
           <a:sym typeface="Arial"/>
         </a:defRPr>
       </a:lvl8pPr>
-      <a:lvl9pPr lvl="8" marR="0" rtl="0" algn="l">
+      <a:lvl9pPr marR="0" lvl="8" algn="l" rtl="0">
         <a:lnSpc>
           <a:spcPct val="100000"/>
         </a:lnSpc>
@@ -5777,7 +6121,7 @@
           <a:spcPts val="0"/>
         </a:spcAft>
         <a:buNone/>
-        <a:defRPr b="0" i="0" sz="1400" u="none" cap="none" strike="noStrike">
+        <a:defRPr sz="1400" b="0" i="0" u="none" strike="noStrike" cap="none">
           <a:solidFill>
             <a:srgbClr val="000000"/>
           </a:solidFill>
@@ -5793,11 +6137,11 @@
 </file>
 
 <file path=ppt/slides/slide1.xml><?xml version="1.0" encoding="utf-8"?>
-<p:sld xmlns:a="http://schemas.openxmlformats.org/drawingml/2006/main" xmlns:r="http://schemas.openxmlformats.org/officeDocument/2006/relationships" xmlns:mc="http://schemas.openxmlformats.org/markup-compatibility/2006" xmlns:mv="urn:schemas-microsoft-com:mac:vml" xmlns:p="http://schemas.openxmlformats.org/presentationml/2006/main" xmlns:c="http://schemas.openxmlformats.org/drawingml/2006/chart" xmlns:dgm="http://schemas.openxmlformats.org/drawingml/2006/diagram" xmlns:o="urn:schemas-microsoft-com:office:office" xmlns:v="urn:schemas-microsoft-com:vml" xmlns:pvml="urn:schemas-microsoft-com:office:powerpoint" xmlns:com="http://schemas.openxmlformats.org/drawingml/2006/compatibility" xmlns:p14="http://schemas.microsoft.com/office/powerpoint/2010/main">
+<p:sld xmlns:a="http://schemas.openxmlformats.org/drawingml/2006/main" xmlns:r="http://schemas.openxmlformats.org/officeDocument/2006/relationships" xmlns:p="http://schemas.openxmlformats.org/presentationml/2006/main">
   <p:cSld>
     <p:spTree>
       <p:nvGrpSpPr>
-        <p:cNvPr id="65" name="Shape 65"/>
+        <p:cNvPr id="1" name="Shape 65"/>
         <p:cNvGrpSpPr/>
         <p:nvPr/>
       </p:nvGrpSpPr>
@@ -5812,7 +6156,9 @@
       <p:sp>
         <p:nvSpPr>
           <p:cNvPr id="66" name="Shape 66"/>
-          <p:cNvSpPr txBox="1"/>
+          <p:cNvSpPr txBox="1">
+            <a:spLocks noGrp="1"/>
+          </p:cNvSpPr>
           <p:nvPr>
             <p:ph type="ctrTitle"/>
           </p:nvPr>
@@ -5827,7 +6173,7 @@
           </a:prstGeom>
         </p:spPr>
         <p:txBody>
-          <a:bodyPr anchorCtr="0" anchor="b" bIns="91425" lIns="91425" rIns="91425" tIns="91425">
+          <a:bodyPr lIns="91425" tIns="91425" rIns="91425" bIns="91425" anchor="b" anchorCtr="0">
             <a:noAutofit/>
           </a:bodyPr>
           <a:lstStyle/>
@@ -5848,9 +6194,11 @@
       <p:sp>
         <p:nvSpPr>
           <p:cNvPr id="67" name="Shape 67"/>
-          <p:cNvSpPr txBox="1"/>
+          <p:cNvSpPr txBox="1">
+            <a:spLocks noGrp="1"/>
+          </p:cNvSpPr>
           <p:nvPr>
-            <p:ph idx="1" type="subTitle"/>
+            <p:ph type="subTitle" idx="1"/>
           </p:nvPr>
         </p:nvSpPr>
         <p:spPr>
@@ -5863,7 +6211,7 @@
           </a:prstGeom>
         </p:spPr>
         <p:txBody>
-          <a:bodyPr anchorCtr="0" anchor="t" bIns="91425" lIns="91425" rIns="91425" tIns="91425">
+          <a:bodyPr lIns="91425" tIns="91425" rIns="91425" bIns="91425" anchor="t" anchorCtr="0">
             <a:noAutofit/>
           </a:bodyPr>
           <a:lstStyle/>
@@ -5886,13 +6234,13 @@
   <p:clrMapOvr>
     <a:masterClrMapping/>
   </p:clrMapOvr>
-  <mc:AlternateContent>
+  <mc:AlternateContent xmlns:mc="http://schemas.openxmlformats.org/markup-compatibility/2006" xmlns:p14="http://schemas.microsoft.com/office/powerpoint/2010/main">
     <mc:Choice Requires="p14">
       <p:transition spd="slow">
         <p14:gallery dir="l"/>
       </p:transition>
     </mc:Choice>
-    <mc:Fallback>
+    <mc:Fallback xmlns:com="http://schemas.openxmlformats.org/drawingml/2006/compatibility" xmlns:pvml="urn:schemas-microsoft-com:office:powerpoint" xmlns:v="urn:schemas-microsoft-com:vml" xmlns:o="urn:schemas-microsoft-com:office:office" xmlns:dgm="http://schemas.openxmlformats.org/drawingml/2006/diagram" xmlns:c="http://schemas.openxmlformats.org/drawingml/2006/chart" xmlns:mv="urn:schemas-microsoft-com:mac:vml" xmlns="">
       <p:transition spd="slow">
         <p:fade/>
       </p:transition>
@@ -5902,11 +6250,11 @@
 </file>
 
 <file path=ppt/slides/slide10.xml><?xml version="1.0" encoding="utf-8"?>
-<p:sld xmlns:a="http://schemas.openxmlformats.org/drawingml/2006/main" xmlns:r="http://schemas.openxmlformats.org/officeDocument/2006/relationships" xmlns:mc="http://schemas.openxmlformats.org/markup-compatibility/2006" xmlns:mv="urn:schemas-microsoft-com:mac:vml" xmlns:p="http://schemas.openxmlformats.org/presentationml/2006/main" xmlns:c="http://schemas.openxmlformats.org/drawingml/2006/chart" xmlns:dgm="http://schemas.openxmlformats.org/drawingml/2006/diagram" xmlns:o="urn:schemas-microsoft-com:office:office" xmlns:v="urn:schemas-microsoft-com:vml" xmlns:pvml="urn:schemas-microsoft-com:office:powerpoint" xmlns:com="http://schemas.openxmlformats.org/drawingml/2006/compatibility" xmlns:p14="http://schemas.microsoft.com/office/powerpoint/2010/main">
+<p:sld xmlns:a="http://schemas.openxmlformats.org/drawingml/2006/main" xmlns:r="http://schemas.openxmlformats.org/officeDocument/2006/relationships" xmlns:p="http://schemas.openxmlformats.org/presentationml/2006/main">
   <p:cSld>
     <p:spTree>
       <p:nvGrpSpPr>
-        <p:cNvPr id="119" name="Shape 119"/>
+        <p:cNvPr id="1" name="Shape 119"/>
         <p:cNvGrpSpPr/>
         <p:nvPr/>
       </p:nvGrpSpPr>
@@ -5921,7 +6269,9 @@
       <p:sp>
         <p:nvSpPr>
           <p:cNvPr id="120" name="Shape 120"/>
-          <p:cNvSpPr txBox="1"/>
+          <p:cNvSpPr txBox="1">
+            <a:spLocks noGrp="1"/>
+          </p:cNvSpPr>
           <p:nvPr>
             <p:ph type="title"/>
           </p:nvPr>
@@ -5936,7 +6286,7 @@
           </a:prstGeom>
         </p:spPr>
         <p:txBody>
-          <a:bodyPr anchorCtr="0" anchor="t" bIns="91425" lIns="91425" rIns="91425" tIns="91425">
+          <a:bodyPr lIns="91425" tIns="91425" rIns="91425" bIns="91425" anchor="t" anchorCtr="0">
             <a:noAutofit/>
           </a:bodyPr>
           <a:lstStyle/>
@@ -5957,9 +6307,11 @@
       <p:sp>
         <p:nvSpPr>
           <p:cNvPr id="121" name="Shape 121"/>
-          <p:cNvSpPr txBox="1"/>
+          <p:cNvSpPr txBox="1">
+            <a:spLocks noGrp="1"/>
+          </p:cNvSpPr>
           <p:nvPr>
-            <p:ph idx="1" type="body"/>
+            <p:ph type="body" idx="1"/>
           </p:nvPr>
         </p:nvSpPr>
         <p:spPr>
@@ -5972,21 +6324,23 @@
           </a:prstGeom>
         </p:spPr>
         <p:txBody>
-          <a:bodyPr anchorCtr="0" anchor="t" bIns="91425" lIns="91425" rIns="91425" tIns="91425">
+          <a:bodyPr lIns="91425" tIns="91425" rIns="91425" bIns="91425" anchor="t" anchorCtr="0">
             <a:noAutofit/>
           </a:bodyPr>
           <a:lstStyle/>
           <a:p>
-            <a:pPr indent="-228600" lvl="0" marL="457200" rtl="0">
+            <a:pPr marL="514350" lvl="0" indent="-285750" rtl="0">
               <a:spcBef>
                 <a:spcPts val="0"/>
               </a:spcBef>
               <a:buClr>
                 <a:srgbClr val="000000"/>
               </a:buClr>
-            </a:pPr>
-            <a:r>
-              <a:rPr lang="en">
+              <a:buFont typeface="Arial" panose="020B0604020202020204" pitchFamily="34" charset="0"/>
+              <a:buChar char="•"/>
+            </a:pPr>
+            <a:r>
+              <a:rPr lang="en" dirty="0">
                 <a:solidFill>
                   <a:srgbClr val="000000"/>
                 </a:solidFill>
@@ -5995,16 +6349,18 @@
             </a:r>
           </a:p>
           <a:p>
-            <a:pPr indent="-228600" lvl="0" marL="457200" rtl="0">
+            <a:pPr marL="514350" lvl="0" indent="-285750" rtl="0">
               <a:spcBef>
                 <a:spcPts val="0"/>
               </a:spcBef>
               <a:buClr>
                 <a:srgbClr val="000000"/>
               </a:buClr>
-            </a:pPr>
-            <a:r>
-              <a:rPr lang="en">
+              <a:buFont typeface="Arial" panose="020B0604020202020204" pitchFamily="34" charset="0"/>
+              <a:buChar char="•"/>
+            </a:pPr>
+            <a:r>
+              <a:rPr lang="en" dirty="0">
                 <a:solidFill>
                   <a:srgbClr val="000000"/>
                 </a:solidFill>
@@ -6013,50 +6369,38 @@
             </a:r>
           </a:p>
           <a:p>
-            <a:pPr indent="-228600" lvl="0" marL="457200" rtl="0">
+            <a:pPr marL="514350" lvl="0" indent="-285750" rtl="0">
               <a:spcBef>
                 <a:spcPts val="0"/>
               </a:spcBef>
               <a:buClr>
                 <a:srgbClr val="000000"/>
               </a:buClr>
-            </a:pPr>
-            <a:r>
-              <a:rPr lang="en">
+              <a:buFont typeface="Arial" panose="020B0604020202020204" pitchFamily="34" charset="0"/>
+              <a:buChar char="•"/>
+            </a:pPr>
+            <a:r>
+              <a:rPr lang="en" dirty="0">
                 <a:solidFill>
                   <a:srgbClr val="000000"/>
                 </a:solidFill>
               </a:rPr>
-              <a:t>Pressure at the top of the well typically operated at 55 bars which is only a few less than the Mohr-</a:t>
-            </a:r>
-            <a:r>
-              <a:rPr lang="en">
-                <a:solidFill>
-                  <a:srgbClr val="000000"/>
-                </a:solidFill>
-              </a:rPr>
-              <a:t>Coulomb</a:t>
-            </a:r>
-            <a:r>
-              <a:rPr lang="en">
-                <a:solidFill>
-                  <a:srgbClr val="000000"/>
-                </a:solidFill>
-              </a:rPr>
-              <a:t> projections</a:t>
-            </a:r>
-          </a:p>
-          <a:p>
-            <a:pPr indent="-228600" lvl="0" marL="457200">
+              <a:t>Pressure at the top of the well typically operated at 55 bars which is only a few less than the Mohr-Coulomb projections</a:t>
+            </a:r>
+          </a:p>
+          <a:p>
+            <a:pPr marL="514350" lvl="0" indent="-285750">
               <a:spcBef>
                 <a:spcPts val="0"/>
               </a:spcBef>
               <a:buClr>
                 <a:srgbClr val="000000"/>
               </a:buClr>
-            </a:pPr>
-            <a:r>
-              <a:rPr lang="en">
+              <a:buFont typeface="Arial" panose="020B0604020202020204" pitchFamily="34" charset="0"/>
+              <a:buChar char="•"/>
+            </a:pPr>
+            <a:r>
+              <a:rPr lang="en" dirty="0">
                 <a:solidFill>
                   <a:srgbClr val="000000"/>
                 </a:solidFill>
@@ -6075,11 +6419,11 @@
 </file>
 
 <file path=ppt/slides/slide11.xml><?xml version="1.0" encoding="utf-8"?>
-<p:sld xmlns:a="http://schemas.openxmlformats.org/drawingml/2006/main" xmlns:r="http://schemas.openxmlformats.org/officeDocument/2006/relationships" xmlns:mc="http://schemas.openxmlformats.org/markup-compatibility/2006" xmlns:mv="urn:schemas-microsoft-com:mac:vml" xmlns:p="http://schemas.openxmlformats.org/presentationml/2006/main" xmlns:c="http://schemas.openxmlformats.org/drawingml/2006/chart" xmlns:dgm="http://schemas.openxmlformats.org/drawingml/2006/diagram" xmlns:o="urn:schemas-microsoft-com:office:office" xmlns:v="urn:schemas-microsoft-com:vml" xmlns:pvml="urn:schemas-microsoft-com:office:powerpoint" xmlns:com="http://schemas.openxmlformats.org/drawingml/2006/compatibility" xmlns:p14="http://schemas.microsoft.com/office/powerpoint/2010/main">
+<p:sld xmlns:a="http://schemas.openxmlformats.org/drawingml/2006/main" xmlns:r="http://schemas.openxmlformats.org/officeDocument/2006/relationships" xmlns:p="http://schemas.openxmlformats.org/presentationml/2006/main">
   <p:cSld>
     <p:spTree>
       <p:nvGrpSpPr>
-        <p:cNvPr id="125" name="Shape 125"/>
+        <p:cNvPr id="1" name="Shape 125"/>
         <p:cNvGrpSpPr/>
         <p:nvPr/>
       </p:nvGrpSpPr>
@@ -6094,7 +6438,9 @@
       <p:sp>
         <p:nvSpPr>
           <p:cNvPr id="126" name="Shape 126"/>
-          <p:cNvSpPr txBox="1"/>
+          <p:cNvSpPr txBox="1">
+            <a:spLocks noGrp="1"/>
+          </p:cNvSpPr>
           <p:nvPr>
             <p:ph type="title"/>
           </p:nvPr>
@@ -6109,7 +6455,7 @@
           </a:prstGeom>
         </p:spPr>
         <p:txBody>
-          <a:bodyPr anchorCtr="0" anchor="t" bIns="91425" lIns="91425" rIns="91425" tIns="91425">
+          <a:bodyPr lIns="91425" tIns="91425" rIns="91425" bIns="91425" anchor="t" anchorCtr="0">
             <a:noAutofit/>
           </a:bodyPr>
           <a:lstStyle/>
@@ -6130,9 +6476,11 @@
       <p:sp>
         <p:nvSpPr>
           <p:cNvPr id="127" name="Shape 127"/>
-          <p:cNvSpPr txBox="1"/>
+          <p:cNvSpPr txBox="1">
+            <a:spLocks noGrp="1"/>
+          </p:cNvSpPr>
           <p:nvPr>
-            <p:ph idx="1" type="body"/>
+            <p:ph type="body" idx="1"/>
           </p:nvPr>
         </p:nvSpPr>
         <p:spPr>
@@ -6145,21 +6493,29 @@
           </a:prstGeom>
         </p:spPr>
         <p:txBody>
-          <a:bodyPr anchorCtr="0" anchor="t" bIns="91425" lIns="91425" rIns="91425" tIns="91425">
+          <a:bodyPr lIns="91425" tIns="91425" rIns="91425" bIns="91425" anchor="t" anchorCtr="0">
             <a:noAutofit/>
           </a:bodyPr>
           <a:lstStyle/>
           <a:p>
-            <a:pPr indent="-228600" lvl="0" marL="457200" rtl="0">
-              <a:spcBef>
-                <a:spcPts val="0"/>
-              </a:spcBef>
+            <a:pPr marL="514350" lvl="0" indent="-285750" rtl="0">
+              <a:lnSpc>
+                <a:spcPct val="100000"/>
+              </a:lnSpc>
+              <a:spcBef>
+                <a:spcPts val="0"/>
+              </a:spcBef>
+              <a:spcAft>
+                <a:spcPts val="0"/>
+              </a:spcAft>
               <a:buClr>
                 <a:srgbClr val="000000"/>
               </a:buClr>
-            </a:pPr>
-            <a:r>
-              <a:rPr lang="en">
+              <a:buFont typeface="Arial" panose="020B0604020202020204" pitchFamily="34" charset="0"/>
+              <a:buChar char="•"/>
+            </a:pPr>
+            <a:r>
+              <a:rPr lang="en" dirty="0">
                 <a:solidFill>
                   <a:srgbClr val="000000"/>
                 </a:solidFill>
@@ -6168,16 +6524,24 @@
             </a:r>
           </a:p>
           <a:p>
-            <a:pPr indent="-228600" lvl="1" marL="914400" rtl="0">
-              <a:spcBef>
-                <a:spcPts val="0"/>
-              </a:spcBef>
+            <a:pPr marL="971550" lvl="1" indent="-285750" rtl="0">
+              <a:lnSpc>
+                <a:spcPct val="100000"/>
+              </a:lnSpc>
+              <a:spcBef>
+                <a:spcPts val="0"/>
+              </a:spcBef>
+              <a:spcAft>
+                <a:spcPts val="0"/>
+              </a:spcAft>
               <a:buClr>
                 <a:srgbClr val="000000"/>
               </a:buClr>
-            </a:pPr>
-            <a:r>
-              <a:rPr lang="en">
+              <a:buFont typeface="Arial" panose="020B0604020202020204" pitchFamily="34" charset="0"/>
+              <a:buChar char="•"/>
+            </a:pPr>
+            <a:r>
+              <a:rPr lang="en" dirty="0">
                 <a:solidFill>
                   <a:srgbClr val="000000"/>
                 </a:solidFill>
@@ -6186,17 +6550,25 @@
             </a:r>
           </a:p>
           <a:p>
-            <a:pPr indent="-304800" lvl="2" marL="1371600" rtl="0">
-              <a:spcBef>
-                <a:spcPts val="0"/>
-              </a:spcBef>
+            <a:pPr marL="1371600" lvl="2" indent="-304800" rtl="0">
+              <a:lnSpc>
+                <a:spcPct val="100000"/>
+              </a:lnSpc>
+              <a:spcBef>
+                <a:spcPts val="0"/>
+              </a:spcBef>
+              <a:spcAft>
+                <a:spcPts val="600"/>
+              </a:spcAft>
               <a:buClr>
                 <a:srgbClr val="000000"/>
               </a:buClr>
               <a:buSzPct val="100000"/>
-            </a:pPr>
-            <a:r>
-              <a:rPr lang="en" sz="1200">
+              <a:buFont typeface="Arial" panose="020B0604020202020204" pitchFamily="34" charset="0"/>
+              <a:buChar char="•"/>
+            </a:pPr>
+            <a:r>
+              <a:rPr lang="en" sz="1200" dirty="0">
                 <a:solidFill>
                   <a:srgbClr val="000000"/>
                 </a:solidFill>
@@ -6205,16 +6577,24 @@
             </a:r>
           </a:p>
           <a:p>
-            <a:pPr indent="-228600" lvl="1" marL="914400" rtl="0">
-              <a:spcBef>
-                <a:spcPts val="0"/>
-              </a:spcBef>
+            <a:pPr marL="971550" lvl="1" indent="-285750" rtl="0">
+              <a:lnSpc>
+                <a:spcPct val="100000"/>
+              </a:lnSpc>
+              <a:spcBef>
+                <a:spcPts val="0"/>
+              </a:spcBef>
+              <a:spcAft>
+                <a:spcPts val="0"/>
+              </a:spcAft>
               <a:buClr>
                 <a:srgbClr val="000000"/>
               </a:buClr>
-            </a:pPr>
-            <a:r>
-              <a:rPr lang="en">
+              <a:buFont typeface="Arial" panose="020B0604020202020204" pitchFamily="34" charset="0"/>
+              <a:buChar char="•"/>
+            </a:pPr>
+            <a:r>
+              <a:rPr lang="en" dirty="0">
                 <a:solidFill>
                   <a:srgbClr val="000000"/>
                 </a:solidFill>
@@ -6223,17 +6603,25 @@
             </a:r>
           </a:p>
           <a:p>
-            <a:pPr indent="-304800" lvl="2" marL="1371600" rtl="0">
-              <a:spcBef>
-                <a:spcPts val="0"/>
-              </a:spcBef>
+            <a:pPr marL="1371600" lvl="2" indent="-304800" rtl="0">
+              <a:lnSpc>
+                <a:spcPct val="100000"/>
+              </a:lnSpc>
+              <a:spcBef>
+                <a:spcPts val="0"/>
+              </a:spcBef>
+              <a:spcAft>
+                <a:spcPts val="600"/>
+              </a:spcAft>
               <a:buClr>
                 <a:srgbClr val="000000"/>
               </a:buClr>
               <a:buSzPct val="100000"/>
-            </a:pPr>
-            <a:r>
-              <a:rPr lang="en" sz="1200">
+              <a:buFont typeface="Arial" panose="020B0604020202020204" pitchFamily="34" charset="0"/>
+              <a:buChar char="•"/>
+            </a:pPr>
+            <a:r>
+              <a:rPr lang="en" sz="1200" dirty="0">
                 <a:solidFill>
                   <a:srgbClr val="000000"/>
                 </a:solidFill>
@@ -6242,16 +6630,24 @@
             </a:r>
           </a:p>
           <a:p>
-            <a:pPr indent="-228600" lvl="1" marL="914400" rtl="0">
-              <a:spcBef>
-                <a:spcPts val="0"/>
-              </a:spcBef>
+            <a:pPr marL="971550" lvl="1" indent="-285750" rtl="0">
+              <a:lnSpc>
+                <a:spcPct val="100000"/>
+              </a:lnSpc>
+              <a:spcBef>
+                <a:spcPts val="0"/>
+              </a:spcBef>
+              <a:spcAft>
+                <a:spcPts val="0"/>
+              </a:spcAft>
               <a:buClr>
                 <a:srgbClr val="000000"/>
               </a:buClr>
-            </a:pPr>
-            <a:r>
-              <a:rPr lang="en">
+              <a:buFont typeface="Arial" panose="020B0604020202020204" pitchFamily="34" charset="0"/>
+              <a:buChar char="•"/>
+            </a:pPr>
+            <a:r>
+              <a:rPr lang="en" dirty="0">
                 <a:solidFill>
                   <a:srgbClr val="000000"/>
                 </a:solidFill>
@@ -6260,17 +6656,25 @@
             </a:r>
           </a:p>
           <a:p>
-            <a:pPr indent="-304800" lvl="2" marL="1371600" rtl="0">
-              <a:spcBef>
-                <a:spcPts val="0"/>
-              </a:spcBef>
+            <a:pPr marL="1371600" lvl="2" indent="-304800" rtl="0">
+              <a:lnSpc>
+                <a:spcPct val="100000"/>
+              </a:lnSpc>
+              <a:spcBef>
+                <a:spcPts val="0"/>
+              </a:spcBef>
+              <a:spcAft>
+                <a:spcPts val="600"/>
+              </a:spcAft>
               <a:buClr>
                 <a:srgbClr val="000000"/>
               </a:buClr>
               <a:buSzPct val="100000"/>
-            </a:pPr>
-            <a:r>
-              <a:rPr lang="en" sz="1200">
+              <a:buFont typeface="Arial" panose="020B0604020202020204" pitchFamily="34" charset="0"/>
+              <a:buChar char="•"/>
+            </a:pPr>
+            <a:r>
+              <a:rPr lang="en" sz="1200" dirty="0">
                 <a:solidFill>
                   <a:srgbClr val="000000"/>
                 </a:solidFill>
@@ -6279,16 +6683,24 @@
             </a:r>
           </a:p>
           <a:p>
-            <a:pPr indent="-228600" lvl="0" marL="457200" rtl="0">
-              <a:spcBef>
-                <a:spcPts val="0"/>
-              </a:spcBef>
+            <a:pPr marL="514350" lvl="0" indent="-285750" rtl="0">
+              <a:lnSpc>
+                <a:spcPct val="100000"/>
+              </a:lnSpc>
+              <a:spcBef>
+                <a:spcPts val="0"/>
+              </a:spcBef>
+              <a:spcAft>
+                <a:spcPts val="0"/>
+              </a:spcAft>
               <a:buClr>
                 <a:srgbClr val="000000"/>
               </a:buClr>
-            </a:pPr>
-            <a:r>
-              <a:rPr lang="en">
+              <a:buFont typeface="Arial" panose="020B0604020202020204" pitchFamily="34" charset="0"/>
+              <a:buChar char="•"/>
+            </a:pPr>
+            <a:r>
+              <a:rPr lang="en" dirty="0">
                 <a:solidFill>
                   <a:srgbClr val="000000"/>
                 </a:solidFill>
@@ -6297,16 +6709,24 @@
             </a:r>
           </a:p>
           <a:p>
-            <a:pPr indent="-228600" lvl="1" marL="914400" rtl="0">
-              <a:spcBef>
-                <a:spcPts val="0"/>
-              </a:spcBef>
+            <a:pPr marL="971550" lvl="1" indent="-285750" rtl="0">
+              <a:lnSpc>
+                <a:spcPct val="100000"/>
+              </a:lnSpc>
+              <a:spcBef>
+                <a:spcPts val="0"/>
+              </a:spcBef>
+              <a:spcAft>
+                <a:spcPts val="600"/>
+              </a:spcAft>
               <a:buClr>
                 <a:srgbClr val="000000"/>
               </a:buClr>
-            </a:pPr>
-            <a:r>
-              <a:rPr lang="en">
+              <a:buFont typeface="Arial" panose="020B0604020202020204" pitchFamily="34" charset="0"/>
+              <a:buChar char="•"/>
+            </a:pPr>
+            <a:r>
+              <a:rPr lang="en" dirty="0">
                 <a:solidFill>
                   <a:srgbClr val="000000"/>
                 </a:solidFill>
@@ -6315,16 +6735,24 @@
             </a:r>
           </a:p>
           <a:p>
-            <a:pPr indent="-228600" lvl="1" marL="914400" rtl="0">
-              <a:spcBef>
-                <a:spcPts val="0"/>
-              </a:spcBef>
+            <a:pPr marL="971550" lvl="1" indent="-285750" rtl="0">
+              <a:lnSpc>
+                <a:spcPct val="100000"/>
+              </a:lnSpc>
+              <a:spcBef>
+                <a:spcPts val="0"/>
+              </a:spcBef>
+              <a:spcAft>
+                <a:spcPts val="0"/>
+              </a:spcAft>
               <a:buClr>
                 <a:srgbClr val="000000"/>
               </a:buClr>
-            </a:pPr>
-            <a:r>
-              <a:rPr lang="en">
+              <a:buFont typeface="Arial" panose="020B0604020202020204" pitchFamily="34" charset="0"/>
+              <a:buChar char="•"/>
+            </a:pPr>
+            <a:r>
+              <a:rPr lang="en" dirty="0">
                 <a:solidFill>
                   <a:srgbClr val="000000"/>
                 </a:solidFill>
@@ -6333,17 +6761,25 @@
             </a:r>
           </a:p>
           <a:p>
-            <a:pPr indent="-304800" lvl="2" marL="1371600" rtl="0">
-              <a:spcBef>
-                <a:spcPts val="0"/>
-              </a:spcBef>
+            <a:pPr marL="1371600" lvl="2" indent="-304800" rtl="0">
+              <a:lnSpc>
+                <a:spcPct val="100000"/>
+              </a:lnSpc>
+              <a:spcBef>
+                <a:spcPts val="0"/>
+              </a:spcBef>
+              <a:spcAft>
+                <a:spcPts val="600"/>
+              </a:spcAft>
               <a:buClr>
                 <a:srgbClr val="000000"/>
               </a:buClr>
               <a:buSzPct val="100000"/>
-            </a:pPr>
-            <a:r>
-              <a:rPr lang="en" sz="1200">
+              <a:buFont typeface="Arial" panose="020B0604020202020204" pitchFamily="34" charset="0"/>
+              <a:buChar char="•"/>
+            </a:pPr>
+            <a:r>
+              <a:rPr lang="en" sz="1200" dirty="0">
                 <a:solidFill>
                   <a:srgbClr val="000000"/>
                 </a:solidFill>
@@ -6352,16 +6788,24 @@
             </a:r>
           </a:p>
           <a:p>
-            <a:pPr indent="-228600" lvl="1" marL="914400" rtl="0">
-              <a:spcBef>
-                <a:spcPts val="0"/>
-              </a:spcBef>
+            <a:pPr marL="971550" lvl="1" indent="-285750" rtl="0">
+              <a:lnSpc>
+                <a:spcPct val="100000"/>
+              </a:lnSpc>
+              <a:spcBef>
+                <a:spcPts val="0"/>
+              </a:spcBef>
+              <a:spcAft>
+                <a:spcPts val="0"/>
+              </a:spcAft>
               <a:buClr>
                 <a:srgbClr val="000000"/>
               </a:buClr>
-            </a:pPr>
-            <a:r>
-              <a:rPr lang="en">
+              <a:buFont typeface="Arial" panose="020B0604020202020204" pitchFamily="34" charset="0"/>
+              <a:buChar char="•"/>
+            </a:pPr>
+            <a:r>
+              <a:rPr lang="en" dirty="0">
                 <a:solidFill>
                   <a:srgbClr val="000000"/>
                 </a:solidFill>
@@ -6370,23 +6814,36 @@
             </a:r>
           </a:p>
           <a:p>
-            <a:pPr indent="-304800" lvl="2" marL="1371600" rtl="0">
-              <a:spcBef>
-                <a:spcPts val="0"/>
-              </a:spcBef>
+            <a:pPr marL="1371600" lvl="2" indent="-304800" rtl="0">
+              <a:lnSpc>
+                <a:spcPct val="100000"/>
+              </a:lnSpc>
+              <a:spcBef>
+                <a:spcPts val="0"/>
+              </a:spcBef>
+              <a:spcAft>
+                <a:spcPts val="600"/>
+              </a:spcAft>
               <a:buClr>
                 <a:srgbClr val="000000"/>
               </a:buClr>
               <a:buSzPct val="100000"/>
-            </a:pPr>
-            <a:r>
-              <a:rPr lang="en" sz="1200">
+              <a:buFont typeface="Arial" panose="020B0604020202020204" pitchFamily="34" charset="0"/>
+              <a:buChar char="•"/>
+            </a:pPr>
+            <a:r>
+              <a:rPr lang="en" sz="1200" dirty="0">
                 <a:solidFill>
                   <a:srgbClr val="000000"/>
                 </a:solidFill>
               </a:rPr>
-              <a:t>Wobble factor</a:t>
-            </a:r>
+              <a:t>Intensity on Richter scale</a:t>
+            </a:r>
+            <a:endParaRPr lang="en" sz="1800" dirty="0">
+              <a:solidFill>
+                <a:srgbClr val="000000"/>
+              </a:solidFill>
+            </a:endParaRPr>
           </a:p>
         </p:txBody>
       </p:sp>
@@ -6399,11 +6856,11 @@
 </file>
 
 <file path=ppt/slides/slide12.xml><?xml version="1.0" encoding="utf-8"?>
-<p:sld xmlns:a="http://schemas.openxmlformats.org/drawingml/2006/main" xmlns:r="http://schemas.openxmlformats.org/officeDocument/2006/relationships" xmlns:mc="http://schemas.openxmlformats.org/markup-compatibility/2006" xmlns:mv="urn:schemas-microsoft-com:mac:vml" xmlns:p="http://schemas.openxmlformats.org/presentationml/2006/main" xmlns:c="http://schemas.openxmlformats.org/drawingml/2006/chart" xmlns:dgm="http://schemas.openxmlformats.org/drawingml/2006/diagram" xmlns:o="urn:schemas-microsoft-com:office:office" xmlns:v="urn:schemas-microsoft-com:vml" xmlns:pvml="urn:schemas-microsoft-com:office:powerpoint" xmlns:com="http://schemas.openxmlformats.org/drawingml/2006/compatibility" xmlns:p14="http://schemas.microsoft.com/office/powerpoint/2010/main">
+<p:sld xmlns:a="http://schemas.openxmlformats.org/drawingml/2006/main" xmlns:r="http://schemas.openxmlformats.org/officeDocument/2006/relationships" xmlns:p="http://schemas.openxmlformats.org/presentationml/2006/main">
   <p:cSld>
     <p:spTree>
       <p:nvGrpSpPr>
-        <p:cNvPr id="131" name="Shape 131"/>
+        <p:cNvPr id="1" name="Shape 131"/>
         <p:cNvGrpSpPr/>
         <p:nvPr/>
       </p:nvGrpSpPr>
@@ -6418,7 +6875,9 @@
       <p:sp>
         <p:nvSpPr>
           <p:cNvPr id="132" name="Shape 132"/>
-          <p:cNvSpPr txBox="1"/>
+          <p:cNvSpPr txBox="1">
+            <a:spLocks noGrp="1"/>
+          </p:cNvSpPr>
           <p:nvPr>
             <p:ph type="title"/>
           </p:nvPr>
@@ -6433,7 +6892,7 @@
           </a:prstGeom>
         </p:spPr>
         <p:txBody>
-          <a:bodyPr anchorCtr="0" anchor="t" bIns="91425" lIns="91425" rIns="91425" tIns="91425">
+          <a:bodyPr lIns="91425" tIns="91425" rIns="91425" bIns="91425" anchor="t" anchorCtr="0">
             <a:noAutofit/>
           </a:bodyPr>
           <a:lstStyle/>
@@ -6445,144 +6904,8 @@
               <a:buNone/>
             </a:pPr>
             <a:r>
-              <a:rPr lang="en"/>
+              <a:rPr lang="en" dirty="0"/>
               <a:t>What does the data show?</a:t>
-            </a:r>
-          </a:p>
-        </p:txBody>
-      </p:sp>
-      <p:sp>
-        <p:nvSpPr>
-          <p:cNvPr id="133" name="Shape 133"/>
-          <p:cNvSpPr txBox="1"/>
-          <p:nvPr>
-            <p:ph idx="1" type="body"/>
-          </p:nvPr>
-        </p:nvSpPr>
-        <p:spPr>
-          <a:xfrm>
-            <a:off x="311725" y="1266325"/>
-            <a:ext cx="4147500" cy="961200"/>
-          </a:xfrm>
-          <a:prstGeom prst="rect">
-            <a:avLst/>
-          </a:prstGeom>
-        </p:spPr>
-        <p:txBody>
-          <a:bodyPr anchorCtr="0" anchor="t" bIns="91425" lIns="91425" rIns="91425" tIns="91425">
-            <a:noAutofit/>
-          </a:bodyPr>
-          <a:lstStyle/>
-          <a:p>
-            <a:pPr indent="-317500" lvl="0" marL="457200" rtl="0">
-              <a:spcBef>
-                <a:spcPts val="0"/>
-              </a:spcBef>
-              <a:buClr>
-                <a:srgbClr val="000000"/>
-              </a:buClr>
-              <a:buSzPct val="100000"/>
-            </a:pPr>
-            <a:r>
-              <a:rPr lang="en" sz="1400">
-                <a:solidFill>
-                  <a:srgbClr val="000000"/>
-                </a:solidFill>
-              </a:rPr>
-              <a:t>Double the wells, a quarter the time</a:t>
-            </a:r>
-          </a:p>
-          <a:p>
-            <a:pPr indent="-228600" lvl="1" marL="914400" rtl="0">
-              <a:spcBef>
-                <a:spcPts val="0"/>
-              </a:spcBef>
-              <a:buClr>
-                <a:srgbClr val="000000"/>
-              </a:buClr>
-            </a:pPr>
-            <a:r>
-              <a:rPr lang="en" sz="1200">
-                <a:solidFill>
-                  <a:srgbClr val="000000"/>
-                </a:solidFill>
-              </a:rPr>
-              <a:t>From </a:t>
-            </a:r>
-            <a:r>
-              <a:rPr b="1" lang="en" sz="1200">
-                <a:solidFill>
-                  <a:srgbClr val="000000"/>
-                </a:solidFill>
-              </a:rPr>
-              <a:t>2000-2012</a:t>
-            </a:r>
-            <a:r>
-              <a:rPr lang="en" sz="1200">
-                <a:solidFill>
-                  <a:srgbClr val="000000"/>
-                </a:solidFill>
-              </a:rPr>
-              <a:t> there were almost </a:t>
-            </a:r>
-            <a:r>
-              <a:rPr b="1" lang="en" sz="1200">
-                <a:solidFill>
-                  <a:srgbClr val="000000"/>
-                </a:solidFill>
-              </a:rPr>
-              <a:t>1600</a:t>
-            </a:r>
-            <a:r>
-              <a:rPr lang="en">
-                <a:solidFill>
-                  <a:srgbClr val="000000"/>
-                </a:solidFill>
-              </a:rPr>
-              <a:t> </a:t>
-            </a:r>
-          </a:p>
-          <a:p>
-            <a:pPr indent="-304800" lvl="1" marL="914400">
-              <a:spcBef>
-                <a:spcPts val="0"/>
-              </a:spcBef>
-              <a:buClr>
-                <a:srgbClr val="000000"/>
-              </a:buClr>
-              <a:buSzPct val="100000"/>
-            </a:pPr>
-            <a:r>
-              <a:rPr lang="en" sz="1200">
-                <a:solidFill>
-                  <a:srgbClr val="000000"/>
-                </a:solidFill>
-              </a:rPr>
-              <a:t>From </a:t>
-            </a:r>
-            <a:r>
-              <a:rPr b="1" lang="en" sz="1200">
-                <a:solidFill>
-                  <a:srgbClr val="000000"/>
-                </a:solidFill>
-              </a:rPr>
-              <a:t>2013-2015</a:t>
-            </a:r>
-            <a:r>
-              <a:rPr lang="en" sz="1200">
-                <a:solidFill>
-                  <a:srgbClr val="000000"/>
-                </a:solidFill>
-              </a:rPr>
-              <a:t> there were </a:t>
-            </a:r>
-            <a:r>
-              <a:rPr b="1" lang="en" sz="1200">
-                <a:solidFill>
-                  <a:srgbClr val="000000"/>
-                </a:solidFill>
-              </a:rPr>
-              <a:t>3099</a:t>
             </a:r>
           </a:p>
         </p:txBody>
@@ -6595,7 +6918,7 @@
         </p:nvSpPr>
         <p:spPr>
           <a:xfrm>
-            <a:off x="4684775" y="1266325"/>
+            <a:off x="4804915" y="1266325"/>
             <a:ext cx="3924600" cy="961200"/>
           </a:xfrm>
           <a:prstGeom prst="rect">
@@ -6607,12 +6930,12 @@
           </a:ln>
         </p:spPr>
         <p:txBody>
-          <a:bodyPr anchorCtr="0" anchor="t" bIns="91425" lIns="91425" rIns="91425" tIns="91425">
+          <a:bodyPr lIns="91425" tIns="91425" rIns="91425" bIns="91425" anchor="t" anchorCtr="0">
             <a:noAutofit/>
           </a:bodyPr>
           <a:lstStyle/>
           <a:p>
-            <a:pPr indent="-317500" lvl="0" marL="457200" rtl="0">
+            <a:pPr marL="457200" lvl="0" indent="-317500" rtl="0">
               <a:lnSpc>
                 <a:spcPct val="115000"/>
               </a:lnSpc>
@@ -6620,15 +6943,16 @@
                 <a:spcPts val="0"/>
               </a:spcBef>
               <a:spcAft>
-                <a:spcPts val="1600"/>
+                <a:spcPts val="600"/>
               </a:spcAft>
               <a:buClr>
                 <a:srgbClr val="000000"/>
               </a:buClr>
-              <a:buFont typeface="Open Sans"/>
-            </a:pPr>
-            <a:r>
-              <a:rPr lang="en">
+              <a:buFont typeface="Arial" panose="020B0604020202020204" pitchFamily="34" charset="0"/>
+              <a:buChar char="•"/>
+            </a:pPr>
+            <a:r>
+              <a:rPr lang="en" dirty="0">
                 <a:latin typeface="Open Sans"/>
                 <a:ea typeface="Open Sans"/>
                 <a:cs typeface="Open Sans"/>
@@ -6638,7 +6962,7 @@
             </a:r>
           </a:p>
           <a:p>
-            <a:pPr indent="-304800" lvl="1" marL="914400" rtl="0">
+            <a:pPr marL="914400" lvl="1" indent="-304800" rtl="0">
               <a:lnSpc>
                 <a:spcPct val="115000"/>
               </a:lnSpc>
@@ -6646,16 +6970,17 @@
                 <a:spcPts val="0"/>
               </a:spcBef>
               <a:spcAft>
-                <a:spcPts val="1600"/>
+                <a:spcPts val="600"/>
               </a:spcAft>
               <a:buClr>
                 <a:srgbClr val="000000"/>
               </a:buClr>
               <a:buSzPct val="100000"/>
-              <a:buFont typeface="Open Sans"/>
-            </a:pPr>
-            <a:r>
-              <a:rPr lang="en" sz="1200">
+              <a:buFont typeface="Arial" panose="020B0604020202020204" pitchFamily="34" charset="0"/>
+              <a:buChar char="•"/>
+            </a:pPr>
+            <a:r>
+              <a:rPr lang="en" sz="1100" dirty="0">
                 <a:latin typeface="Open Sans"/>
                 <a:ea typeface="Open Sans"/>
                 <a:cs typeface="Open Sans"/>
@@ -6664,7 +6989,7 @@
               <a:t>From </a:t>
             </a:r>
             <a:r>
-              <a:rPr b="1" lang="en" sz="1200">
+              <a:rPr lang="en" sz="1100" b="1" dirty="0">
                 <a:latin typeface="Open Sans"/>
                 <a:ea typeface="Open Sans"/>
                 <a:cs typeface="Open Sans"/>
@@ -6673,7 +6998,7 @@
               <a:t>2000-2012</a:t>
             </a:r>
             <a:r>
-              <a:rPr lang="en" sz="1200">
+              <a:rPr lang="en" sz="1100" dirty="0">
                 <a:latin typeface="Open Sans"/>
                 <a:ea typeface="Open Sans"/>
                 <a:cs typeface="Open Sans"/>
@@ -6682,7 +7007,7 @@
               <a:t> there were </a:t>
             </a:r>
             <a:r>
-              <a:rPr b="1" lang="en" sz="1200">
+              <a:rPr lang="en" sz="1100" b="1" dirty="0">
                 <a:latin typeface="Open Sans"/>
                 <a:ea typeface="Open Sans"/>
                 <a:cs typeface="Open Sans"/>
@@ -6692,7 +7017,7 @@
             </a:r>
           </a:p>
           <a:p>
-            <a:pPr indent="-304800" lvl="1" marL="914400" rtl="0">
+            <a:pPr marL="914400" lvl="1" indent="-304800" rtl="0">
               <a:lnSpc>
                 <a:spcPct val="115000"/>
               </a:lnSpc>
@@ -6700,16 +7025,17 @@
                 <a:spcPts val="0"/>
               </a:spcBef>
               <a:spcAft>
-                <a:spcPts val="1600"/>
+                <a:spcPts val="600"/>
               </a:spcAft>
               <a:buClr>
                 <a:srgbClr val="000000"/>
               </a:buClr>
               <a:buSzPct val="100000"/>
-              <a:buFont typeface="Open Sans"/>
-            </a:pPr>
-            <a:r>
-              <a:rPr lang="en" sz="1200">
+              <a:buFont typeface="Arial" panose="020B0604020202020204" pitchFamily="34" charset="0"/>
+              <a:buChar char="•"/>
+            </a:pPr>
+            <a:r>
+              <a:rPr lang="en" sz="1100" dirty="0">
                 <a:latin typeface="Open Sans"/>
                 <a:ea typeface="Open Sans"/>
                 <a:cs typeface="Open Sans"/>
@@ -6718,7 +7044,7 @@
               <a:t>From </a:t>
             </a:r>
             <a:r>
-              <a:rPr b="1" lang="en" sz="1200">
+              <a:rPr lang="en" sz="1100" b="1" dirty="0">
                 <a:latin typeface="Open Sans"/>
                 <a:ea typeface="Open Sans"/>
                 <a:cs typeface="Open Sans"/>
@@ -6727,7 +7053,7 @@
               <a:t>2013-2015</a:t>
             </a:r>
             <a:r>
-              <a:rPr lang="en" sz="1200">
+              <a:rPr lang="en" sz="1100" dirty="0">
                 <a:latin typeface="Open Sans"/>
                 <a:ea typeface="Open Sans"/>
                 <a:cs typeface="Open Sans"/>
@@ -6736,7 +7062,7 @@
               <a:t> there were over </a:t>
             </a:r>
             <a:r>
-              <a:rPr b="1" lang="en" sz="1200">
+              <a:rPr lang="en" sz="1100" b="1" dirty="0">
                 <a:latin typeface="Open Sans"/>
                 <a:ea typeface="Open Sans"/>
                 <a:cs typeface="Open Sans"/>
@@ -6749,7 +7075,7 @@
       </p:sp>
       <p:pic>
         <p:nvPicPr>
-          <p:cNvPr descr="10-15.png" id="135" name="Shape 135"/>
+          <p:cNvPr id="135" name="Shape 135" descr="10-15.png"/>
           <p:cNvPicPr preferRelativeResize="0"/>
           <p:nvPr/>
         </p:nvPicPr>
@@ -6777,7 +7103,7 @@
       </p:pic>
       <p:pic>
         <p:nvPicPr>
-          <p:cNvPr descr="00-10.PNG" id="136" name="Shape 136"/>
+          <p:cNvPr id="136" name="Shape 136" descr="00-10.PNG"/>
           <p:cNvPicPr preferRelativeResize="0"/>
           <p:nvPr/>
         </p:nvPicPr>
@@ -6823,7 +7149,7 @@
           </a:ln>
         </p:spPr>
         <p:txBody>
-          <a:bodyPr anchorCtr="0" anchor="t" bIns="91425" lIns="91425" rIns="91425" tIns="91425">
+          <a:bodyPr lIns="91425" tIns="91425" rIns="91425" bIns="91425" anchor="t" anchorCtr="0">
             <a:noAutofit/>
           </a:bodyPr>
           <a:lstStyle/>
@@ -6835,7 +7161,7 @@
               <a:buNone/>
             </a:pPr>
             <a:r>
-              <a:rPr lang="en" sz="1200"/>
+              <a:rPr lang="en" sz="1200" dirty="0"/>
               <a:t>2013-2015</a:t>
             </a:r>
           </a:p>
@@ -6861,7 +7187,7 @@
           </a:ln>
         </p:spPr>
         <p:txBody>
-          <a:bodyPr anchorCtr="0" anchor="t" bIns="91425" lIns="91425" rIns="91425" tIns="91425">
+          <a:bodyPr lIns="91425" tIns="91425" rIns="91425" bIns="91425" anchor="t" anchorCtr="0">
             <a:noAutofit/>
           </a:bodyPr>
           <a:lstStyle/>
@@ -6875,6 +7201,169 @@
             <a:r>
               <a:rPr lang="en" sz="1200"/>
               <a:t>2000-2012</a:t>
+            </a:r>
+          </a:p>
+        </p:txBody>
+      </p:sp>
+      <p:sp>
+        <p:nvSpPr>
+          <p:cNvPr id="11" name="Shape 134"/>
+          <p:cNvSpPr txBox="1"/>
+          <p:nvPr/>
+        </p:nvSpPr>
+        <p:spPr>
+          <a:xfrm>
+            <a:off x="311700" y="1266325"/>
+            <a:ext cx="3924600" cy="961200"/>
+          </a:xfrm>
+          <a:prstGeom prst="rect">
+            <a:avLst/>
+          </a:prstGeom>
+          <a:noFill/>
+          <a:ln>
+            <a:noFill/>
+          </a:ln>
+        </p:spPr>
+        <p:txBody>
+          <a:bodyPr lIns="91425" tIns="91425" rIns="91425" bIns="91425" anchor="t" anchorCtr="0">
+            <a:noAutofit/>
+          </a:bodyPr>
+          <a:lstStyle/>
+          <a:p>
+            <a:pPr marL="457200" lvl="0" indent="-317500" rtl="0">
+              <a:lnSpc>
+                <a:spcPct val="115000"/>
+              </a:lnSpc>
+              <a:spcBef>
+                <a:spcPts val="0"/>
+              </a:spcBef>
+              <a:spcAft>
+                <a:spcPts val="600"/>
+              </a:spcAft>
+              <a:buClr>
+                <a:srgbClr val="000000"/>
+              </a:buClr>
+              <a:buFont typeface="Arial" panose="020B0604020202020204" pitchFamily="34" charset="0"/>
+              <a:buChar char="•"/>
+            </a:pPr>
+            <a:r>
+              <a:rPr lang="en" dirty="0">
+                <a:latin typeface="Open Sans"/>
+                <a:ea typeface="Open Sans"/>
+                <a:cs typeface="Open Sans"/>
+                <a:sym typeface="Open Sans"/>
+              </a:rPr>
+              <a:t>Double the wells, a quarter the time</a:t>
+            </a:r>
+          </a:p>
+          <a:p>
+            <a:pPr marL="914400" lvl="1" indent="-304800" rtl="0">
+              <a:lnSpc>
+                <a:spcPct val="115000"/>
+              </a:lnSpc>
+              <a:spcBef>
+                <a:spcPts val="0"/>
+              </a:spcBef>
+              <a:spcAft>
+                <a:spcPts val="600"/>
+              </a:spcAft>
+              <a:buClr>
+                <a:srgbClr val="000000"/>
+              </a:buClr>
+              <a:buSzPct val="100000"/>
+              <a:buFont typeface="Arial" panose="020B0604020202020204" pitchFamily="34" charset="0"/>
+              <a:buChar char="•"/>
+            </a:pPr>
+            <a:r>
+              <a:rPr lang="en" sz="1100" dirty="0">
+                <a:latin typeface="Open Sans"/>
+                <a:ea typeface="Open Sans"/>
+                <a:cs typeface="Open Sans"/>
+                <a:sym typeface="Open Sans"/>
+              </a:rPr>
+              <a:t>From </a:t>
+            </a:r>
+            <a:r>
+              <a:rPr lang="en" sz="1100" b="1" dirty="0">
+                <a:latin typeface="Open Sans"/>
+                <a:ea typeface="Open Sans"/>
+                <a:cs typeface="Open Sans"/>
+                <a:sym typeface="Open Sans"/>
+              </a:rPr>
+              <a:t>2000-2012</a:t>
+            </a:r>
+            <a:r>
+              <a:rPr lang="en" sz="1100" dirty="0">
+                <a:latin typeface="Open Sans"/>
+                <a:ea typeface="Open Sans"/>
+                <a:cs typeface="Open Sans"/>
+                <a:sym typeface="Open Sans"/>
+              </a:rPr>
+              <a:t> there were almost </a:t>
+            </a:r>
+            <a:r>
+              <a:rPr lang="en" sz="1100" b="1" dirty="0">
+                <a:latin typeface="Open Sans"/>
+                <a:ea typeface="Open Sans"/>
+                <a:cs typeface="Open Sans"/>
+                <a:sym typeface="Open Sans"/>
+              </a:rPr>
+              <a:t>1600</a:t>
+            </a:r>
+          </a:p>
+          <a:p>
+            <a:pPr marL="914400" lvl="1" indent="-304800" rtl="0">
+              <a:lnSpc>
+                <a:spcPct val="115000"/>
+              </a:lnSpc>
+              <a:spcBef>
+                <a:spcPts val="0"/>
+              </a:spcBef>
+              <a:spcAft>
+                <a:spcPts val="600"/>
+              </a:spcAft>
+              <a:buClr>
+                <a:srgbClr val="000000"/>
+              </a:buClr>
+              <a:buSzPct val="100000"/>
+              <a:buFont typeface="Arial" panose="020B0604020202020204" pitchFamily="34" charset="0"/>
+              <a:buChar char="•"/>
+            </a:pPr>
+            <a:r>
+              <a:rPr lang="en" sz="1100" dirty="0">
+                <a:latin typeface="Open Sans"/>
+                <a:ea typeface="Open Sans"/>
+                <a:cs typeface="Open Sans"/>
+                <a:sym typeface="Open Sans"/>
+              </a:rPr>
+              <a:t>From </a:t>
+            </a:r>
+            <a:r>
+              <a:rPr lang="en" sz="1100" b="1" dirty="0">
+                <a:latin typeface="Open Sans"/>
+                <a:ea typeface="Open Sans"/>
+                <a:cs typeface="Open Sans"/>
+                <a:sym typeface="Open Sans"/>
+              </a:rPr>
+              <a:t>2013-2015</a:t>
+            </a:r>
+            <a:r>
+              <a:rPr lang="en" sz="1100" dirty="0">
+                <a:latin typeface="Open Sans"/>
+                <a:ea typeface="Open Sans"/>
+                <a:cs typeface="Open Sans"/>
+                <a:sym typeface="Open Sans"/>
+              </a:rPr>
+              <a:t> there were </a:t>
+            </a:r>
+            <a:r>
+              <a:rPr lang="en" sz="1100" b="1" dirty="0">
+                <a:latin typeface="Open Sans"/>
+                <a:ea typeface="Open Sans"/>
+                <a:cs typeface="Open Sans"/>
+                <a:sym typeface="Open Sans"/>
+              </a:rPr>
+              <a:t>3099</a:t>
             </a:r>
           </a:p>
         </p:txBody>
@@ -6887,32 +7376,32 @@
   <p:timing>
     <p:tnLst>
       <p:par>
-        <p:cTn dur="indefinite" nodeType="tmRoot" restart="never">
+        <p:cTn id="1" dur="indefinite" restart="never" nodeType="tmRoot">
           <p:childTnLst>
             <p:seq concurrent="1" nextAc="seek">
-              <p:cTn dur="indefinite" id="2" nodeType="mainSeq">
+              <p:cTn id="2" dur="indefinite" nodeType="mainSeq">
                 <p:childTnLst>
                   <p:par>
-                    <p:cTn fill="hold">
+                    <p:cTn id="3" fill="hold">
                       <p:stCondLst>
                         <p:cond delay="indefinite"/>
                       </p:stCondLst>
                       <p:childTnLst>
                         <p:par>
-                          <p:cTn fill="hold">
+                          <p:cTn id="4" fill="hold">
                             <p:stCondLst>
                               <p:cond delay="0"/>
                             </p:stCondLst>
                             <p:childTnLst>
                               <p:par>
-                                <p:cTn fill="hold" nodeType="clickEffect" presetClass="entr" presetID="10" presetSubtype="0">
+                                <p:cTn id="5" presetID="10" presetClass="entr" presetSubtype="0" fill="hold" nodeType="clickEffect">
                                   <p:stCondLst>
                                     <p:cond delay="0"/>
                                   </p:stCondLst>
                                   <p:childTnLst>
                                     <p:set>
                                       <p:cBhvr>
-                                        <p:cTn dur="1" fill="hold">
+                                        <p:cTn id="6" dur="1" fill="hold">
                                           <p:stCondLst>
                                             <p:cond delay="0"/>
                                           </p:stCondLst>
@@ -6928,9 +7417,9 @@
                                         <p:strVal val="visible"/>
                                       </p:to>
                                     </p:set>
-                                    <p:animEffect filter="fade" transition="in">
+                                    <p:animEffect transition="in" filter="fade">
                                       <p:cBhvr>
-                                        <p:cTn dur="1000"/>
+                                        <p:cTn id="7" dur="1000"/>
                                         <p:tgtEl>
                                           <p:spTgt spid="136"/>
                                         </p:tgtEl>
@@ -6940,14 +7429,14 @@
                                 </p:cTn>
                               </p:par>
                               <p:par>
-                                <p:cTn fill="hold" nodeType="withEffect" presetClass="entr" presetID="10" presetSubtype="0">
+                                <p:cTn id="8" presetID="10" presetClass="entr" presetSubtype="0" fill="hold" nodeType="withEffect">
                                   <p:stCondLst>
                                     <p:cond delay="0"/>
                                   </p:stCondLst>
                                   <p:childTnLst>
                                     <p:set>
                                       <p:cBhvr>
-                                        <p:cTn dur="1" fill="hold">
+                                        <p:cTn id="9" dur="1" fill="hold">
                                           <p:stCondLst>
                                             <p:cond delay="0"/>
                                           </p:stCondLst>
@@ -6963,9 +7452,9 @@
                                         <p:strVal val="visible"/>
                                       </p:to>
                                     </p:set>
-                                    <p:animEffect filter="fade" transition="in">
+                                    <p:animEffect transition="in" filter="fade">
                                       <p:cBhvr>
-                                        <p:cTn dur="1000"/>
+                                        <p:cTn id="10" dur="1000"/>
                                         <p:tgtEl>
                                           <p:spTgt spid="138"/>
                                         </p:tgtEl>
@@ -6981,26 +7470,26 @@
                     </p:cTn>
                   </p:par>
                   <p:par>
-                    <p:cTn fill="hold">
+                    <p:cTn id="11" fill="hold">
                       <p:stCondLst>
                         <p:cond delay="indefinite"/>
                       </p:stCondLst>
                       <p:childTnLst>
                         <p:par>
-                          <p:cTn fill="hold">
+                          <p:cTn id="12" fill="hold">
                             <p:stCondLst>
                               <p:cond delay="0"/>
                             </p:stCondLst>
                             <p:childTnLst>
                               <p:par>
-                                <p:cTn fill="hold" nodeType="clickEffect" presetClass="entr" presetID="10" presetSubtype="0">
+                                <p:cTn id="13" presetID="10" presetClass="entr" presetSubtype="0" fill="hold" nodeType="clickEffect">
                                   <p:stCondLst>
                                     <p:cond delay="0"/>
                                   </p:stCondLst>
                                   <p:childTnLst>
                                     <p:set>
                                       <p:cBhvr>
-                                        <p:cTn dur="1" fill="hold">
+                                        <p:cTn id="14" dur="1" fill="hold">
                                           <p:stCondLst>
                                             <p:cond delay="0"/>
                                           </p:stCondLst>
@@ -7016,9 +7505,9 @@
                                         <p:strVal val="visible"/>
                                       </p:to>
                                     </p:set>
-                                    <p:animEffect filter="fade" transition="in">
+                                    <p:animEffect transition="in" filter="fade">
                                       <p:cBhvr>
-                                        <p:cTn dur="1000"/>
+                                        <p:cTn id="15" dur="1000"/>
                                         <p:tgtEl>
                                           <p:spTgt spid="135"/>
                                         </p:tgtEl>
@@ -7028,14 +7517,14 @@
                                 </p:cTn>
                               </p:par>
                               <p:par>
-                                <p:cTn fill="hold" nodeType="withEffect" presetClass="entr" presetID="10" presetSubtype="0">
+                                <p:cTn id="16" presetID="10" presetClass="entr" presetSubtype="0" fill="hold" nodeType="withEffect">
                                   <p:stCondLst>
                                     <p:cond delay="0"/>
                                   </p:stCondLst>
                                   <p:childTnLst>
                                     <p:set>
                                       <p:cBhvr>
-                                        <p:cTn dur="1" fill="hold">
+                                        <p:cTn id="17" dur="1" fill="hold">
                                           <p:stCondLst>
                                             <p:cond delay="0"/>
                                           </p:stCondLst>
@@ -7051,9 +7540,9 @@
                                         <p:strVal val="visible"/>
                                       </p:to>
                                     </p:set>
-                                    <p:animEffect filter="fade" transition="in">
+                                    <p:animEffect transition="in" filter="fade">
                                       <p:cBhvr>
-                                        <p:cTn dur="1000"/>
+                                        <p:cTn id="18" dur="1000"/>
                                         <p:tgtEl>
                                           <p:spTgt spid="137"/>
                                         </p:tgtEl>
@@ -7071,14 +7560,14 @@
                 </p:childTnLst>
               </p:cTn>
               <p:prevCondLst>
-                <p:cond evt="onPrev">
+                <p:cond evt="onPrev" delay="0">
                   <p:tgtEl>
                     <p:sldTgt/>
                   </p:tgtEl>
                 </p:cond>
               </p:prevCondLst>
               <p:nextCondLst>
-                <p:cond evt="onNext">
+                <p:cond evt="onNext" delay="0">
                   <p:tgtEl>
                     <p:sldTgt/>
                   </p:tgtEl>
@@ -7094,11 +7583,11 @@
 </file>
 
 <file path=ppt/slides/slide13.xml><?xml version="1.0" encoding="utf-8"?>
-<p:sld xmlns:a="http://schemas.openxmlformats.org/drawingml/2006/main" xmlns:r="http://schemas.openxmlformats.org/officeDocument/2006/relationships" xmlns:mc="http://schemas.openxmlformats.org/markup-compatibility/2006" xmlns:mv="urn:schemas-microsoft-com:mac:vml" xmlns:p="http://schemas.openxmlformats.org/presentationml/2006/main" xmlns:c="http://schemas.openxmlformats.org/drawingml/2006/chart" xmlns:dgm="http://schemas.openxmlformats.org/drawingml/2006/diagram" xmlns:o="urn:schemas-microsoft-com:office:office" xmlns:v="urn:schemas-microsoft-com:vml" xmlns:pvml="urn:schemas-microsoft-com:office:powerpoint" xmlns:com="http://schemas.openxmlformats.org/drawingml/2006/compatibility" xmlns:p14="http://schemas.microsoft.com/office/powerpoint/2010/main">
+<p:sld xmlns:a="http://schemas.openxmlformats.org/drawingml/2006/main" xmlns:r="http://schemas.openxmlformats.org/officeDocument/2006/relationships" xmlns:p="http://schemas.openxmlformats.org/presentationml/2006/main">
   <p:cSld>
     <p:spTree>
       <p:nvGrpSpPr>
-        <p:cNvPr id="142" name="Shape 142"/>
+        <p:cNvPr id="1" name="Shape 142"/>
         <p:cNvGrpSpPr/>
         <p:nvPr/>
       </p:nvGrpSpPr>
@@ -7113,7 +7602,9 @@
       <p:sp>
         <p:nvSpPr>
           <p:cNvPr id="143" name="Shape 143"/>
-          <p:cNvSpPr txBox="1"/>
+          <p:cNvSpPr txBox="1">
+            <a:spLocks noGrp="1"/>
+          </p:cNvSpPr>
           <p:nvPr>
             <p:ph type="title"/>
           </p:nvPr>
@@ -7128,7 +7619,7 @@
           </a:prstGeom>
         </p:spPr>
         <p:txBody>
-          <a:bodyPr anchorCtr="0" anchor="t" bIns="91425" lIns="91425" rIns="91425" tIns="91425">
+          <a:bodyPr lIns="91425" tIns="91425" rIns="91425" bIns="91425" anchor="t" anchorCtr="0">
             <a:noAutofit/>
           </a:bodyPr>
           <a:lstStyle/>
@@ -7149,9 +7640,11 @@
       <p:sp>
         <p:nvSpPr>
           <p:cNvPr id="144" name="Shape 144"/>
-          <p:cNvSpPr txBox="1"/>
+          <p:cNvSpPr txBox="1">
+            <a:spLocks noGrp="1"/>
+          </p:cNvSpPr>
           <p:nvPr>
-            <p:ph idx="1" type="body"/>
+            <p:ph type="body" idx="1"/>
           </p:nvPr>
         </p:nvSpPr>
         <p:spPr>
@@ -7164,21 +7657,26 @@
           </a:prstGeom>
         </p:spPr>
         <p:txBody>
-          <a:bodyPr anchorCtr="0" anchor="t" bIns="91425" lIns="91425" rIns="91425" tIns="91425">
+          <a:bodyPr lIns="91425" tIns="91425" rIns="91425" bIns="91425" anchor="t" anchorCtr="0">
             <a:noAutofit/>
           </a:bodyPr>
           <a:lstStyle/>
           <a:p>
-            <a:pPr indent="-228600" lvl="0" marL="457200" rtl="0">
-              <a:spcBef>
-                <a:spcPts val="0"/>
-              </a:spcBef>
+            <a:pPr marL="514350" lvl="0" indent="-285750" rtl="0">
+              <a:spcBef>
+                <a:spcPts val="0"/>
+              </a:spcBef>
+              <a:spcAft>
+                <a:spcPts val="600"/>
+              </a:spcAft>
               <a:buClr>
                 <a:srgbClr val="000000"/>
               </a:buClr>
-            </a:pPr>
-            <a:r>
-              <a:rPr lang="en">
+              <a:buFont typeface="Arial" panose="020B0604020202020204" pitchFamily="34" charset="0"/>
+              <a:buChar char="•"/>
+            </a:pPr>
+            <a:r>
+              <a:rPr lang="en" dirty="0">
                 <a:solidFill>
                   <a:srgbClr val="000000"/>
                 </a:solidFill>
@@ -7187,16 +7685,21 @@
             </a:r>
           </a:p>
           <a:p>
-            <a:pPr indent="-228600" lvl="1" marL="914400" rtl="0">
-              <a:spcBef>
-                <a:spcPts val="0"/>
-              </a:spcBef>
+            <a:pPr marL="971550" lvl="1" indent="-285750" rtl="0">
+              <a:spcBef>
+                <a:spcPts val="0"/>
+              </a:spcBef>
+              <a:spcAft>
+                <a:spcPts val="600"/>
+              </a:spcAft>
               <a:buClr>
                 <a:srgbClr val="000000"/>
               </a:buClr>
-            </a:pPr>
-            <a:r>
-              <a:rPr lang="en">
+              <a:buFont typeface="Arial" panose="020B0604020202020204" pitchFamily="34" charset="0"/>
+              <a:buChar char="•"/>
+            </a:pPr>
+            <a:r>
+              <a:rPr lang="en" dirty="0">
                 <a:solidFill>
                   <a:srgbClr val="000000"/>
                 </a:solidFill>
@@ -7205,16 +7708,21 @@
             </a:r>
           </a:p>
           <a:p>
-            <a:pPr indent="-228600" lvl="2" marL="1371600" rtl="0">
-              <a:spcBef>
-                <a:spcPts val="0"/>
-              </a:spcBef>
+            <a:pPr marL="1428750" lvl="2" indent="-285750" rtl="0">
+              <a:spcBef>
+                <a:spcPts val="0"/>
+              </a:spcBef>
+              <a:spcAft>
+                <a:spcPts val="600"/>
+              </a:spcAft>
               <a:buClr>
                 <a:srgbClr val="000000"/>
               </a:buClr>
-            </a:pPr>
-            <a:r>
-              <a:rPr lang="en">
+              <a:buFont typeface="Arial" panose="020B0604020202020204" pitchFamily="34" charset="0"/>
+              <a:buChar char="•"/>
+            </a:pPr>
+            <a:r>
+              <a:rPr lang="en" dirty="0">
                 <a:solidFill>
                   <a:srgbClr val="000000"/>
                 </a:solidFill>
@@ -7223,16 +7731,21 @@
             </a:r>
           </a:p>
           <a:p>
-            <a:pPr indent="-228600" lvl="1" marL="914400" rtl="0">
-              <a:spcBef>
-                <a:spcPts val="0"/>
-              </a:spcBef>
+            <a:pPr marL="971550" lvl="1" indent="-285750" rtl="0">
+              <a:spcBef>
+                <a:spcPts val="0"/>
+              </a:spcBef>
+              <a:spcAft>
+                <a:spcPts val="600"/>
+              </a:spcAft>
               <a:buClr>
                 <a:srgbClr val="000000"/>
               </a:buClr>
-            </a:pPr>
-            <a:r>
-              <a:rPr lang="en">
+              <a:buFont typeface="Arial" panose="020B0604020202020204" pitchFamily="34" charset="0"/>
+              <a:buChar char="•"/>
+            </a:pPr>
+            <a:r>
+              <a:rPr lang="en" dirty="0">
                 <a:solidFill>
                   <a:srgbClr val="000000"/>
                 </a:solidFill>
@@ -7241,16 +7754,21 @@
             </a:r>
           </a:p>
           <a:p>
-            <a:pPr indent="-228600" lvl="2" marL="1371600" rtl="0">
-              <a:spcBef>
-                <a:spcPts val="0"/>
-              </a:spcBef>
+            <a:pPr marL="1428750" lvl="2" indent="-285750" rtl="0">
+              <a:spcBef>
+                <a:spcPts val="0"/>
+              </a:spcBef>
+              <a:spcAft>
+                <a:spcPts val="600"/>
+              </a:spcAft>
               <a:buClr>
                 <a:srgbClr val="000000"/>
               </a:buClr>
-            </a:pPr>
-            <a:r>
-              <a:rPr lang="en">
+              <a:buFont typeface="Arial" panose="020B0604020202020204" pitchFamily="34" charset="0"/>
+              <a:buChar char="•"/>
+            </a:pPr>
+            <a:r>
+              <a:rPr lang="en" dirty="0">
                 <a:solidFill>
                   <a:srgbClr val="000000"/>
                 </a:solidFill>
@@ -7259,16 +7777,21 @@
             </a:r>
           </a:p>
           <a:p>
-            <a:pPr indent="-228600" lvl="1" marL="914400" rtl="0">
-              <a:spcBef>
-                <a:spcPts val="0"/>
-              </a:spcBef>
+            <a:pPr marL="971550" lvl="1" indent="-285750" rtl="0">
+              <a:spcBef>
+                <a:spcPts val="0"/>
+              </a:spcBef>
+              <a:spcAft>
+                <a:spcPts val="600"/>
+              </a:spcAft>
               <a:buClr>
                 <a:srgbClr val="000000"/>
               </a:buClr>
-            </a:pPr>
-            <a:r>
-              <a:rPr lang="en">
+              <a:buFont typeface="Arial" panose="020B0604020202020204" pitchFamily="34" charset="0"/>
+              <a:buChar char="•"/>
+            </a:pPr>
+            <a:r>
+              <a:rPr lang="en" dirty="0">
                 <a:solidFill>
                   <a:srgbClr val="000000"/>
                 </a:solidFill>
@@ -7277,16 +7800,21 @@
             </a:r>
           </a:p>
           <a:p>
-            <a:pPr indent="-228600" lvl="2" marL="1371600" rtl="0">
-              <a:spcBef>
-                <a:spcPts val="0"/>
-              </a:spcBef>
+            <a:pPr marL="1428750" lvl="2" indent="-285750" rtl="0">
+              <a:spcBef>
+                <a:spcPts val="0"/>
+              </a:spcBef>
+              <a:spcAft>
+                <a:spcPts val="600"/>
+              </a:spcAft>
               <a:buClr>
                 <a:srgbClr val="000000"/>
               </a:buClr>
-            </a:pPr>
-            <a:r>
-              <a:rPr lang="en">
+              <a:buFont typeface="Arial" panose="020B0604020202020204" pitchFamily="34" charset="0"/>
+              <a:buChar char="•"/>
+            </a:pPr>
+            <a:r>
+              <a:rPr lang="en" dirty="0">
                 <a:solidFill>
                   <a:srgbClr val="000000"/>
                 </a:solidFill>
@@ -7295,16 +7823,21 @@
             </a:r>
           </a:p>
           <a:p>
-            <a:pPr indent="-228600" lvl="1" marL="914400" rtl="0">
-              <a:spcBef>
-                <a:spcPts val="0"/>
-              </a:spcBef>
+            <a:pPr marL="971550" lvl="1" indent="-285750" rtl="0">
+              <a:spcBef>
+                <a:spcPts val="0"/>
+              </a:spcBef>
+              <a:spcAft>
+                <a:spcPts val="600"/>
+              </a:spcAft>
               <a:buClr>
                 <a:srgbClr val="000000"/>
               </a:buClr>
-            </a:pPr>
-            <a:r>
-              <a:rPr lang="en">
+              <a:buFont typeface="Arial" panose="020B0604020202020204" pitchFamily="34" charset="0"/>
+              <a:buChar char="•"/>
+            </a:pPr>
+            <a:r>
+              <a:rPr lang="en" dirty="0">
                 <a:solidFill>
                   <a:srgbClr val="000000"/>
                 </a:solidFill>
@@ -7313,16 +7846,21 @@
             </a:r>
           </a:p>
           <a:p>
-            <a:pPr indent="-228600" lvl="2" marL="1371600" rtl="0">
-              <a:spcBef>
-                <a:spcPts val="0"/>
-              </a:spcBef>
+            <a:pPr marL="1428750" lvl="2" indent="-285750" rtl="0">
+              <a:spcBef>
+                <a:spcPts val="0"/>
+              </a:spcBef>
+              <a:spcAft>
+                <a:spcPts val="600"/>
+              </a:spcAft>
               <a:buClr>
                 <a:srgbClr val="000000"/>
               </a:buClr>
-            </a:pPr>
-            <a:r>
-              <a:rPr lang="en">
+              <a:buFont typeface="Arial" panose="020B0604020202020204" pitchFamily="34" charset="0"/>
+              <a:buChar char="•"/>
+            </a:pPr>
+            <a:r>
+              <a:rPr lang="en" dirty="0">
                 <a:solidFill>
                   <a:srgbClr val="000000"/>
                 </a:solidFill>
@@ -7341,11 +7879,11 @@
 </file>
 
 <file path=ppt/slides/slide14.xml><?xml version="1.0" encoding="utf-8"?>
-<p:sld xmlns:a="http://schemas.openxmlformats.org/drawingml/2006/main" xmlns:r="http://schemas.openxmlformats.org/officeDocument/2006/relationships" xmlns:mc="http://schemas.openxmlformats.org/markup-compatibility/2006" xmlns:mv="urn:schemas-microsoft-com:mac:vml" xmlns:p="http://schemas.openxmlformats.org/presentationml/2006/main" xmlns:c="http://schemas.openxmlformats.org/drawingml/2006/chart" xmlns:dgm="http://schemas.openxmlformats.org/drawingml/2006/diagram" xmlns:o="urn:schemas-microsoft-com:office:office" xmlns:v="urn:schemas-microsoft-com:vml" xmlns:pvml="urn:schemas-microsoft-com:office:powerpoint" xmlns:com="http://schemas.openxmlformats.org/drawingml/2006/compatibility" xmlns:p14="http://schemas.microsoft.com/office/powerpoint/2010/main">
+<p:sld xmlns:a="http://schemas.openxmlformats.org/drawingml/2006/main" xmlns:r="http://schemas.openxmlformats.org/officeDocument/2006/relationships" xmlns:p="http://schemas.openxmlformats.org/presentationml/2006/main">
   <p:cSld>
     <p:spTree>
       <p:nvGrpSpPr>
-        <p:cNvPr id="148" name="Shape 148"/>
+        <p:cNvPr id="1" name="Shape 148"/>
         <p:cNvGrpSpPr/>
         <p:nvPr/>
       </p:nvGrpSpPr>
@@ -7360,7 +7898,9 @@
       <p:sp>
         <p:nvSpPr>
           <p:cNvPr id="149" name="Shape 149"/>
-          <p:cNvSpPr txBox="1"/>
+          <p:cNvSpPr txBox="1">
+            <a:spLocks noGrp="1"/>
+          </p:cNvSpPr>
           <p:nvPr>
             <p:ph type="title"/>
           </p:nvPr>
@@ -7375,7 +7915,7 @@
           </a:prstGeom>
         </p:spPr>
         <p:txBody>
-          <a:bodyPr anchorCtr="0" anchor="t" bIns="91425" lIns="91425" rIns="91425" tIns="91425">
+          <a:bodyPr lIns="91425" tIns="91425" rIns="91425" bIns="91425" anchor="t" anchorCtr="0">
             <a:noAutofit/>
           </a:bodyPr>
           <a:lstStyle/>
@@ -7398,9 +7938,6 @@
               </a:spcBef>
               <a:buNone/>
             </a:pPr>
-            <a:r>
-              <a:t/>
-            </a:r>
             <a:endParaRPr/>
           </a:p>
         </p:txBody>
@@ -7408,9 +7945,11 @@
       <p:sp>
         <p:nvSpPr>
           <p:cNvPr id="150" name="Shape 150"/>
-          <p:cNvSpPr txBox="1"/>
+          <p:cNvSpPr txBox="1">
+            <a:spLocks noGrp="1"/>
+          </p:cNvSpPr>
           <p:nvPr>
-            <p:ph idx="1" type="body"/>
+            <p:ph type="body" idx="1"/>
           </p:nvPr>
         </p:nvSpPr>
         <p:spPr>
@@ -7423,24 +7962,29 @@
           </a:prstGeom>
         </p:spPr>
         <p:txBody>
-          <a:bodyPr anchorCtr="0" anchor="t" bIns="91425" lIns="91425" rIns="91425" tIns="91425">
+          <a:bodyPr lIns="91425" tIns="91425" rIns="91425" bIns="91425" anchor="t" anchorCtr="0">
             <a:noAutofit/>
           </a:bodyPr>
           <a:lstStyle/>
           <a:p>
-            <a:pPr indent="-228600" lvl="0" marL="457200" rtl="0">
+            <a:pPr marL="514350" lvl="0" indent="-285750" rtl="0">
               <a:lnSpc>
                 <a:spcPct val="200000"/>
               </a:lnSpc>
               <a:spcBef>
                 <a:spcPts val="0"/>
               </a:spcBef>
+              <a:spcAft>
+                <a:spcPts val="600"/>
+              </a:spcAft>
               <a:buClr>
                 <a:srgbClr val="000000"/>
               </a:buClr>
-            </a:pPr>
-            <a:r>
-              <a:rPr lang="en">
+              <a:buFont typeface="Arial" panose="020B0604020202020204" pitchFamily="34" charset="0"/>
+              <a:buChar char="•"/>
+            </a:pPr>
+            <a:r>
+              <a:rPr lang="en" sz="1600" dirty="0">
                 <a:solidFill>
                   <a:srgbClr val="000000"/>
                 </a:solidFill>
@@ -7449,48 +7993,50 @@
             </a:r>
           </a:p>
           <a:p>
-            <a:pPr indent="-228600" lvl="0" marL="457200" rtl="0">
+            <a:pPr marL="514350" lvl="0" indent="-285750" rtl="0">
               <a:lnSpc>
                 <a:spcPct val="200000"/>
               </a:lnSpc>
               <a:spcBef>
                 <a:spcPts val="0"/>
               </a:spcBef>
+              <a:spcAft>
+                <a:spcPts val="600"/>
+              </a:spcAft>
               <a:buClr>
                 <a:srgbClr val="000000"/>
               </a:buClr>
-            </a:pPr>
-            <a:r>
-              <a:rPr lang="en">
+              <a:buFont typeface="Arial" panose="020B0604020202020204" pitchFamily="34" charset="0"/>
+              <a:buChar char="•"/>
+            </a:pPr>
+            <a:r>
+              <a:rPr lang="en" sz="1600" dirty="0">
                 <a:solidFill>
                   <a:srgbClr val="000000"/>
                 </a:solidFill>
               </a:rPr>
-              <a:t>Gather wells data for </a:t>
-            </a:r>
-            <a:r>
-              <a:rPr lang="en">
-                <a:solidFill>
-                  <a:srgbClr val="000000"/>
-                </a:solidFill>
-              </a:rPr>
-              <a:t>every state</a:t>
-            </a:r>
-          </a:p>
-          <a:p>
-            <a:pPr indent="-228600" lvl="0" marL="457200" rtl="0">
+              <a:t>Gather wells data for every state</a:t>
+            </a:r>
+          </a:p>
+          <a:p>
+            <a:pPr marL="514350" lvl="0" indent="-285750" rtl="0">
               <a:lnSpc>
                 <a:spcPct val="200000"/>
               </a:lnSpc>
               <a:spcBef>
                 <a:spcPts val="0"/>
               </a:spcBef>
+              <a:spcAft>
+                <a:spcPts val="600"/>
+              </a:spcAft>
               <a:buClr>
                 <a:srgbClr val="000000"/>
               </a:buClr>
-            </a:pPr>
-            <a:r>
-              <a:rPr lang="en">
+              <a:buFont typeface="Arial" panose="020B0604020202020204" pitchFamily="34" charset="0"/>
+              <a:buChar char="•"/>
+            </a:pPr>
+            <a:r>
+              <a:rPr lang="en" sz="1600" dirty="0">
                 <a:solidFill>
                   <a:srgbClr val="000000"/>
                 </a:solidFill>
@@ -7499,19 +8045,24 @@
             </a:r>
           </a:p>
           <a:p>
-            <a:pPr indent="-228600" lvl="1" marL="914400" rtl="0">
+            <a:pPr marL="971550" lvl="1" indent="-285750" rtl="0">
               <a:lnSpc>
                 <a:spcPct val="200000"/>
               </a:lnSpc>
               <a:spcBef>
                 <a:spcPts val="0"/>
               </a:spcBef>
+              <a:spcAft>
+                <a:spcPts val="600"/>
+              </a:spcAft>
               <a:buClr>
                 <a:srgbClr val="000000"/>
               </a:buClr>
-            </a:pPr>
-            <a:r>
-              <a:rPr lang="en">
+              <a:buFont typeface="Arial" panose="020B0604020202020204" pitchFamily="34" charset="0"/>
+              <a:buChar char="•"/>
+            </a:pPr>
+            <a:r>
+              <a:rPr lang="en" sz="1200" dirty="0">
                 <a:solidFill>
                   <a:srgbClr val="000000"/>
                 </a:solidFill>
@@ -7520,7 +8071,7 @@
             </a:r>
           </a:p>
           <a:p>
-            <a:pPr indent="0" lvl="0" marL="457200" rtl="0">
+            <a:pPr marL="457200" lvl="0" indent="0" rtl="0">
               <a:lnSpc>
                 <a:spcPct val="200000"/>
               </a:lnSpc>
@@ -7529,10 +8080,7 @@
               </a:spcBef>
               <a:buNone/>
             </a:pPr>
-            <a:r>
-              <a:t/>
-            </a:r>
-            <a:endParaRPr/>
+            <a:endParaRPr dirty="0"/>
           </a:p>
         </p:txBody>
       </p:sp>
@@ -7545,11 +8093,11 @@
 </file>
 
 <file path=ppt/slides/slide15.xml><?xml version="1.0" encoding="utf-8"?>
-<p:sld xmlns:a="http://schemas.openxmlformats.org/drawingml/2006/main" xmlns:r="http://schemas.openxmlformats.org/officeDocument/2006/relationships" xmlns:mc="http://schemas.openxmlformats.org/markup-compatibility/2006" xmlns:mv="urn:schemas-microsoft-com:mac:vml" xmlns:p="http://schemas.openxmlformats.org/presentationml/2006/main" xmlns:c="http://schemas.openxmlformats.org/drawingml/2006/chart" xmlns:dgm="http://schemas.openxmlformats.org/drawingml/2006/diagram" xmlns:o="urn:schemas-microsoft-com:office:office" xmlns:v="urn:schemas-microsoft-com:vml" xmlns:pvml="urn:schemas-microsoft-com:office:powerpoint" xmlns:com="http://schemas.openxmlformats.org/drawingml/2006/compatibility" xmlns:p14="http://schemas.microsoft.com/office/powerpoint/2010/main">
+<p:sld xmlns:a="http://schemas.openxmlformats.org/drawingml/2006/main" xmlns:r="http://schemas.openxmlformats.org/officeDocument/2006/relationships" xmlns:p="http://schemas.openxmlformats.org/presentationml/2006/main">
   <p:cSld>
     <p:spTree>
       <p:nvGrpSpPr>
-        <p:cNvPr id="154" name="Shape 154"/>
+        <p:cNvPr id="1" name="Shape 154"/>
         <p:cNvGrpSpPr/>
         <p:nvPr/>
       </p:nvGrpSpPr>
@@ -7564,7 +8112,9 @@
       <p:sp>
         <p:nvSpPr>
           <p:cNvPr id="155" name="Shape 155"/>
-          <p:cNvSpPr txBox="1"/>
+          <p:cNvSpPr txBox="1">
+            <a:spLocks noGrp="1"/>
+          </p:cNvSpPr>
           <p:nvPr>
             <p:ph type="title"/>
           </p:nvPr>
@@ -7579,7 +8129,7 @@
           </a:prstGeom>
         </p:spPr>
         <p:txBody>
-          <a:bodyPr anchorCtr="0" anchor="t" bIns="91425" lIns="91425" rIns="91425" tIns="91425">
+          <a:bodyPr lIns="91425" tIns="91425" rIns="91425" bIns="91425" anchor="t" anchorCtr="0">
             <a:noAutofit/>
           </a:bodyPr>
           <a:lstStyle/>
@@ -7600,9 +8150,11 @@
       <p:sp>
         <p:nvSpPr>
           <p:cNvPr id="156" name="Shape 156"/>
-          <p:cNvSpPr txBox="1"/>
+          <p:cNvSpPr txBox="1">
+            <a:spLocks noGrp="1"/>
+          </p:cNvSpPr>
           <p:nvPr>
-            <p:ph idx="1" type="body"/>
+            <p:ph type="body" idx="1"/>
           </p:nvPr>
         </p:nvSpPr>
         <p:spPr>
@@ -7615,12 +8167,38 @@
           </a:prstGeom>
         </p:spPr>
         <p:txBody>
-          <a:bodyPr anchorCtr="0" anchor="t" bIns="91425" lIns="91425" rIns="91425" tIns="91425">
+          <a:bodyPr lIns="91425" tIns="91425" rIns="91425" bIns="91425" anchor="t" anchorCtr="0">
             <a:noAutofit/>
           </a:bodyPr>
           <a:lstStyle/>
           <a:p>
-            <a:pPr indent="-228600" lvl="0" marL="457200" rtl="0">
+            <a:pPr marL="514350" lvl="0" indent="-285750" rtl="0">
+              <a:lnSpc>
+                <a:spcPct val="150000"/>
+              </a:lnSpc>
+              <a:spcBef>
+                <a:spcPts val="0"/>
+              </a:spcBef>
+              <a:spcAft>
+                <a:spcPts val="600"/>
+              </a:spcAft>
+              <a:buClr>
+                <a:srgbClr val="000000"/>
+              </a:buClr>
+              <a:buFont typeface="Arial" panose="020B0604020202020204" pitchFamily="34" charset="0"/>
+              <a:buChar char="•"/>
+            </a:pPr>
+            <a:r>
+              <a:rPr lang="en" sz="1600" dirty="0">
+                <a:solidFill>
+                  <a:srgbClr val="000000"/>
+                </a:solidFill>
+              </a:rPr>
+              <a:t>Water quality data that includes chemical byproducts of fracking such as toluene and ethylbenzene.</a:t>
+            </a:r>
+          </a:p>
+          <a:p>
+            <a:pPr marL="514350" lvl="0" indent="-285750" rtl="0">
               <a:lnSpc>
                 <a:spcPct val="200000"/>
               </a:lnSpc>
@@ -7630,30 +8208,11 @@
               <a:buClr>
                 <a:srgbClr val="000000"/>
               </a:buClr>
-            </a:pPr>
-            <a:r>
-              <a:rPr lang="en">
-                <a:solidFill>
-                  <a:srgbClr val="000000"/>
-                </a:solidFill>
-              </a:rPr>
-              <a:t>Water quality data that includes chemical byproducts of fracking such as toluene and ethylbenzene.</a:t>
-            </a:r>
-          </a:p>
-          <a:p>
-            <a:pPr indent="-228600" lvl="0" marL="457200" rtl="0">
-              <a:lnSpc>
-                <a:spcPct val="200000"/>
-              </a:lnSpc>
-              <a:spcBef>
-                <a:spcPts val="0"/>
-              </a:spcBef>
-              <a:buClr>
-                <a:srgbClr val="000000"/>
-              </a:buClr>
-            </a:pPr>
-            <a:r>
-              <a:rPr lang="en">
+              <a:buFont typeface="Arial" panose="020B0604020202020204" pitchFamily="34" charset="0"/>
+              <a:buChar char="•"/>
+            </a:pPr>
+            <a:r>
+              <a:rPr lang="en" sz="1600" dirty="0">
                 <a:solidFill>
                   <a:srgbClr val="000000"/>
                 </a:solidFill>
@@ -7672,11 +8231,11 @@
 </file>
 
 <file path=ppt/slides/slide16.xml><?xml version="1.0" encoding="utf-8"?>
-<p:sld xmlns:a="http://schemas.openxmlformats.org/drawingml/2006/main" xmlns:r="http://schemas.openxmlformats.org/officeDocument/2006/relationships" xmlns:mc="http://schemas.openxmlformats.org/markup-compatibility/2006" xmlns:mv="urn:schemas-microsoft-com:mac:vml" xmlns:p="http://schemas.openxmlformats.org/presentationml/2006/main" xmlns:c="http://schemas.openxmlformats.org/drawingml/2006/chart" xmlns:dgm="http://schemas.openxmlformats.org/drawingml/2006/diagram" xmlns:o="urn:schemas-microsoft-com:office:office" xmlns:v="urn:schemas-microsoft-com:vml" xmlns:pvml="urn:schemas-microsoft-com:office:powerpoint" xmlns:com="http://schemas.openxmlformats.org/drawingml/2006/compatibility" xmlns:p14="http://schemas.microsoft.com/office/powerpoint/2010/main">
+<p:sld xmlns:a="http://schemas.openxmlformats.org/drawingml/2006/main" xmlns:r="http://schemas.openxmlformats.org/officeDocument/2006/relationships" xmlns:p="http://schemas.openxmlformats.org/presentationml/2006/main">
   <p:cSld>
     <p:spTree>
       <p:nvGrpSpPr>
-        <p:cNvPr id="160" name="Shape 160"/>
+        <p:cNvPr id="1" name="Shape 160"/>
         <p:cNvGrpSpPr/>
         <p:nvPr/>
       </p:nvGrpSpPr>
@@ -7691,7 +8250,9 @@
       <p:sp>
         <p:nvSpPr>
           <p:cNvPr id="161" name="Shape 161"/>
-          <p:cNvSpPr txBox="1"/>
+          <p:cNvSpPr txBox="1">
+            <a:spLocks noGrp="1"/>
+          </p:cNvSpPr>
           <p:nvPr>
             <p:ph type="title"/>
           </p:nvPr>
@@ -7706,7 +8267,7 @@
           </a:prstGeom>
         </p:spPr>
         <p:txBody>
-          <a:bodyPr anchorCtr="0" anchor="t" bIns="91425" lIns="91425" rIns="91425" tIns="91425">
+          <a:bodyPr lIns="91425" tIns="91425" rIns="91425" bIns="91425" anchor="t" anchorCtr="0">
             <a:noAutofit/>
           </a:bodyPr>
           <a:lstStyle/>
@@ -7727,9 +8288,11 @@
       <p:sp>
         <p:nvSpPr>
           <p:cNvPr id="162" name="Shape 162"/>
-          <p:cNvSpPr txBox="1"/>
+          <p:cNvSpPr txBox="1">
+            <a:spLocks noGrp="1"/>
+          </p:cNvSpPr>
           <p:nvPr>
-            <p:ph idx="1" type="body"/>
+            <p:ph type="body" idx="1"/>
           </p:nvPr>
         </p:nvSpPr>
         <p:spPr>
@@ -7742,7 +8305,7 @@
           </a:prstGeom>
         </p:spPr>
         <p:txBody>
-          <a:bodyPr anchorCtr="0" anchor="t" bIns="91425" lIns="91425" rIns="91425" tIns="91425">
+          <a:bodyPr lIns="91425" tIns="91425" rIns="91425" bIns="91425" anchor="t" anchorCtr="0">
             <a:noAutofit/>
           </a:bodyPr>
           <a:lstStyle/>
@@ -7757,13 +8320,13 @@
               <a:buNone/>
             </a:pPr>
             <a:r>
-              <a:rPr lang="en" sz="1400" u="sng">
+              <a:rPr lang="en" sz="1600" u="sng" dirty="0">
                 <a:solidFill>
                   <a:schemeClr val="hlink"/>
                 </a:solidFill>
-                <a:latin typeface="Times New Roman"/>
+                <a:latin typeface="Times New Roman" panose="02020603050405020304" pitchFamily="18" charset="0"/>
                 <a:ea typeface="Times New Roman"/>
-                <a:cs typeface="Times New Roman"/>
+                <a:cs typeface="Times New Roman" panose="02020603050405020304" pitchFamily="18" charset="0"/>
                 <a:sym typeface="Times New Roman"/>
                 <a:hlinkClick r:id="rId3"/>
               </a:rPr>
@@ -7781,13 +8344,13 @@
               <a:buNone/>
             </a:pPr>
             <a:r>
-              <a:rPr lang="en" sz="1400" u="sng">
+              <a:rPr lang="en" sz="1600" u="sng" dirty="0">
                 <a:solidFill>
                   <a:schemeClr val="hlink"/>
                 </a:solidFill>
-                <a:latin typeface="Times New Roman"/>
+                <a:latin typeface="Times New Roman" panose="02020603050405020304" pitchFamily="18" charset="0"/>
                 <a:ea typeface="Times New Roman"/>
-                <a:cs typeface="Times New Roman"/>
+                <a:cs typeface="Times New Roman" panose="02020603050405020304" pitchFamily="18" charset="0"/>
                 <a:sym typeface="Times New Roman"/>
                 <a:hlinkClick r:id="rId4"/>
               </a:rPr>
@@ -7805,13 +8368,13 @@
               <a:buNone/>
             </a:pPr>
             <a:r>
-              <a:rPr lang="en" sz="1400" u="sng">
+              <a:rPr lang="en" sz="1600" u="sng" dirty="0">
                 <a:solidFill>
                   <a:schemeClr val="hlink"/>
                 </a:solidFill>
-                <a:latin typeface="Times New Roman"/>
+                <a:latin typeface="Times New Roman" panose="02020603050405020304" pitchFamily="18" charset="0"/>
                 <a:ea typeface="Times New Roman"/>
-                <a:cs typeface="Times New Roman"/>
+                <a:cs typeface="Times New Roman" panose="02020603050405020304" pitchFamily="18" charset="0"/>
                 <a:sym typeface="Times New Roman"/>
                 <a:hlinkClick r:id="rId5"/>
               </a:rPr>
@@ -7829,26 +8392,26 @@
               <a:buNone/>
             </a:pPr>
             <a:r>
-              <a:rPr lang="en" sz="1400" u="sng">
+              <a:rPr lang="en" sz="1600" u="sng" dirty="0">
                 <a:solidFill>
                   <a:srgbClr val="1155CC"/>
                 </a:solidFill>
-                <a:latin typeface="Times New Roman"/>
+                <a:latin typeface="Times New Roman" panose="02020603050405020304" pitchFamily="18" charset="0"/>
                 <a:ea typeface="Times New Roman"/>
-                <a:cs typeface="Times New Roman"/>
+                <a:cs typeface="Times New Roman" panose="02020603050405020304" pitchFamily="18" charset="0"/>
                 <a:sym typeface="Times New Roman"/>
                 <a:hlinkClick r:id="rId6"/>
               </a:rPr>
               <a:t>https://pubs.usgs.gov/of/1987/0331/report.pdf</a:t>
             </a:r>
             <a:r>
-              <a:rPr lang="en" sz="1400">
+              <a:rPr lang="en" sz="1600" dirty="0">
                 <a:solidFill>
                   <a:srgbClr val="000000"/>
                 </a:solidFill>
-                <a:latin typeface="Times New Roman"/>
+                <a:latin typeface="Times New Roman" panose="02020603050405020304" pitchFamily="18" charset="0"/>
                 <a:ea typeface="Times New Roman"/>
-                <a:cs typeface="Times New Roman"/>
+                <a:cs typeface="Times New Roman" panose="02020603050405020304" pitchFamily="18" charset="0"/>
                 <a:sym typeface="Times New Roman"/>
               </a:rPr>
               <a:t> </a:t>
@@ -7868,13 +8431,13 @@
               <a:buNone/>
             </a:pPr>
             <a:r>
-              <a:rPr lang="en" sz="1100" u="sng">
+              <a:rPr lang="en" sz="1600" u="sng" dirty="0">
                 <a:solidFill>
                   <a:srgbClr val="1155CC"/>
                 </a:solidFill>
-                <a:latin typeface="Arial"/>
+                <a:latin typeface="Times New Roman" panose="02020603050405020304" pitchFamily="18" charset="0"/>
                 <a:ea typeface="Arial"/>
-                <a:cs typeface="Arial"/>
+                <a:cs typeface="Times New Roman" panose="02020603050405020304" pitchFamily="18" charset="0"/>
                 <a:sym typeface="Arial"/>
                 <a:hlinkClick r:id="rId7"/>
               </a:rPr>
@@ -7894,10 +8457,10 @@
               </a:spcAft>
               <a:buNone/>
             </a:pPr>
-            <a:r>
-              <a:t/>
-            </a:r>
-            <a:endParaRPr/>
+            <a:endParaRPr sz="1600" dirty="0">
+              <a:latin typeface="Times New Roman" panose="02020603050405020304" pitchFamily="18" charset="0"/>
+              <a:cs typeface="Times New Roman" panose="02020603050405020304" pitchFamily="18" charset="0"/>
+            </a:endParaRPr>
           </a:p>
           <a:p>
             <a:pPr lvl="0" rtl="0">
@@ -7913,9 +8476,32 @@
               <a:buNone/>
             </a:pPr>
             <a:r>
-              <a:rPr lang="en" sz="1400"/>
+              <a:rPr lang="en" sz="1600" dirty="0">
+                <a:latin typeface="Times New Roman" panose="02020603050405020304" pitchFamily="18" charset="0"/>
+                <a:cs typeface="Times New Roman" panose="02020603050405020304" pitchFamily="18" charset="0"/>
+                <a:hlinkClick r:id="rId8"/>
+              </a:rPr>
               <a:t>http://science.sciencemag.org/content/348/6241/1336</a:t>
             </a:r>
+            <a:endParaRPr lang="en" sz="1600" dirty="0">
+              <a:latin typeface="Times New Roman" panose="02020603050405020304" pitchFamily="18" charset="0"/>
+              <a:cs typeface="Times New Roman" panose="02020603050405020304" pitchFamily="18" charset="0"/>
+            </a:endParaRPr>
+          </a:p>
+          <a:p>
+            <a:pPr lvl="0" rtl="0">
+              <a:lnSpc>
+                <a:spcPct val="100000"/>
+              </a:lnSpc>
+              <a:spcBef>
+                <a:spcPts val="0"/>
+              </a:spcBef>
+              <a:spcAft>
+                <a:spcPts val="0"/>
+              </a:spcAft>
+              <a:buNone/>
+            </a:pPr>
+            <a:endParaRPr lang="en" sz="1400" dirty="0"/>
           </a:p>
         </p:txBody>
       </p:sp>
@@ -7928,11 +8514,11 @@
 </file>
 
 <file path=ppt/slides/slide2.xml><?xml version="1.0" encoding="utf-8"?>
-<p:sld xmlns:a="http://schemas.openxmlformats.org/drawingml/2006/main" xmlns:r="http://schemas.openxmlformats.org/officeDocument/2006/relationships" xmlns:mc="http://schemas.openxmlformats.org/markup-compatibility/2006" xmlns:mv="urn:schemas-microsoft-com:mac:vml" xmlns:p="http://schemas.openxmlformats.org/presentationml/2006/main" xmlns:c="http://schemas.openxmlformats.org/drawingml/2006/chart" xmlns:dgm="http://schemas.openxmlformats.org/drawingml/2006/diagram" xmlns:o="urn:schemas-microsoft-com:office:office" xmlns:v="urn:schemas-microsoft-com:vml" xmlns:pvml="urn:schemas-microsoft-com:office:powerpoint" xmlns:com="http://schemas.openxmlformats.org/drawingml/2006/compatibility" xmlns:p14="http://schemas.microsoft.com/office/powerpoint/2010/main">
+<p:sld xmlns:a="http://schemas.openxmlformats.org/drawingml/2006/main" xmlns:r="http://schemas.openxmlformats.org/officeDocument/2006/relationships" xmlns:p="http://schemas.openxmlformats.org/presentationml/2006/main">
   <p:cSld>
     <p:spTree>
       <p:nvGrpSpPr>
-        <p:cNvPr id="71" name="Shape 71"/>
+        <p:cNvPr id="1" name="Shape 71"/>
         <p:cNvGrpSpPr/>
         <p:nvPr/>
       </p:nvGrpSpPr>
@@ -7947,7 +8533,9 @@
       <p:sp>
         <p:nvSpPr>
           <p:cNvPr id="72" name="Shape 72"/>
-          <p:cNvSpPr txBox="1"/>
+          <p:cNvSpPr txBox="1">
+            <a:spLocks noGrp="1"/>
+          </p:cNvSpPr>
           <p:nvPr>
             <p:ph type="title"/>
           </p:nvPr>
@@ -7962,7 +8550,7 @@
           </a:prstGeom>
         </p:spPr>
         <p:txBody>
-          <a:bodyPr anchorCtr="0" anchor="t" bIns="91425" lIns="91425" rIns="91425" tIns="91425">
+          <a:bodyPr lIns="91425" tIns="91425" rIns="91425" bIns="91425" anchor="t" anchorCtr="0">
             <a:noAutofit/>
           </a:bodyPr>
           <a:lstStyle/>
@@ -7983,9 +8571,11 @@
       <p:sp>
         <p:nvSpPr>
           <p:cNvPr id="73" name="Shape 73"/>
-          <p:cNvSpPr txBox="1"/>
+          <p:cNvSpPr txBox="1">
+            <a:spLocks noGrp="1"/>
+          </p:cNvSpPr>
           <p:nvPr>
-            <p:ph idx="1" type="body"/>
+            <p:ph type="body" idx="1"/>
           </p:nvPr>
         </p:nvSpPr>
         <p:spPr>
@@ -7998,21 +8588,26 @@
           </a:prstGeom>
         </p:spPr>
         <p:txBody>
-          <a:bodyPr anchorCtr="0" anchor="t" bIns="91425" lIns="91425" rIns="91425" tIns="91425">
+          <a:bodyPr lIns="91425" tIns="91425" rIns="91425" bIns="91425" anchor="t" anchorCtr="0">
             <a:noAutofit/>
           </a:bodyPr>
           <a:lstStyle/>
           <a:p>
-            <a:pPr indent="-228600" lvl="0" marL="457200" rtl="0">
-              <a:spcBef>
-                <a:spcPts val="0"/>
-              </a:spcBef>
+            <a:pPr marL="514350" lvl="0" indent="-285750" rtl="0">
+              <a:spcBef>
+                <a:spcPts val="0"/>
+              </a:spcBef>
+              <a:spcAft>
+                <a:spcPts val="600"/>
+              </a:spcAft>
               <a:buClr>
                 <a:srgbClr val="000000"/>
               </a:buClr>
-            </a:pPr>
-            <a:r>
-              <a:rPr lang="en">
+              <a:buFont typeface="Arial" panose="020B0604020202020204" pitchFamily="34" charset="0"/>
+              <a:buChar char="•"/>
+            </a:pPr>
+            <a:r>
+              <a:rPr lang="en" sz="1600" dirty="0">
                 <a:solidFill>
                   <a:srgbClr val="000000"/>
                 </a:solidFill>
@@ -8021,16 +8616,18 @@
             </a:r>
           </a:p>
           <a:p>
-            <a:pPr indent="-228600" lvl="1" marL="914400" rtl="0">
+            <a:pPr marL="971550" lvl="1" indent="-285750" rtl="0">
               <a:spcBef>
                 <a:spcPts val="0"/>
               </a:spcBef>
               <a:buClr>
                 <a:srgbClr val="000000"/>
               </a:buClr>
-            </a:pPr>
-            <a:r>
-              <a:rPr lang="en">
+              <a:buFont typeface="Wingdings" panose="05000000000000000000" pitchFamily="2" charset="2"/>
+              <a:buChar char="§"/>
+            </a:pPr>
+            <a:r>
+              <a:rPr lang="en" dirty="0">
                 <a:solidFill>
                   <a:srgbClr val="000000"/>
                 </a:solidFill>
@@ -8039,42 +8636,38 @@
             </a:r>
           </a:p>
           <a:p>
-            <a:pPr indent="-228600" lvl="0" marL="457200" rtl="0">
+            <a:pPr marL="514350" lvl="0" indent="-285750" rtl="0">
               <a:spcBef>
                 <a:spcPts val="0"/>
               </a:spcBef>
               <a:buClr>
                 <a:srgbClr val="000000"/>
               </a:buClr>
-            </a:pPr>
-            <a:r>
-              <a:rPr lang="en">
+              <a:buFont typeface="Arial" panose="020B0604020202020204" pitchFamily="34" charset="0"/>
+              <a:buChar char="•"/>
+            </a:pPr>
+            <a:r>
+              <a:rPr lang="en" sz="1600" dirty="0">
                 <a:solidFill>
                   <a:srgbClr val="000000"/>
                 </a:solidFill>
               </a:rPr>
-              <a:t>Specifically focusing</a:t>
-            </a:r>
-            <a:r>
-              <a:rPr lang="en">
-                <a:solidFill>
-                  <a:srgbClr val="000000"/>
-                </a:solidFill>
-              </a:rPr>
-              <a:t> on mid-west area</a:t>
-            </a:r>
-          </a:p>
-          <a:p>
-            <a:pPr indent="-228600" lvl="0" marL="457200" rtl="0">
+              <a:t>Specifically focusing on mid-west area</a:t>
+            </a:r>
+          </a:p>
+          <a:p>
+            <a:pPr marL="514350" lvl="0" indent="-285750" rtl="0">
               <a:spcBef>
                 <a:spcPts val="0"/>
               </a:spcBef>
               <a:buClr>
                 <a:srgbClr val="000000"/>
               </a:buClr>
-            </a:pPr>
-            <a:r>
-              <a:rPr lang="en">
+              <a:buFont typeface="Arial" panose="020B0604020202020204" pitchFamily="34" charset="0"/>
+              <a:buChar char="•"/>
+            </a:pPr>
+            <a:r>
+              <a:rPr lang="en" sz="1600" dirty="0">
                 <a:solidFill>
                   <a:srgbClr val="000000"/>
                 </a:solidFill>
@@ -8083,16 +8676,18 @@
             </a:r>
           </a:p>
           <a:p>
-            <a:pPr indent="-228600" lvl="0" marL="457200" rtl="0">
+            <a:pPr marL="514350" lvl="0" indent="-285750" rtl="0">
               <a:spcBef>
                 <a:spcPts val="0"/>
               </a:spcBef>
               <a:buClr>
                 <a:srgbClr val="000000"/>
               </a:buClr>
-            </a:pPr>
-            <a:r>
-              <a:rPr lang="en">
+              <a:buFont typeface="Arial" panose="020B0604020202020204" pitchFamily="34" charset="0"/>
+              <a:buChar char="•"/>
+            </a:pPr>
+            <a:r>
+              <a:rPr lang="en" sz="1600" dirty="0">
                 <a:solidFill>
                   <a:srgbClr val="000000"/>
                 </a:solidFill>
@@ -8101,16 +8696,13 @@
             </a:r>
           </a:p>
           <a:p>
-            <a:pPr indent="0" lvl="0" marL="457200" rtl="0">
+            <a:pPr marL="457200" lvl="0" indent="0" rtl="0">
               <a:spcBef>
                 <a:spcPts val="0"/>
               </a:spcBef>
               <a:buNone/>
             </a:pPr>
-            <a:r>
-              <a:t/>
-            </a:r>
-            <a:endParaRPr/>
+            <a:endParaRPr dirty="0"/>
           </a:p>
         </p:txBody>
       </p:sp>
@@ -8123,11 +8715,11 @@
 </file>
 
 <file path=ppt/slides/slide3.xml><?xml version="1.0" encoding="utf-8"?>
-<p:sld xmlns:a="http://schemas.openxmlformats.org/drawingml/2006/main" xmlns:r="http://schemas.openxmlformats.org/officeDocument/2006/relationships" xmlns:mc="http://schemas.openxmlformats.org/markup-compatibility/2006" xmlns:mv="urn:schemas-microsoft-com:mac:vml" xmlns:p="http://schemas.openxmlformats.org/presentationml/2006/main" xmlns:c="http://schemas.openxmlformats.org/drawingml/2006/chart" xmlns:dgm="http://schemas.openxmlformats.org/drawingml/2006/diagram" xmlns:o="urn:schemas-microsoft-com:office:office" xmlns:v="urn:schemas-microsoft-com:vml" xmlns:pvml="urn:schemas-microsoft-com:office:powerpoint" xmlns:com="http://schemas.openxmlformats.org/drawingml/2006/compatibility" xmlns:p14="http://schemas.microsoft.com/office/powerpoint/2010/main">
+<p:sld xmlns:a="http://schemas.openxmlformats.org/drawingml/2006/main" xmlns:r="http://schemas.openxmlformats.org/officeDocument/2006/relationships" xmlns:p="http://schemas.openxmlformats.org/presentationml/2006/main">
   <p:cSld>
     <p:spTree>
       <p:nvGrpSpPr>
-        <p:cNvPr id="77" name="Shape 77"/>
+        <p:cNvPr id="1" name="Shape 77"/>
         <p:cNvGrpSpPr/>
         <p:nvPr/>
       </p:nvGrpSpPr>
@@ -8142,7 +8734,9 @@
       <p:sp>
         <p:nvSpPr>
           <p:cNvPr id="78" name="Shape 78"/>
-          <p:cNvSpPr txBox="1"/>
+          <p:cNvSpPr txBox="1">
+            <a:spLocks noGrp="1"/>
+          </p:cNvSpPr>
           <p:nvPr>
             <p:ph type="title"/>
           </p:nvPr>
@@ -8157,7 +8751,7 @@
           </a:prstGeom>
         </p:spPr>
         <p:txBody>
-          <a:bodyPr anchorCtr="0" anchor="t" bIns="91425" lIns="91425" rIns="91425" tIns="91425">
+          <a:bodyPr lIns="91425" tIns="91425" rIns="91425" bIns="91425" anchor="t" anchorCtr="0">
             <a:noAutofit/>
           </a:bodyPr>
           <a:lstStyle/>
@@ -8178,9 +8772,11 @@
       <p:sp>
         <p:nvSpPr>
           <p:cNvPr id="79" name="Shape 79"/>
-          <p:cNvSpPr txBox="1"/>
+          <p:cNvSpPr txBox="1">
+            <a:spLocks noGrp="1"/>
+          </p:cNvSpPr>
           <p:nvPr>
-            <p:ph idx="1" type="body"/>
+            <p:ph type="body" idx="1"/>
           </p:nvPr>
         </p:nvSpPr>
         <p:spPr>
@@ -8193,24 +8789,29 @@
           </a:prstGeom>
         </p:spPr>
         <p:txBody>
-          <a:bodyPr anchorCtr="0" anchor="t" bIns="91425" lIns="91425" rIns="91425" tIns="91425">
+          <a:bodyPr lIns="91425" tIns="91425" rIns="91425" bIns="91425" anchor="t" anchorCtr="0">
             <a:noAutofit/>
           </a:bodyPr>
           <a:lstStyle/>
           <a:p>
-            <a:pPr indent="-228600" lvl="0" marL="457200" rtl="0">
+            <a:pPr marL="457200" lvl="0" indent="-228600" rtl="0">
               <a:lnSpc>
-                <a:spcPct val="150000"/>
+                <a:spcPct val="100000"/>
               </a:lnSpc>
               <a:spcBef>
                 <a:spcPts val="0"/>
               </a:spcBef>
+              <a:spcAft>
+                <a:spcPts val="1200"/>
+              </a:spcAft>
               <a:buClr>
                 <a:srgbClr val="000000"/>
               </a:buClr>
-            </a:pPr>
-            <a:r>
-              <a:rPr lang="en">
+              <a:buFont typeface="Arial" panose="020B0604020202020204" pitchFamily="34" charset="0"/>
+              <a:buChar char="•"/>
+            </a:pPr>
+            <a:r>
+              <a:rPr lang="en" sz="1400" dirty="0">
                 <a:solidFill>
                   <a:srgbClr val="000000"/>
                 </a:solidFill>
@@ -8219,19 +8820,24 @@
             </a:r>
           </a:p>
           <a:p>
-            <a:pPr indent="-228600" lvl="0" marL="457200" rtl="0">
+            <a:pPr marL="457200" lvl="0" indent="-228600" rtl="0">
               <a:lnSpc>
-                <a:spcPct val="150000"/>
+                <a:spcPct val="100000"/>
               </a:lnSpc>
               <a:spcBef>
                 <a:spcPts val="0"/>
               </a:spcBef>
+              <a:spcAft>
+                <a:spcPts val="1200"/>
+              </a:spcAft>
               <a:buClr>
                 <a:srgbClr val="000000"/>
               </a:buClr>
-            </a:pPr>
-            <a:r>
-              <a:rPr lang="en">
+              <a:buFont typeface="Arial" panose="020B0604020202020204" pitchFamily="34" charset="0"/>
+              <a:buChar char="•"/>
+            </a:pPr>
+            <a:r>
+              <a:rPr lang="en" sz="1400" dirty="0">
                 <a:solidFill>
                   <a:srgbClr val="000000"/>
                 </a:solidFill>
@@ -8240,19 +8846,24 @@
             </a:r>
           </a:p>
           <a:p>
-            <a:pPr indent="-228600" lvl="1" marL="914400" rtl="0">
+            <a:pPr marL="914400" lvl="1" indent="-228600" rtl="0">
               <a:lnSpc>
-                <a:spcPct val="150000"/>
+                <a:spcPct val="100000"/>
               </a:lnSpc>
               <a:spcBef>
                 <a:spcPts val="0"/>
               </a:spcBef>
+              <a:spcAft>
+                <a:spcPts val="1200"/>
+              </a:spcAft>
               <a:buClr>
                 <a:srgbClr val="000000"/>
               </a:buClr>
-            </a:pPr>
-            <a:r>
-              <a:rPr lang="en">
+              <a:buFont typeface="Wingdings" panose="05000000000000000000" pitchFamily="2" charset="2"/>
+              <a:buChar char="§"/>
+            </a:pPr>
+            <a:r>
+              <a:rPr lang="en" sz="1100" dirty="0">
                 <a:solidFill>
                   <a:srgbClr val="000000"/>
                 </a:solidFill>
@@ -8261,19 +8872,24 @@
             </a:r>
           </a:p>
           <a:p>
-            <a:pPr indent="-228600" lvl="0" marL="457200" rtl="0">
+            <a:pPr marL="457200" lvl="0" indent="-228600" rtl="0">
               <a:lnSpc>
-                <a:spcPct val="150000"/>
+                <a:spcPct val="100000"/>
               </a:lnSpc>
               <a:spcBef>
                 <a:spcPts val="0"/>
               </a:spcBef>
+              <a:spcAft>
+                <a:spcPts val="1200"/>
+              </a:spcAft>
               <a:buClr>
                 <a:srgbClr val="000000"/>
               </a:buClr>
-            </a:pPr>
-            <a:r>
-              <a:rPr lang="en">
+              <a:buFont typeface="Arial" panose="020B0604020202020204" pitchFamily="34" charset="0"/>
+              <a:buChar char="•"/>
+            </a:pPr>
+            <a:r>
+              <a:rPr lang="en" sz="1400" dirty="0">
                 <a:solidFill>
                   <a:srgbClr val="000000"/>
                 </a:solidFill>
@@ -8282,19 +8898,24 @@
             </a:r>
           </a:p>
           <a:p>
-            <a:pPr indent="-228600" lvl="1" marL="914400" rtl="0">
+            <a:pPr marL="914400" lvl="1" indent="-228600" rtl="0">
               <a:lnSpc>
-                <a:spcPct val="150000"/>
+                <a:spcPct val="100000"/>
               </a:lnSpc>
               <a:spcBef>
                 <a:spcPts val="0"/>
               </a:spcBef>
+              <a:spcAft>
+                <a:spcPts val="1200"/>
+              </a:spcAft>
               <a:buClr>
                 <a:srgbClr val="000000"/>
               </a:buClr>
-            </a:pPr>
-            <a:r>
-              <a:rPr lang="en">
+              <a:buFont typeface="Wingdings" panose="05000000000000000000" pitchFamily="2" charset="2"/>
+              <a:buChar char="§"/>
+            </a:pPr>
+            <a:r>
+              <a:rPr lang="en" sz="1100" dirty="0">
                 <a:solidFill>
                   <a:srgbClr val="000000"/>
                 </a:solidFill>
@@ -8303,19 +8924,24 @@
             </a:r>
           </a:p>
           <a:p>
-            <a:pPr indent="-228600" lvl="0" marL="457200" rtl="0">
+            <a:pPr marL="457200" lvl="0" indent="-228600" rtl="0">
               <a:lnSpc>
-                <a:spcPct val="150000"/>
+                <a:spcPct val="100000"/>
               </a:lnSpc>
               <a:spcBef>
                 <a:spcPts val="0"/>
               </a:spcBef>
+              <a:spcAft>
+                <a:spcPts val="1200"/>
+              </a:spcAft>
               <a:buClr>
                 <a:srgbClr val="000000"/>
               </a:buClr>
-            </a:pPr>
-            <a:r>
-              <a:rPr lang="en">
+              <a:buFont typeface="Arial" panose="020B0604020202020204" pitchFamily="34" charset="0"/>
+              <a:buChar char="•"/>
+            </a:pPr>
+            <a:r>
+              <a:rPr lang="en" sz="1400" dirty="0">
                 <a:solidFill>
                   <a:srgbClr val="000000"/>
                 </a:solidFill>
@@ -8324,19 +8950,24 @@
             </a:r>
           </a:p>
           <a:p>
-            <a:pPr indent="-228600" lvl="1" marL="914400" rtl="0">
+            <a:pPr marL="914400" lvl="1" indent="-228600" rtl="0">
               <a:lnSpc>
-                <a:spcPct val="150000"/>
+                <a:spcPct val="100000"/>
               </a:lnSpc>
               <a:spcBef>
                 <a:spcPts val="0"/>
               </a:spcBef>
+              <a:spcAft>
+                <a:spcPts val="1200"/>
+              </a:spcAft>
               <a:buClr>
                 <a:srgbClr val="000000"/>
               </a:buClr>
-            </a:pPr>
-            <a:r>
-              <a:rPr lang="en">
+              <a:buFont typeface="Wingdings" panose="05000000000000000000" pitchFamily="2" charset="2"/>
+              <a:buChar char="§"/>
+            </a:pPr>
+            <a:r>
+              <a:rPr lang="en" sz="1100" dirty="0">
                 <a:solidFill>
                   <a:srgbClr val="000000"/>
                 </a:solidFill>
@@ -8345,19 +8976,24 @@
             </a:r>
           </a:p>
           <a:p>
-            <a:pPr indent="-228600" lvl="0" marL="457200" rtl="0">
+            <a:pPr marL="457200" lvl="0" indent="-228600" rtl="0">
               <a:lnSpc>
-                <a:spcPct val="150000"/>
+                <a:spcPct val="100000"/>
               </a:lnSpc>
               <a:spcBef>
                 <a:spcPts val="0"/>
               </a:spcBef>
+              <a:spcAft>
+                <a:spcPts val="1200"/>
+              </a:spcAft>
               <a:buClr>
                 <a:srgbClr val="000000"/>
               </a:buClr>
-            </a:pPr>
-            <a:r>
-              <a:rPr lang="en">
+              <a:buFont typeface="Arial" panose="020B0604020202020204" pitchFamily="34" charset="0"/>
+              <a:buChar char="•"/>
+            </a:pPr>
+            <a:r>
+              <a:rPr lang="en" sz="1400" dirty="0">
                 <a:solidFill>
                   <a:srgbClr val="000000"/>
                 </a:solidFill>
@@ -8366,19 +9002,24 @@
             </a:r>
           </a:p>
           <a:p>
-            <a:pPr indent="-228600" lvl="1" marL="914400" rtl="0">
+            <a:pPr marL="914400" lvl="1" indent="-228600" rtl="0">
               <a:lnSpc>
-                <a:spcPct val="150000"/>
+                <a:spcPct val="100000"/>
               </a:lnSpc>
               <a:spcBef>
                 <a:spcPts val="0"/>
               </a:spcBef>
+              <a:spcAft>
+                <a:spcPts val="1200"/>
+              </a:spcAft>
               <a:buClr>
                 <a:srgbClr val="000000"/>
               </a:buClr>
-            </a:pPr>
-            <a:r>
-              <a:rPr lang="en">
+              <a:buFont typeface="Wingdings" panose="05000000000000000000" pitchFamily="2" charset="2"/>
+              <a:buChar char="§"/>
+            </a:pPr>
+            <a:r>
+              <a:rPr lang="en" sz="1100" dirty="0">
                 <a:solidFill>
                   <a:srgbClr val="000000"/>
                 </a:solidFill>
@@ -8397,11 +9038,11 @@
 </file>
 
 <file path=ppt/slides/slide4.xml><?xml version="1.0" encoding="utf-8"?>
-<p:sld xmlns:a="http://schemas.openxmlformats.org/drawingml/2006/main" xmlns:r="http://schemas.openxmlformats.org/officeDocument/2006/relationships" xmlns:mc="http://schemas.openxmlformats.org/markup-compatibility/2006" xmlns:mv="urn:schemas-microsoft-com:mac:vml" xmlns:p="http://schemas.openxmlformats.org/presentationml/2006/main" xmlns:c="http://schemas.openxmlformats.org/drawingml/2006/chart" xmlns:dgm="http://schemas.openxmlformats.org/drawingml/2006/diagram" xmlns:o="urn:schemas-microsoft-com:office:office" xmlns:v="urn:schemas-microsoft-com:vml" xmlns:pvml="urn:schemas-microsoft-com:office:powerpoint" xmlns:com="http://schemas.openxmlformats.org/drawingml/2006/compatibility" xmlns:p14="http://schemas.microsoft.com/office/powerpoint/2010/main">
+<p:sld xmlns:a="http://schemas.openxmlformats.org/drawingml/2006/main" xmlns:r="http://schemas.openxmlformats.org/officeDocument/2006/relationships" xmlns:p="http://schemas.openxmlformats.org/presentationml/2006/main">
   <p:cSld>
     <p:spTree>
       <p:nvGrpSpPr>
-        <p:cNvPr id="83" name="Shape 83"/>
+        <p:cNvPr id="1" name="Shape 83"/>
         <p:cNvGrpSpPr/>
         <p:nvPr/>
       </p:nvGrpSpPr>
@@ -8416,7 +9057,9 @@
       <p:sp>
         <p:nvSpPr>
           <p:cNvPr id="84" name="Shape 84"/>
-          <p:cNvSpPr txBox="1"/>
+          <p:cNvSpPr txBox="1">
+            <a:spLocks noGrp="1"/>
+          </p:cNvSpPr>
           <p:nvPr>
             <p:ph type="title"/>
           </p:nvPr>
@@ -8431,7 +9074,7 @@
           </a:prstGeom>
         </p:spPr>
         <p:txBody>
-          <a:bodyPr anchorCtr="0" anchor="t" bIns="91425" lIns="91425" rIns="91425" tIns="91425">
+          <a:bodyPr lIns="91425" tIns="91425" rIns="91425" bIns="91425" anchor="t" anchorCtr="0">
             <a:noAutofit/>
           </a:bodyPr>
           <a:lstStyle/>
@@ -8452,9 +9095,11 @@
       <p:sp>
         <p:nvSpPr>
           <p:cNvPr id="85" name="Shape 85"/>
-          <p:cNvSpPr txBox="1"/>
+          <p:cNvSpPr txBox="1">
+            <a:spLocks noGrp="1"/>
+          </p:cNvSpPr>
           <p:nvPr>
-            <p:ph idx="1" type="body"/>
+            <p:ph type="body" idx="1"/>
           </p:nvPr>
         </p:nvSpPr>
         <p:spPr>
@@ -8467,14 +9112,14 @@
           </a:prstGeom>
         </p:spPr>
         <p:txBody>
-          <a:bodyPr anchorCtr="0" anchor="t" bIns="91425" lIns="91425" rIns="91425" tIns="91425">
+          <a:bodyPr lIns="91425" tIns="91425" rIns="91425" bIns="91425" anchor="t" anchorCtr="0">
             <a:noAutofit/>
           </a:bodyPr>
           <a:lstStyle/>
           <a:p>
-            <a:pPr indent="-228600" lvl="0" marL="457200" rtl="0">
+            <a:pPr marL="514350" lvl="0" indent="-285750" rtl="0">
               <a:lnSpc>
-                <a:spcPct val="150000"/>
+                <a:spcPct val="100000"/>
               </a:lnSpc>
               <a:spcBef>
                 <a:spcPts val="0"/>
@@ -8482,9 +9127,11 @@
               <a:buClr>
                 <a:srgbClr val="000000"/>
               </a:buClr>
-            </a:pPr>
-            <a:r>
-              <a:rPr lang="en">
+              <a:buFont typeface="Arial" panose="020B0604020202020204" pitchFamily="34" charset="0"/>
+              <a:buChar char="•"/>
+            </a:pPr>
+            <a:r>
+              <a:rPr lang="en" sz="1600" dirty="0">
                 <a:solidFill>
                   <a:srgbClr val="000000"/>
                 </a:solidFill>
@@ -8493,9 +9140,9 @@
             </a:r>
           </a:p>
           <a:p>
-            <a:pPr indent="-228600" lvl="0" marL="457200" rtl="0">
+            <a:pPr marL="514350" lvl="0" indent="-285750" rtl="0">
               <a:lnSpc>
-                <a:spcPct val="150000"/>
+                <a:spcPct val="100000"/>
               </a:lnSpc>
               <a:spcBef>
                 <a:spcPts val="0"/>
@@ -8503,9 +9150,11 @@
               <a:buClr>
                 <a:srgbClr val="000000"/>
               </a:buClr>
-            </a:pPr>
-            <a:r>
-              <a:rPr lang="en">
+              <a:buFont typeface="Arial" panose="020B0604020202020204" pitchFamily="34" charset="0"/>
+              <a:buChar char="•"/>
+            </a:pPr>
+            <a:r>
+              <a:rPr lang="en" sz="1600" dirty="0">
                 <a:solidFill>
                   <a:srgbClr val="000000"/>
                 </a:solidFill>
@@ -8514,9 +9163,9 @@
             </a:r>
           </a:p>
           <a:p>
-            <a:pPr indent="-228600" lvl="0" marL="457200" rtl="0">
+            <a:pPr marL="514350" lvl="0" indent="-285750" rtl="0">
               <a:lnSpc>
-                <a:spcPct val="150000"/>
+                <a:spcPct val="100000"/>
               </a:lnSpc>
               <a:spcBef>
                 <a:spcPts val="0"/>
@@ -8524,44 +9173,22 @@
               <a:buClr>
                 <a:srgbClr val="000000"/>
               </a:buClr>
-            </a:pPr>
-            <a:r>
-              <a:rPr lang="en">
+              <a:buFont typeface="Arial" panose="020B0604020202020204" pitchFamily="34" charset="0"/>
+              <a:buChar char="•"/>
+            </a:pPr>
+            <a:r>
+              <a:rPr lang="en" sz="1600" dirty="0">
                 <a:solidFill>
                   <a:srgbClr val="000000"/>
                 </a:solidFill>
               </a:rPr>
-              <a:t>Scientists have found that the </a:t>
-            </a:r>
-            <a:r>
-              <a:rPr lang="en">
-                <a:solidFill>
-                  <a:srgbClr val="000000"/>
-                </a:solidFill>
-              </a:rPr>
-              <a:t>increase in </a:t>
-            </a:r>
-            <a:r>
-              <a:rPr lang="en">
-                <a:solidFill>
-                  <a:srgbClr val="000000"/>
-                </a:solidFill>
-              </a:rPr>
-              <a:t>earthquake</a:t>
-            </a:r>
-            <a:r>
-              <a:rPr lang="en">
-                <a:solidFill>
-                  <a:srgbClr val="000000"/>
-                </a:solidFill>
-              </a:rPr>
-              <a:t>s is linked to fluid injection wells </a:t>
-            </a:r>
-          </a:p>
-          <a:p>
-            <a:pPr indent="-228600" lvl="1" marL="914400" rtl="0">
+              <a:t>Scientists have found that the increase in earthquakes is linked to fluid injection wells </a:t>
+            </a:r>
+          </a:p>
+          <a:p>
+            <a:pPr marL="971550" lvl="1" indent="-285750" rtl="0">
               <a:lnSpc>
-                <a:spcPct val="150000"/>
+                <a:spcPct val="100000"/>
               </a:lnSpc>
               <a:spcBef>
                 <a:spcPts val="0"/>
@@ -8569,9 +9196,11 @@
               <a:buClr>
                 <a:srgbClr val="000000"/>
               </a:buClr>
-            </a:pPr>
-            <a:r>
-              <a:rPr lang="en">
+              <a:buFont typeface="Arial" panose="020B0604020202020204" pitchFamily="34" charset="0"/>
+              <a:buChar char="•"/>
+            </a:pPr>
+            <a:r>
+              <a:rPr lang="en" sz="1200" dirty="0">
                 <a:solidFill>
                   <a:srgbClr val="000000"/>
                 </a:solidFill>
@@ -8586,10 +9215,7 @@
               </a:spcBef>
               <a:buNone/>
             </a:pPr>
-            <a:r>
-              <a:t/>
-            </a:r>
-            <a:endParaRPr>
+            <a:endParaRPr dirty="0">
               <a:solidFill>
                 <a:srgbClr val="000000"/>
               </a:solidFill>
@@ -8606,11 +9232,11 @@
 </file>
 
 <file path=ppt/slides/slide5.xml><?xml version="1.0" encoding="utf-8"?>
-<p:sld xmlns:a="http://schemas.openxmlformats.org/drawingml/2006/main" xmlns:r="http://schemas.openxmlformats.org/officeDocument/2006/relationships" xmlns:mc="http://schemas.openxmlformats.org/markup-compatibility/2006" xmlns:mv="urn:schemas-microsoft-com:mac:vml" xmlns:p="http://schemas.openxmlformats.org/presentationml/2006/main" xmlns:c="http://schemas.openxmlformats.org/drawingml/2006/chart" xmlns:dgm="http://schemas.openxmlformats.org/drawingml/2006/diagram" xmlns:o="urn:schemas-microsoft-com:office:office" xmlns:v="urn:schemas-microsoft-com:vml" xmlns:pvml="urn:schemas-microsoft-com:office:powerpoint" xmlns:com="http://schemas.openxmlformats.org/drawingml/2006/compatibility" xmlns:p14="http://schemas.microsoft.com/office/powerpoint/2010/main">
+<p:sld xmlns:a="http://schemas.openxmlformats.org/drawingml/2006/main" xmlns:r="http://schemas.openxmlformats.org/officeDocument/2006/relationships" xmlns:p="http://schemas.openxmlformats.org/presentationml/2006/main">
   <p:cSld>
     <p:spTree>
       <p:nvGrpSpPr>
-        <p:cNvPr id="89" name="Shape 89"/>
+        <p:cNvPr id="1" name="Shape 89"/>
         <p:cNvGrpSpPr/>
         <p:nvPr/>
       </p:nvGrpSpPr>
@@ -8625,7 +9251,9 @@
       <p:sp>
         <p:nvSpPr>
           <p:cNvPr id="90" name="Shape 90"/>
-          <p:cNvSpPr txBox="1"/>
+          <p:cNvSpPr txBox="1">
+            <a:spLocks noGrp="1"/>
+          </p:cNvSpPr>
           <p:nvPr>
             <p:ph type="title"/>
           </p:nvPr>
@@ -8640,7 +9268,7 @@
           </a:prstGeom>
         </p:spPr>
         <p:txBody>
-          <a:bodyPr anchorCtr="0" anchor="t" bIns="91425" lIns="91425" rIns="91425" tIns="91425">
+          <a:bodyPr lIns="91425" tIns="91425" rIns="91425" bIns="91425" anchor="t" anchorCtr="0">
             <a:noAutofit/>
           </a:bodyPr>
           <a:lstStyle/>
@@ -8661,9 +9289,11 @@
       <p:sp>
         <p:nvSpPr>
           <p:cNvPr id="91" name="Shape 91"/>
-          <p:cNvSpPr txBox="1"/>
+          <p:cNvSpPr txBox="1">
+            <a:spLocks noGrp="1"/>
+          </p:cNvSpPr>
           <p:nvPr>
-            <p:ph idx="1" type="body"/>
+            <p:ph type="body" idx="1"/>
           </p:nvPr>
         </p:nvSpPr>
         <p:spPr>
@@ -8676,12 +9306,12 @@
           </a:prstGeom>
         </p:spPr>
         <p:txBody>
-          <a:bodyPr anchorCtr="0" anchor="t" bIns="91425" lIns="91425" rIns="91425" tIns="91425">
+          <a:bodyPr lIns="91425" tIns="91425" rIns="91425" bIns="91425" anchor="t" anchorCtr="0">
             <a:noAutofit/>
           </a:bodyPr>
           <a:lstStyle/>
           <a:p>
-            <a:pPr indent="-228600" lvl="0" marL="457200" rtl="0">
+            <a:pPr marL="514350" lvl="0" indent="-285750" rtl="0">
               <a:lnSpc>
                 <a:spcPct val="150000"/>
               </a:lnSpc>
@@ -8691,9 +9321,11 @@
               <a:buClr>
                 <a:srgbClr val="000000"/>
               </a:buClr>
-            </a:pPr>
-            <a:r>
-              <a:rPr lang="en">
+              <a:buFont typeface="Arial" panose="020B0604020202020204" pitchFamily="34" charset="0"/>
+              <a:buChar char="•"/>
+            </a:pPr>
+            <a:r>
+              <a:rPr lang="en" sz="1600" dirty="0">
                 <a:solidFill>
                   <a:srgbClr val="000000"/>
                 </a:solidFill>
@@ -8702,7 +9334,7 @@
             </a:r>
           </a:p>
           <a:p>
-            <a:pPr indent="-228600" lvl="0" marL="457200" rtl="0">
+            <a:pPr marL="514350" lvl="0" indent="-285750" rtl="0">
               <a:lnSpc>
                 <a:spcPct val="150000"/>
               </a:lnSpc>
@@ -8712,9 +9344,11 @@
               <a:buClr>
                 <a:srgbClr val="000000"/>
               </a:buClr>
-            </a:pPr>
-            <a:r>
-              <a:rPr lang="en">
+              <a:buFont typeface="Arial" panose="020B0604020202020204" pitchFamily="34" charset="0"/>
+              <a:buChar char="•"/>
+            </a:pPr>
+            <a:r>
+              <a:rPr lang="en" sz="1600" dirty="0">
                 <a:solidFill>
                   <a:srgbClr val="000000"/>
                 </a:solidFill>
@@ -8723,7 +9357,7 @@
             </a:r>
           </a:p>
           <a:p>
-            <a:pPr indent="-228600" lvl="0" marL="457200" rtl="0">
+            <a:pPr marL="514350" lvl="0" indent="-285750" rtl="0">
               <a:lnSpc>
                 <a:spcPct val="150000"/>
               </a:lnSpc>
@@ -8733,9 +9367,11 @@
               <a:buClr>
                 <a:srgbClr val="000000"/>
               </a:buClr>
-            </a:pPr>
-            <a:r>
-              <a:rPr lang="en">
+              <a:buFont typeface="Arial" panose="020B0604020202020204" pitchFamily="34" charset="0"/>
+              <a:buChar char="•"/>
+            </a:pPr>
+            <a:r>
+              <a:rPr lang="en" sz="1600" dirty="0">
                 <a:solidFill>
                   <a:srgbClr val="000000"/>
                 </a:solidFill>
@@ -8744,7 +9380,7 @@
             </a:r>
           </a:p>
           <a:p>
-            <a:pPr indent="-228600" lvl="0" marL="457200">
+            <a:pPr marL="514350" lvl="0" indent="-285750">
               <a:lnSpc>
                 <a:spcPct val="150000"/>
               </a:lnSpc>
@@ -8754,9 +9390,11 @@
               <a:buClr>
                 <a:srgbClr val="000000"/>
               </a:buClr>
-            </a:pPr>
-            <a:r>
-              <a:rPr lang="en">
+              <a:buFont typeface="Arial" panose="020B0604020202020204" pitchFamily="34" charset="0"/>
+              <a:buChar char="•"/>
+            </a:pPr>
+            <a:r>
+              <a:rPr lang="en" sz="1600" dirty="0">
                 <a:solidFill>
                   <a:srgbClr val="000000"/>
                 </a:solidFill>
@@ -8782,8 +9420,8 @@
         </p:blipFill>
         <p:spPr>
           <a:xfrm>
-            <a:off x="6070187" y="0"/>
-            <a:ext cx="3013125" cy="5143498"/>
+            <a:off x="6070187" y="233606"/>
+            <a:ext cx="3013125" cy="4772233"/>
           </a:xfrm>
           <a:prstGeom prst="rect">
             <a:avLst/>
@@ -8803,11 +9441,11 @@
 </file>
 
 <file path=ppt/slides/slide6.xml><?xml version="1.0" encoding="utf-8"?>
-<p:sld xmlns:a="http://schemas.openxmlformats.org/drawingml/2006/main" xmlns:r="http://schemas.openxmlformats.org/officeDocument/2006/relationships" xmlns:mc="http://schemas.openxmlformats.org/markup-compatibility/2006" xmlns:mv="urn:schemas-microsoft-com:mac:vml" xmlns:p="http://schemas.openxmlformats.org/presentationml/2006/main" xmlns:c="http://schemas.openxmlformats.org/drawingml/2006/chart" xmlns:dgm="http://schemas.openxmlformats.org/drawingml/2006/diagram" xmlns:o="urn:schemas-microsoft-com:office:office" xmlns:v="urn:schemas-microsoft-com:vml" xmlns:pvml="urn:schemas-microsoft-com:office:powerpoint" xmlns:com="http://schemas.openxmlformats.org/drawingml/2006/compatibility" xmlns:p14="http://schemas.microsoft.com/office/powerpoint/2010/main">
+<p:sld xmlns:a="http://schemas.openxmlformats.org/drawingml/2006/main" xmlns:r="http://schemas.openxmlformats.org/officeDocument/2006/relationships" xmlns:p="http://schemas.openxmlformats.org/presentationml/2006/main">
   <p:cSld>
     <p:spTree>
       <p:nvGrpSpPr>
-        <p:cNvPr id="96" name="Shape 96"/>
+        <p:cNvPr id="1" name="Shape 96"/>
         <p:cNvGrpSpPr/>
         <p:nvPr/>
       </p:nvGrpSpPr>
@@ -8822,7 +9460,9 @@
       <p:sp>
         <p:nvSpPr>
           <p:cNvPr id="97" name="Shape 97"/>
-          <p:cNvSpPr txBox="1"/>
+          <p:cNvSpPr txBox="1">
+            <a:spLocks noGrp="1"/>
+          </p:cNvSpPr>
           <p:nvPr>
             <p:ph type="title"/>
           </p:nvPr>
@@ -8837,7 +9477,7 @@
           </a:prstGeom>
         </p:spPr>
         <p:txBody>
-          <a:bodyPr anchorCtr="0" anchor="t" bIns="91425" lIns="91425" rIns="91425" tIns="91425">
+          <a:bodyPr lIns="91425" tIns="91425" rIns="91425" bIns="91425" anchor="t" anchorCtr="0">
             <a:noAutofit/>
           </a:bodyPr>
           <a:lstStyle/>
@@ -8858,9 +9498,11 @@
       <p:sp>
         <p:nvSpPr>
           <p:cNvPr id="98" name="Shape 98"/>
-          <p:cNvSpPr txBox="1"/>
+          <p:cNvSpPr txBox="1">
+            <a:spLocks noGrp="1"/>
+          </p:cNvSpPr>
           <p:nvPr>
-            <p:ph idx="1" type="body"/>
+            <p:ph type="body" idx="1"/>
           </p:nvPr>
         </p:nvSpPr>
         <p:spPr>
@@ -8873,12 +9515,12 @@
           </a:prstGeom>
         </p:spPr>
         <p:txBody>
-          <a:bodyPr anchorCtr="0" anchor="t" bIns="91425" lIns="91425" rIns="91425" tIns="91425">
+          <a:bodyPr lIns="91425" tIns="91425" rIns="91425" bIns="91425" anchor="t" anchorCtr="0">
             <a:noAutofit/>
           </a:bodyPr>
           <a:lstStyle/>
           <a:p>
-            <a:pPr indent="-228600" lvl="0" marL="457200" rtl="0">
+            <a:pPr marL="514350" lvl="0" indent="-285750" rtl="0">
               <a:lnSpc>
                 <a:spcPct val="150000"/>
               </a:lnSpc>
@@ -8888,9 +9530,11 @@
               <a:buClr>
                 <a:srgbClr val="000000"/>
               </a:buClr>
-            </a:pPr>
-            <a:r>
-              <a:rPr lang="en">
+              <a:buFont typeface="Arial" panose="020B0604020202020204" pitchFamily="34" charset="0"/>
+              <a:buChar char="•"/>
+            </a:pPr>
+            <a:r>
+              <a:rPr lang="en" dirty="0">
                 <a:solidFill>
                   <a:srgbClr val="000000"/>
                 </a:solidFill>
@@ -8899,7 +9543,7 @@
             </a:r>
           </a:p>
           <a:p>
-            <a:pPr indent="-228600" lvl="1" marL="914400" rtl="0">
+            <a:pPr marL="971550" lvl="1" indent="-285750" rtl="0">
               <a:lnSpc>
                 <a:spcPct val="150000"/>
               </a:lnSpc>
@@ -8909,9 +9553,11 @@
               <a:buClr>
                 <a:srgbClr val="000000"/>
               </a:buClr>
-            </a:pPr>
-            <a:r>
-              <a:rPr lang="en">
+              <a:buFont typeface="Wingdings" panose="05000000000000000000" pitchFamily="2" charset="2"/>
+              <a:buChar char="§"/>
+            </a:pPr>
+            <a:r>
+              <a:rPr lang="en" dirty="0">
                 <a:solidFill>
                   <a:srgbClr val="000000"/>
                 </a:solidFill>
@@ -8920,7 +9566,7 @@
             </a:r>
           </a:p>
           <a:p>
-            <a:pPr indent="-228600" lvl="0" marL="457200" rtl="0">
+            <a:pPr marL="514350" lvl="0" indent="-285750" rtl="0">
               <a:lnSpc>
                 <a:spcPct val="150000"/>
               </a:lnSpc>
@@ -8930,9 +9576,11 @@
               <a:buClr>
                 <a:srgbClr val="000000"/>
               </a:buClr>
-            </a:pPr>
-            <a:r>
-              <a:rPr lang="en">
+              <a:buFont typeface="Arial" panose="020B0604020202020204" pitchFamily="34" charset="0"/>
+              <a:buChar char="•"/>
+            </a:pPr>
+            <a:r>
+              <a:rPr lang="en" dirty="0">
                 <a:solidFill>
                   <a:srgbClr val="000000"/>
                 </a:solidFill>
@@ -8951,11 +9599,11 @@
 </file>
 
 <file path=ppt/slides/slide7.xml><?xml version="1.0" encoding="utf-8"?>
-<p:sld xmlns:a="http://schemas.openxmlformats.org/drawingml/2006/main" xmlns:r="http://schemas.openxmlformats.org/officeDocument/2006/relationships" xmlns:mc="http://schemas.openxmlformats.org/markup-compatibility/2006" xmlns:mv="urn:schemas-microsoft-com:mac:vml" xmlns:p="http://schemas.openxmlformats.org/presentationml/2006/main" xmlns:c="http://schemas.openxmlformats.org/drawingml/2006/chart" xmlns:dgm="http://schemas.openxmlformats.org/drawingml/2006/diagram" xmlns:o="urn:schemas-microsoft-com:office:office" xmlns:v="urn:schemas-microsoft-com:vml" xmlns:pvml="urn:schemas-microsoft-com:office:powerpoint" xmlns:com="http://schemas.openxmlformats.org/drawingml/2006/compatibility" xmlns:p14="http://schemas.microsoft.com/office/powerpoint/2010/main">
+<p:sld xmlns:a="http://schemas.openxmlformats.org/drawingml/2006/main" xmlns:r="http://schemas.openxmlformats.org/officeDocument/2006/relationships" xmlns:p="http://schemas.openxmlformats.org/presentationml/2006/main">
   <p:cSld>
     <p:spTree>
       <p:nvGrpSpPr>
-        <p:cNvPr id="102" name="Shape 102"/>
+        <p:cNvPr id="1" name="Shape 102"/>
         <p:cNvGrpSpPr/>
         <p:nvPr/>
       </p:nvGrpSpPr>
@@ -8970,7 +9618,9 @@
       <p:sp>
         <p:nvSpPr>
           <p:cNvPr id="103" name="Shape 103"/>
-          <p:cNvSpPr txBox="1"/>
+          <p:cNvSpPr txBox="1">
+            <a:spLocks noGrp="1"/>
+          </p:cNvSpPr>
           <p:nvPr>
             <p:ph type="title"/>
           </p:nvPr>
@@ -8985,7 +9635,7 @@
           </a:prstGeom>
         </p:spPr>
         <p:txBody>
-          <a:bodyPr anchorCtr="0" anchor="t" bIns="91425" lIns="91425" rIns="91425" tIns="91425">
+          <a:bodyPr lIns="91425" tIns="91425" rIns="91425" bIns="91425" anchor="t" anchorCtr="0">
             <a:noAutofit/>
           </a:bodyPr>
           <a:lstStyle/>
@@ -9006,9 +9656,11 @@
       <p:sp>
         <p:nvSpPr>
           <p:cNvPr id="104" name="Shape 104"/>
-          <p:cNvSpPr txBox="1"/>
+          <p:cNvSpPr txBox="1">
+            <a:spLocks noGrp="1"/>
+          </p:cNvSpPr>
           <p:nvPr>
-            <p:ph idx="1" type="body"/>
+            <p:ph type="body" idx="1"/>
           </p:nvPr>
         </p:nvSpPr>
         <p:spPr>
@@ -9021,14 +9673,14 @@
           </a:prstGeom>
         </p:spPr>
         <p:txBody>
-          <a:bodyPr anchorCtr="0" anchor="t" bIns="91425" lIns="91425" rIns="91425" tIns="91425">
+          <a:bodyPr lIns="91425" tIns="91425" rIns="91425" bIns="91425" anchor="t" anchorCtr="0">
             <a:noAutofit/>
           </a:bodyPr>
           <a:lstStyle/>
           <a:p>
-            <a:pPr indent="-228600" lvl="0" marL="457200" rtl="0">
+            <a:pPr marL="514350" lvl="0" indent="-285750" rtl="0">
               <a:lnSpc>
-                <a:spcPct val="150000"/>
+                <a:spcPct val="100000"/>
               </a:lnSpc>
               <a:spcBef>
                 <a:spcPts val="0"/>
@@ -9036,9 +9688,11 @@
               <a:buClr>
                 <a:srgbClr val="000000"/>
               </a:buClr>
-            </a:pPr>
-            <a:r>
-              <a:rPr lang="en">
+              <a:buFont typeface="Arial" panose="020B0604020202020204" pitchFamily="34" charset="0"/>
+              <a:buChar char="•"/>
+            </a:pPr>
+            <a:r>
+              <a:rPr lang="en" sz="1600" dirty="0">
                 <a:solidFill>
                   <a:srgbClr val="000000"/>
                 </a:solidFill>
@@ -9047,9 +9701,9 @@
             </a:r>
           </a:p>
           <a:p>
-            <a:pPr indent="-228600" lvl="0" marL="457200" rtl="0">
+            <a:pPr marL="514350" lvl="0" indent="-285750" rtl="0">
               <a:lnSpc>
-                <a:spcPct val="150000"/>
+                <a:spcPct val="100000"/>
               </a:lnSpc>
               <a:spcBef>
                 <a:spcPts val="0"/>
@@ -9057,9 +9711,11 @@
               <a:buClr>
                 <a:srgbClr val="000000"/>
               </a:buClr>
-            </a:pPr>
-            <a:r>
-              <a:rPr lang="en">
+              <a:buFont typeface="Arial" panose="020B0604020202020204" pitchFamily="34" charset="0"/>
+              <a:buChar char="•"/>
+            </a:pPr>
+            <a:r>
+              <a:rPr lang="en" sz="1600" dirty="0">
                 <a:solidFill>
                   <a:srgbClr val="000000"/>
                 </a:solidFill>
@@ -9068,9 +9724,9 @@
             </a:r>
           </a:p>
           <a:p>
-            <a:pPr indent="-228600" lvl="0" marL="457200" rtl="0">
+            <a:pPr marL="514350" lvl="0" indent="-285750" rtl="0">
               <a:lnSpc>
-                <a:spcPct val="150000"/>
+                <a:spcPct val="100000"/>
               </a:lnSpc>
               <a:spcBef>
                 <a:spcPts val="0"/>
@@ -9078,9 +9734,11 @@
               <a:buClr>
                 <a:srgbClr val="000000"/>
               </a:buClr>
-            </a:pPr>
-            <a:r>
-              <a:rPr lang="en">
+              <a:buFont typeface="Arial" panose="020B0604020202020204" pitchFamily="34" charset="0"/>
+              <a:buChar char="•"/>
+            </a:pPr>
+            <a:r>
+              <a:rPr lang="en" sz="1600" dirty="0">
                 <a:solidFill>
                   <a:srgbClr val="000000"/>
                 </a:solidFill>
@@ -9089,9 +9747,9 @@
             </a:r>
           </a:p>
           <a:p>
-            <a:pPr indent="-228600" lvl="0" marL="457200">
+            <a:pPr marL="514350" lvl="0" indent="-285750">
               <a:lnSpc>
-                <a:spcPct val="150000"/>
+                <a:spcPct val="100000"/>
               </a:lnSpc>
               <a:spcBef>
                 <a:spcPts val="0"/>
@@ -9099,9 +9757,11 @@
               <a:buClr>
                 <a:srgbClr val="000000"/>
               </a:buClr>
-            </a:pPr>
-            <a:r>
-              <a:rPr lang="en">
+              <a:buFont typeface="Arial" panose="020B0604020202020204" pitchFamily="34" charset="0"/>
+              <a:buChar char="•"/>
+            </a:pPr>
+            <a:r>
+              <a:rPr lang="en" sz="1600" dirty="0">
                 <a:solidFill>
                   <a:srgbClr val="000000"/>
                 </a:solidFill>
@@ -9120,11 +9780,11 @@
 </file>
 
 <file path=ppt/slides/slide8.xml><?xml version="1.0" encoding="utf-8"?>
-<p:sld xmlns:a="http://schemas.openxmlformats.org/drawingml/2006/main" xmlns:r="http://schemas.openxmlformats.org/officeDocument/2006/relationships" xmlns:mc="http://schemas.openxmlformats.org/markup-compatibility/2006" xmlns:mv="urn:schemas-microsoft-com:mac:vml" xmlns:p="http://schemas.openxmlformats.org/presentationml/2006/main" xmlns:c="http://schemas.openxmlformats.org/drawingml/2006/chart" xmlns:dgm="http://schemas.openxmlformats.org/drawingml/2006/diagram" xmlns:o="urn:schemas-microsoft-com:office:office" xmlns:v="urn:schemas-microsoft-com:vml" xmlns:pvml="urn:schemas-microsoft-com:office:powerpoint" xmlns:com="http://schemas.openxmlformats.org/drawingml/2006/compatibility" xmlns:p14="http://schemas.microsoft.com/office/powerpoint/2010/main">
+<p:sld xmlns:a="http://schemas.openxmlformats.org/drawingml/2006/main" xmlns:r="http://schemas.openxmlformats.org/officeDocument/2006/relationships" xmlns:p="http://schemas.openxmlformats.org/presentationml/2006/main">
   <p:cSld>
     <p:spTree>
       <p:nvGrpSpPr>
-        <p:cNvPr id="108" name="Shape 108"/>
+        <p:cNvPr id="1" name="Shape 108"/>
         <p:cNvGrpSpPr/>
         <p:nvPr/>
       </p:nvGrpSpPr>
@@ -9138,7 +9798,7 @@
       </p:grpSpPr>
       <p:pic>
         <p:nvPicPr>
-          <p:cNvPr descr="Capture.PNG" id="109" name="Shape 109"/>
+          <p:cNvPr id="109" name="Shape 109" descr="Capture.PNG"/>
           <p:cNvPicPr preferRelativeResize="0"/>
           <p:nvPr/>
         </p:nvPicPr>
@@ -9173,11 +9833,11 @@
 </file>
 
 <file path=ppt/slides/slide9.xml><?xml version="1.0" encoding="utf-8"?>
-<p:sld xmlns:a="http://schemas.openxmlformats.org/drawingml/2006/main" xmlns:r="http://schemas.openxmlformats.org/officeDocument/2006/relationships" xmlns:mc="http://schemas.openxmlformats.org/markup-compatibility/2006" xmlns:mv="urn:schemas-microsoft-com:mac:vml" xmlns:p="http://schemas.openxmlformats.org/presentationml/2006/main" xmlns:c="http://schemas.openxmlformats.org/drawingml/2006/chart" xmlns:dgm="http://schemas.openxmlformats.org/drawingml/2006/diagram" xmlns:o="urn:schemas-microsoft-com:office:office" xmlns:v="urn:schemas-microsoft-com:vml" xmlns:pvml="urn:schemas-microsoft-com:office:powerpoint" xmlns:com="http://schemas.openxmlformats.org/drawingml/2006/compatibility" xmlns:p14="http://schemas.microsoft.com/office/powerpoint/2010/main">
+<p:sld xmlns:a="http://schemas.openxmlformats.org/drawingml/2006/main" xmlns:r="http://schemas.openxmlformats.org/officeDocument/2006/relationships" xmlns:p="http://schemas.openxmlformats.org/presentationml/2006/main">
   <p:cSld>
     <p:spTree>
       <p:nvGrpSpPr>
-        <p:cNvPr id="113" name="Shape 113"/>
+        <p:cNvPr id="1" name="Shape 113"/>
         <p:cNvGrpSpPr/>
         <p:nvPr/>
       </p:nvGrpSpPr>
@@ -9192,7 +9852,9 @@
       <p:sp>
         <p:nvSpPr>
           <p:cNvPr id="114" name="Shape 114"/>
-          <p:cNvSpPr txBox="1"/>
+          <p:cNvSpPr txBox="1">
+            <a:spLocks noGrp="1"/>
+          </p:cNvSpPr>
           <p:nvPr>
             <p:ph type="title"/>
           </p:nvPr>
@@ -9207,7 +9869,7 @@
           </a:prstGeom>
         </p:spPr>
         <p:txBody>
-          <a:bodyPr anchorCtr="0" anchor="t" bIns="91425" lIns="91425" rIns="91425" tIns="91425">
+          <a:bodyPr lIns="91425" tIns="91425" rIns="91425" bIns="91425" anchor="t" anchorCtr="0">
             <a:noAutofit/>
           </a:bodyPr>
           <a:lstStyle/>
@@ -9228,9 +9890,11 @@
       <p:sp>
         <p:nvSpPr>
           <p:cNvPr id="115" name="Shape 115"/>
-          <p:cNvSpPr txBox="1"/>
+          <p:cNvSpPr txBox="1">
+            <a:spLocks noGrp="1"/>
+          </p:cNvSpPr>
           <p:nvPr>
-            <p:ph idx="1" type="body"/>
+            <p:ph type="body" idx="1"/>
           </p:nvPr>
         </p:nvSpPr>
         <p:spPr>
@@ -9243,21 +9907,23 @@
           </a:prstGeom>
         </p:spPr>
         <p:txBody>
-          <a:bodyPr anchorCtr="0" anchor="t" bIns="91425" lIns="91425" rIns="91425" tIns="91425">
+          <a:bodyPr lIns="91425" tIns="91425" rIns="91425" bIns="91425" anchor="t" anchorCtr="0">
             <a:noAutofit/>
           </a:bodyPr>
           <a:lstStyle/>
           <a:p>
-            <a:pPr indent="-228600" lvl="0" marL="457200" rtl="0">
+            <a:pPr marL="514350" lvl="0" indent="-285750" rtl="0">
               <a:spcBef>
                 <a:spcPts val="0"/>
               </a:spcBef>
               <a:buClr>
                 <a:srgbClr val="000000"/>
               </a:buClr>
-            </a:pPr>
-            <a:r>
-              <a:rPr lang="en">
+              <a:buFont typeface="Arial" panose="020B0604020202020204" pitchFamily="34" charset="0"/>
+              <a:buChar char="•"/>
+            </a:pPr>
+            <a:r>
+              <a:rPr lang="en" sz="1600" dirty="0">
                 <a:solidFill>
                   <a:srgbClr val="000000"/>
                 </a:solidFill>
@@ -9266,16 +9932,18 @@
             </a:r>
           </a:p>
           <a:p>
-            <a:pPr indent="-228600" lvl="0" marL="457200" rtl="0">
+            <a:pPr marL="514350" lvl="0" indent="-285750" rtl="0">
               <a:spcBef>
                 <a:spcPts val="0"/>
               </a:spcBef>
               <a:buClr>
                 <a:srgbClr val="000000"/>
               </a:buClr>
-            </a:pPr>
-            <a:r>
-              <a:rPr lang="en">
+              <a:buFont typeface="Arial" panose="020B0604020202020204" pitchFamily="34" charset="0"/>
+              <a:buChar char="•"/>
+            </a:pPr>
+            <a:r>
+              <a:rPr lang="en" sz="1600" dirty="0">
                 <a:solidFill>
                   <a:srgbClr val="000000"/>
                 </a:solidFill>
@@ -9284,16 +9952,18 @@
             </a:r>
           </a:p>
           <a:p>
-            <a:pPr indent="-228600" lvl="0" marL="457200" rtl="0">
+            <a:pPr marL="514350" lvl="0" indent="-285750" rtl="0">
               <a:spcBef>
                 <a:spcPts val="0"/>
               </a:spcBef>
               <a:buClr>
                 <a:srgbClr val="000000"/>
               </a:buClr>
-            </a:pPr>
-            <a:r>
-              <a:rPr lang="en">
+              <a:buFont typeface="Arial" panose="020B0604020202020204" pitchFamily="34" charset="0"/>
+              <a:buChar char="•"/>
+            </a:pPr>
+            <a:r>
+              <a:rPr lang="en" sz="1600" dirty="0">
                 <a:solidFill>
                   <a:srgbClr val="000000"/>
                 </a:solidFill>
@@ -9308,10 +9978,7 @@
               </a:spcBef>
               <a:buNone/>
             </a:pPr>
-            <a:r>
-              <a:t/>
-            </a:r>
-            <a:endParaRPr/>
+            <a:endParaRPr dirty="0"/>
           </a:p>
         </p:txBody>
       </p:sp>
@@ -9324,7 +9991,7 @@
 </file>
 
 <file path=ppt/theme/theme1.xml><?xml version="1.0" encoding="utf-8"?>
-<a:theme xmlns:a="http://schemas.openxmlformats.org/drawingml/2006/main" xmlns:r="http://schemas.openxmlformats.org/officeDocument/2006/relationships" name="tropic">
+<a:theme xmlns:a="http://schemas.openxmlformats.org/drawingml/2006/main" name="tropic">
   <a:themeElements>
     <a:clrScheme name="Tropic">
       <a:dk1>
@@ -9599,11 +10266,13 @@
       </a:bgFillStyleLst>
     </a:fmtScheme>
   </a:themeElements>
+  <a:objectDefaults/>
+  <a:extraClrSchemeLst/>
 </a:theme>
 </file>
 
 <file path=ppt/theme/theme2.xml><?xml version="1.0" encoding="utf-8"?>
-<a:theme xmlns:a="http://schemas.openxmlformats.org/drawingml/2006/main" xmlns:r="http://schemas.openxmlformats.org/officeDocument/2006/relationships" name="Custom Theme">
+<a:theme xmlns:a="http://schemas.openxmlformats.org/drawingml/2006/main" name="Custom Theme">
   <a:themeElements>
     <a:clrScheme name="Default">
       <a:dk1>
@@ -9878,5 +10547,7 @@
       </a:bgFillStyleLst>
     </a:fmtScheme>
   </a:themeElements>
+  <a:objectDefaults/>
+  <a:extraClrSchemeLst/>
 </a:theme>
 </file>